--- a/gmin213/tp/presentation/pres.pptx
+++ b/gmin213/tp/presentation/pres.pptx
@@ -5,10 +5,10 @@
     <p:sldMasterId id="2147483660" r:id="rId1"/>
   </p:sldMasterIdLst>
   <p:notesMasterIdLst>
-    <p:notesMasterId r:id="rId23"/>
+    <p:notesMasterId r:id="rId21"/>
   </p:notesMasterIdLst>
   <p:handoutMasterIdLst>
-    <p:handoutMasterId r:id="rId24"/>
+    <p:handoutMasterId r:id="rId22"/>
   </p:handoutMasterIdLst>
   <p:sldIdLst>
     <p:sldId id="256" r:id="rId2"/>
@@ -17,21 +17,19 @@
     <p:sldId id="259" r:id="rId5"/>
     <p:sldId id="262" r:id="rId6"/>
     <p:sldId id="269" r:id="rId7"/>
-    <p:sldId id="263" r:id="rId8"/>
-    <p:sldId id="264" r:id="rId9"/>
-    <p:sldId id="260" r:id="rId10"/>
-    <p:sldId id="265" r:id="rId11"/>
-    <p:sldId id="266" r:id="rId12"/>
-    <p:sldId id="270" r:id="rId13"/>
-    <p:sldId id="267" r:id="rId14"/>
-    <p:sldId id="268" r:id="rId15"/>
-    <p:sldId id="261" r:id="rId16"/>
-    <p:sldId id="271" r:id="rId17"/>
-    <p:sldId id="272" r:id="rId18"/>
-    <p:sldId id="273" r:id="rId19"/>
-    <p:sldId id="274" r:id="rId20"/>
-    <p:sldId id="275" r:id="rId21"/>
-    <p:sldId id="276" r:id="rId22"/>
+    <p:sldId id="264" r:id="rId8"/>
+    <p:sldId id="260" r:id="rId9"/>
+    <p:sldId id="265" r:id="rId10"/>
+    <p:sldId id="266" r:id="rId11"/>
+    <p:sldId id="270" r:id="rId12"/>
+    <p:sldId id="268" r:id="rId13"/>
+    <p:sldId id="261" r:id="rId14"/>
+    <p:sldId id="271" r:id="rId15"/>
+    <p:sldId id="272" r:id="rId16"/>
+    <p:sldId id="273" r:id="rId17"/>
+    <p:sldId id="274" r:id="rId18"/>
+    <p:sldId id="275" r:id="rId19"/>
+    <p:sldId id="276" r:id="rId20"/>
   </p:sldIdLst>
   <p:sldSz cx="9144000" cy="6858000" type="screen4x3"/>
   <p:notesSz cx="6858000" cy="9144000"/>
@@ -145,13 +143,11 @@
             <p14:sldId id="259"/>
             <p14:sldId id="262"/>
             <p14:sldId id="269"/>
-            <p14:sldId id="263"/>
             <p14:sldId id="264"/>
             <p14:sldId id="260"/>
             <p14:sldId id="265"/>
             <p14:sldId id="266"/>
             <p14:sldId id="270"/>
-            <p14:sldId id="267"/>
             <p14:sldId id="268"/>
             <p14:sldId id="261"/>
             <p14:sldId id="271"/>
@@ -4916,14 +4912,14 @@
           <a:p>
             <a:r>
               <a:rPr lang="fr-FR"/>
-              <a:t>Problème du sac à dos</a:t>
-            </a:r>
-          </a:p>
-        </p:txBody>
-      </p:sp>
-      <p:sp>
-        <p:nvSpPr>
-          <p:cNvPr id="6" name="Espace réservé du contenu 5"/>
+              <a:t>Algorithme</a:t>
+            </a:r>
+          </a:p>
+        </p:txBody>
+      </p:sp>
+      <p:sp>
+        <p:nvSpPr>
+          <p:cNvPr id="3" name="Espace réservé du contenu 2"/>
           <p:cNvSpPr>
             <a:spLocks noGrp="1"/>
           </p:cNvSpPr>
@@ -4933,38 +4929,149 @@
         </p:nvSpPr>
         <p:spPr/>
         <p:txBody>
-          <a:bodyPr/>
+          <a:bodyPr>
+            <a:normAutofit fontScale="92500" lnSpcReduction="20000"/>
+          </a:bodyPr>
           <a:lstStyle/>
           <a:p>
             <a:r>
-              <a:rPr lang="fr-FR"/>
-              <a:t>Problème d’optimisation</a:t>
-            </a:r>
-          </a:p>
-          <a:p>
-            <a:r>
-              <a:rPr lang="fr-FR"/>
-              <a:t>Remplir un sac à dos avec </a:t>
-            </a:r>
-            <a:r>
-              <a:rPr lang="fr-FR" i="1"/>
-              <a:t>n</a:t>
-            </a:r>
-            <a:r>
-              <a:rPr lang="fr-FR"/>
-              <a:t> objets</a:t>
-            </a:r>
-          </a:p>
-          <a:p>
-            <a:r>
-              <a:rPr lang="fr-FR"/>
-              <a:t>Volume limité</a:t>
-            </a:r>
-          </a:p>
-          <a:p>
-            <a:r>
-              <a:rPr lang="fr-FR"/>
-              <a:t>Choix d’une solution à utilité maximale</a:t>
+              <a:rPr lang="fr-FR" dirty="0"/>
+              <a:t>création de </a:t>
+            </a:r>
+            <a:r>
+              <a:rPr lang="fr-FR" dirty="0" err="1"/>
+              <a:t>T</a:t>
+            </a:r>
+            <a:r>
+              <a:rPr lang="fr-FR" dirty="0"/>
+              <a:t> une (n+1, </a:t>
+            </a:r>
+            <a:r>
+              <a:rPr lang="fr-FR" dirty="0" err="1"/>
+              <a:t>volumeMax</a:t>
+            </a:r>
+            <a:r>
+              <a:rPr lang="fr-FR" dirty="0"/>
+              <a:t>)-matrice</a:t>
+            </a:r>
+          </a:p>
+          <a:p>
+            <a:r>
+              <a:rPr lang="fr-FR" dirty="0"/>
+              <a:t>initialisation : pour j</a:t>
+            </a:r>
+            <a:r>
+              <a:rPr lang="fr-FR" dirty="0" smtClean="0"/>
+              <a:t>∈{1, …, </a:t>
+            </a:r>
+            <a:r>
+              <a:rPr lang="fr-FR" dirty="0" err="1" smtClean="0"/>
+              <a:t>volumeMax</a:t>
+            </a:r>
+            <a:r>
+              <a:rPr lang="fr-FR" dirty="0" smtClean="0"/>
+              <a:t>}</a:t>
+            </a:r>
+            <a:endParaRPr lang="fr-FR" dirty="0"/>
+          </a:p>
+          <a:p>
+            <a:pPr lvl="1"/>
+            <a:r>
+              <a:rPr lang="fr-FR" dirty="0" err="1"/>
+              <a:t>T</a:t>
+            </a:r>
+            <a:r>
+              <a:rPr lang="fr-FR" dirty="0"/>
+              <a:t>[0,j] = 0</a:t>
+            </a:r>
+          </a:p>
+          <a:p>
+            <a:r>
+              <a:rPr lang="fr-FR" dirty="0"/>
+              <a:t>pour i∈{1,…,n}</a:t>
+            </a:r>
+          </a:p>
+          <a:p>
+            <a:pPr lvl="1"/>
+            <a:r>
+              <a:rPr lang="fr-FR" dirty="0"/>
+              <a:t>pour j ∈ {1, …, </a:t>
+            </a:r>
+            <a:r>
+              <a:rPr lang="fr-FR" dirty="0" err="1"/>
+              <a:t>volumeMax</a:t>
+            </a:r>
+            <a:r>
+              <a:rPr lang="fr-FR" dirty="0"/>
+              <a:t>}</a:t>
+            </a:r>
+          </a:p>
+          <a:p>
+            <a:pPr lvl="2"/>
+            <a:r>
+              <a:rPr lang="fr-FR" dirty="0"/>
+              <a:t>pour k ∈ {0, …, </a:t>
+            </a:r>
+            <a:r>
+              <a:rPr lang="fr-FR" dirty="0" err="1"/>
+              <a:t>volumeMax</a:t>
+            </a:r>
+            <a:r>
+              <a:rPr lang="fr-FR" dirty="0"/>
+              <a:t>/volume[i]}</a:t>
+            </a:r>
+          </a:p>
+          <a:p>
+            <a:pPr lvl="3"/>
+            <a:r>
+              <a:rPr lang="cs-CZ" dirty="0"/>
+              <a:t>T[i, j] ← </a:t>
+            </a:r>
+            <a:r>
+              <a:rPr lang="cs-CZ" dirty="0" err="1"/>
+              <a:t>max</a:t>
+            </a:r>
+            <a:r>
+              <a:rPr lang="cs-CZ" dirty="0"/>
+              <a:t>(T[i, j], T[i-1, j-k × </a:t>
+            </a:r>
+            <a:r>
+              <a:rPr lang="cs-CZ" dirty="0" err="1"/>
+              <a:t>volume</a:t>
+            </a:r>
+            <a:r>
+              <a:rPr lang="cs-CZ" dirty="0"/>
+              <a:t>[i]] + k × </a:t>
+            </a:r>
+            <a:r>
+              <a:rPr lang="cs-CZ" dirty="0" err="1"/>
+              <a:t>utilite</a:t>
+            </a:r>
+            <a:r>
+              <a:rPr lang="cs-CZ" dirty="0"/>
+              <a:t>[i])</a:t>
+            </a:r>
+          </a:p>
+          <a:p>
+            <a:r>
+              <a:rPr lang="fr-FR" dirty="0"/>
+              <a:t>renvoyer </a:t>
+            </a:r>
+            <a:r>
+              <a:rPr lang="fr-FR" dirty="0" err="1"/>
+              <a:t>T</a:t>
+            </a:r>
+            <a:r>
+              <a:rPr lang="fr-FR" dirty="0"/>
+              <a:t>[</a:t>
+            </a:r>
+            <a:r>
+              <a:rPr lang="fr-FR" dirty="0" err="1"/>
+              <a:t>n,volumeMax</a:t>
+            </a:r>
+            <a:r>
+              <a:rPr lang="fr-FR" dirty="0"/>
+              <a:t>]</a:t>
             </a:r>
           </a:p>
         </p:txBody>
@@ -4994,7 +5101,7 @@
       </p:sp>
       <p:sp>
         <p:nvSpPr>
-          <p:cNvPr id="7" name="Espace réservé du texte 6"/>
+          <p:cNvPr id="5" name="Espace réservé du texte 4"/>
           <p:cNvSpPr>
             <a:spLocks noGrp="1"/>
           </p:cNvSpPr>
@@ -5009,11 +5116,7 @@
           <a:p>
             <a:r>
               <a:rPr lang="fr-FR"/>
-              <a:t>Programmation dynamique / </a:t>
-            </a:r>
-            <a:r>
-              <a:rPr lang="fr-FR"/>
-              <a:t>Sac à dos</a:t>
+              <a:t>Programmation dynamique / Sac à dos</a:t>
             </a:r>
           </a:p>
         </p:txBody>
@@ -5021,20 +5124,13 @@
     </p:spTree>
     <p:extLst>
       <p:ext uri="{BB962C8B-B14F-4D97-AF65-F5344CB8AC3E}">
-        <p14:creationId xmlns:p14="http://schemas.microsoft.com/office/powerpoint/2010/main" val="2110593780"/>
+        <p14:creationId xmlns:p14="http://schemas.microsoft.com/office/powerpoint/2010/main" val="2047711477"/>
       </p:ext>
     </p:extLst>
   </p:cSld>
   <p:clrMapOvr>
     <a:masterClrMapping/>
   </p:clrMapOvr>
-  <p:timing>
-    <p:tnLst>
-      <p:par>
-        <p:cTn xmlns:p14="http://schemas.microsoft.com/office/powerpoint/2010/main" id="1" dur="indefinite" restart="never" nodeType="tmRoot"/>
-      </p:par>
-    </p:tnLst>
-  </p:timing>
 </p:sld>
 </file>
 
@@ -5072,7 +5168,7 @@
           <a:p>
             <a:r>
               <a:rPr lang="fr-FR"/>
-              <a:t>Algorithme</a:t>
+              <a:t>Implémentation</a:t>
             </a:r>
           </a:p>
         </p:txBody>
@@ -5089,65 +5185,42 @@
         </p:nvSpPr>
         <p:spPr/>
         <p:txBody>
-          <a:bodyPr>
-            <a:normAutofit fontScale="92500" lnSpcReduction="20000"/>
-          </a:bodyPr>
+          <a:bodyPr/>
           <a:lstStyle/>
           <a:p>
             <a:r>
-              <a:rPr lang="fr-FR"/>
-              <a:t>création de T une (n+1, volumeMax)-matrice</a:t>
-            </a:r>
-          </a:p>
-          <a:p>
-            <a:r>
-              <a:rPr lang="fr-FR"/>
-              <a:t>initialisation : pour </a:t>
-            </a:r>
-            <a:r>
-              <a:rPr lang="fr-FR"/>
-              <a:t>j∈[1,volumeMax]</a:t>
+              <a:rPr lang="fr-FR" dirty="0" smtClean="0"/>
+              <a:t>Langage C</a:t>
+            </a:r>
+          </a:p>
+          <a:p>
+            <a:r>
+              <a:rPr lang="fr-FR" dirty="0" smtClean="0"/>
+              <a:t>Complexité</a:t>
             </a:r>
           </a:p>
           <a:p>
             <a:pPr lvl="1"/>
             <a:r>
-              <a:rPr lang="fr-FR"/>
-              <a:t>T[0,j] = 0</a:t>
-            </a:r>
-          </a:p>
-          <a:p>
-            <a:r>
-              <a:rPr lang="fr-FR"/>
-              <a:t>pour i∈{1,…,n}</a:t>
+              <a:rPr lang="fr-FR" dirty="0" smtClean="0"/>
+              <a:t>Temps : O(n.V</a:t>
+            </a:r>
+            <a:r>
+              <a:rPr lang="fr-FR" baseline="30000" dirty="0" smtClean="0"/>
+              <a:t>2</a:t>
+            </a:r>
+            <a:r>
+              <a:rPr lang="fr-FR" dirty="0" smtClean="0"/>
+              <a:t>)</a:t>
             </a:r>
           </a:p>
           <a:p>
             <a:pPr lvl="1"/>
             <a:r>
-              <a:rPr lang="fr-FR"/>
-              <a:t>pour j ∈ {1, …, volumeMax}</a:t>
-            </a:r>
-          </a:p>
-          <a:p>
-            <a:pPr lvl="2"/>
-            <a:r>
-              <a:rPr lang="fr-FR"/>
-              <a:t>pour k ∈ {0, …, volumeMax/volume[i]}</a:t>
-            </a:r>
-          </a:p>
-          <a:p>
-            <a:pPr lvl="3"/>
-            <a:r>
-              <a:rPr lang="cs-CZ"/>
-              <a:t>T[i, j] ← max(T[i, j], T[i-1, j-k × volume[i]] + k × utilite[i])</a:t>
-            </a:r>
-          </a:p>
-          <a:p>
-            <a:r>
-              <a:rPr lang="fr-FR"/>
-              <a:t>renvoyer T[n,volumeMax]</a:t>
-            </a:r>
+              <a:rPr lang="fr-FR" dirty="0" smtClean="0"/>
+              <a:t>Espace : O(V)</a:t>
+            </a:r>
+            <a:endParaRPr lang="fr-FR" dirty="0"/>
           </a:p>
         </p:txBody>
       </p:sp>
@@ -5199,7 +5272,7 @@
     </p:spTree>
     <p:extLst>
       <p:ext uri="{BB962C8B-B14F-4D97-AF65-F5344CB8AC3E}">
-        <p14:creationId xmlns:p14="http://schemas.microsoft.com/office/powerpoint/2010/main" val="2047711477"/>
+        <p14:creationId xmlns:p14="http://schemas.microsoft.com/office/powerpoint/2010/main" val="2242560654"/>
       </p:ext>
     </p:extLst>
   </p:cSld>
@@ -5243,7 +5316,7 @@
           <a:p>
             <a:r>
               <a:rPr lang="fr-FR"/>
-              <a:t>Implémentation</a:t>
+              <a:t>Tests</a:t>
             </a:r>
           </a:p>
         </p:txBody>
@@ -5315,7 +5388,7 @@
     </p:spTree>
     <p:extLst>
       <p:ext uri="{BB962C8B-B14F-4D97-AF65-F5344CB8AC3E}">
-        <p14:creationId xmlns:p14="http://schemas.microsoft.com/office/powerpoint/2010/main" val="2242560654"/>
+        <p14:creationId xmlns:p14="http://schemas.microsoft.com/office/powerpoint/2010/main" val="2071881952"/>
       </p:ext>
     </p:extLst>
   </p:cSld>
@@ -5359,19 +5432,19 @@
           <a:p>
             <a:r>
               <a:rPr lang="fr-FR"/>
-              <a:t>Performances</a:t>
-            </a:r>
-          </a:p>
-        </p:txBody>
-      </p:sp>
-      <p:sp>
-        <p:nvSpPr>
-          <p:cNvPr id="3" name="Espace réservé du contenu 2"/>
-          <p:cNvSpPr>
-            <a:spLocks noGrp="1"/>
-          </p:cNvSpPr>
-          <p:nvPr>
-            <p:ph idx="1"/>
+              <a:t>programmation dynamique</a:t>
+            </a:r>
+          </a:p>
+        </p:txBody>
+      </p:sp>
+      <p:sp>
+        <p:nvSpPr>
+          <p:cNvPr id="3" name="Espace réservé du texte 2"/>
+          <p:cNvSpPr>
+            <a:spLocks noGrp="1"/>
+          </p:cNvSpPr>
+          <p:nvPr>
+            <p:ph type="body" idx="1"/>
           </p:nvPr>
         </p:nvSpPr>
         <p:spPr/>
@@ -5381,39 +5454,8 @@
           <a:p>
             <a:r>
               <a:rPr lang="fr-FR"/>
-              <a:t>Complexité</a:t>
-            </a:r>
-          </a:p>
-          <a:p>
-            <a:pPr lvl="1"/>
-            <a:r>
-              <a:rPr lang="fr-FR"/>
-              <a:t>Temps : O(n.V</a:t>
-            </a:r>
-            <a:r>
-              <a:rPr lang="fr-FR" baseline="30000"/>
-              <a:t>2</a:t>
-            </a:r>
-            <a:r>
-              <a:rPr lang="fr-FR"/>
-              <a:t>)</a:t>
-            </a:r>
-          </a:p>
-          <a:p>
-            <a:pPr lvl="1"/>
-            <a:r>
-              <a:rPr lang="fr-FR"/>
-              <a:t>Espace : </a:t>
-            </a:r>
-            <a:r>
-              <a:rPr lang="fr-FR"/>
-              <a:t>(n+1, volumeMax)-matrice</a:t>
-            </a:r>
-            <a:endParaRPr lang="fr-FR"/>
-          </a:p>
-          <a:p>
-            <a:pPr lvl="1"/>
-            <a:endParaRPr lang="fr-FR"/>
+              <a:t>Voyageur de commerce</a:t>
+            </a:r>
           </a:p>
         </p:txBody>
       </p:sp>
@@ -5440,38 +5482,23 @@
           </a:p>
         </p:txBody>
       </p:sp>
-      <p:sp>
-        <p:nvSpPr>
-          <p:cNvPr id="5" name="Espace réservé du texte 4"/>
-          <p:cNvSpPr>
-            <a:spLocks noGrp="1"/>
-          </p:cNvSpPr>
-          <p:nvPr>
-            <p:ph type="body" sz="quarter" idx="13"/>
-          </p:nvPr>
-        </p:nvSpPr>
-        <p:spPr/>
-        <p:txBody>
-          <a:bodyPr/>
-          <a:lstStyle/>
-          <a:p>
-            <a:r>
-              <a:rPr lang="fr-FR"/>
-              <a:t>Programmation dynamique / Sac à dos</a:t>
-            </a:r>
-          </a:p>
-        </p:txBody>
-      </p:sp>
     </p:spTree>
     <p:extLst>
       <p:ext uri="{BB962C8B-B14F-4D97-AF65-F5344CB8AC3E}">
-        <p14:creationId xmlns:p14="http://schemas.microsoft.com/office/powerpoint/2010/main" val="2228866959"/>
+        <p14:creationId xmlns:p14="http://schemas.microsoft.com/office/powerpoint/2010/main" val="1549551004"/>
       </p:ext>
     </p:extLst>
   </p:cSld>
   <p:clrMapOvr>
     <a:masterClrMapping/>
   </p:clrMapOvr>
+  <p:timing>
+    <p:tnLst>
+      <p:par>
+        <p:cTn xmlns:p14="http://schemas.microsoft.com/office/powerpoint/2010/main" id="1" dur="indefinite" restart="never" nodeType="tmRoot"/>
+      </p:par>
+    </p:tnLst>
+  </p:timing>
 </p:sld>
 </file>
 
@@ -5502,14 +5529,21 @@
             <p:ph type="title"/>
           </p:nvPr>
         </p:nvSpPr>
-        <p:spPr/>
-        <p:txBody>
-          <a:bodyPr/>
+        <p:spPr>
+          <a:xfrm>
+            <a:off x="1435608" y="274638"/>
+            <a:ext cx="7708392" cy="1143000"/>
+          </a:xfrm>
+        </p:spPr>
+        <p:txBody>
+          <a:bodyPr>
+            <a:normAutofit fontScale="90000"/>
+          </a:bodyPr>
           <a:lstStyle/>
           <a:p>
             <a:r>
               <a:rPr lang="fr-FR"/>
-              <a:t>Tests</a:t>
+              <a:t>Problème du voyageur de commerce</a:t>
             </a:r>
           </a:p>
         </p:txBody>
@@ -5529,7 +5563,47 @@
           <a:bodyPr/>
           <a:lstStyle/>
           <a:p>
-            <a:endParaRPr lang="fr-FR"/>
+            <a:r>
+              <a:rPr lang="fr-FR" dirty="0"/>
+              <a:t>Passer une seule fois par chaque </a:t>
+            </a:r>
+            <a:r>
+              <a:rPr lang="fr-FR" dirty="0" smtClean="0"/>
+              <a:t>ville</a:t>
+            </a:r>
+          </a:p>
+          <a:p>
+            <a:r>
+              <a:rPr lang="fr-FR" dirty="0" smtClean="0"/>
+              <a:t>Revenir au point de départ</a:t>
+            </a:r>
+            <a:endParaRPr lang="fr-FR" dirty="0"/>
+          </a:p>
+          <a:p>
+            <a:r>
+              <a:rPr lang="fr-FR" dirty="0"/>
+              <a:t>Voyage de coût minimum</a:t>
+            </a:r>
+          </a:p>
+          <a:p>
+            <a:pPr marL="82296" indent="0">
+              <a:buNone/>
+            </a:pPr>
+            <a:endParaRPr lang="fr-FR" dirty="0"/>
+          </a:p>
+          <a:p>
+            <a:r>
+              <a:rPr lang="fr-FR" dirty="0"/>
+              <a:t>cycle </a:t>
+            </a:r>
+            <a:r>
+              <a:rPr lang="fr-FR" dirty="0" err="1"/>
+              <a:t>hamiltonien</a:t>
+            </a:r>
+            <a:r>
+              <a:rPr lang="fr-FR" dirty="0"/>
+              <a:t> de poids minimum</a:t>
+            </a:r>
           </a:p>
         </p:txBody>
       </p:sp>
@@ -5573,7 +5647,7 @@
           <a:p>
             <a:r>
               <a:rPr lang="fr-FR"/>
-              <a:t>Programmation dynamique / Sac à dos</a:t>
+              <a:t>Programmation dynamique / Voyageur de commerce</a:t>
             </a:r>
           </a:p>
         </p:txBody>
@@ -5581,7 +5655,7 @@
     </p:spTree>
     <p:extLst>
       <p:ext uri="{BB962C8B-B14F-4D97-AF65-F5344CB8AC3E}">
-        <p14:creationId xmlns:p14="http://schemas.microsoft.com/office/powerpoint/2010/main" val="2071881952"/>
+        <p14:creationId xmlns:p14="http://schemas.microsoft.com/office/powerpoint/2010/main" val="3356454973"/>
       </p:ext>
     </p:extLst>
   </p:cSld>
@@ -5625,29 +5699,7 @@
           <a:p>
             <a:r>
               <a:rPr lang="fr-FR"/>
-              <a:t>programmation dynamique</a:t>
-            </a:r>
-          </a:p>
-        </p:txBody>
-      </p:sp>
-      <p:sp>
-        <p:nvSpPr>
-          <p:cNvPr id="3" name="Espace réservé du texte 2"/>
-          <p:cNvSpPr>
-            <a:spLocks noGrp="1"/>
-          </p:cNvSpPr>
-          <p:nvPr>
-            <p:ph type="body" idx="1"/>
-          </p:nvPr>
-        </p:nvSpPr>
-        <p:spPr/>
-        <p:txBody>
-          <a:bodyPr/>
-          <a:lstStyle/>
-          <a:p>
-            <a:r>
-              <a:rPr lang="fr-FR"/>
-              <a:t>Voyageur de commerce</a:t>
+              <a:t>Algorithme</a:t>
             </a:r>
           </a:p>
         </p:txBody>
@@ -5675,23 +5727,184 @@
           </a:p>
         </p:txBody>
       </p:sp>
+      <p:sp>
+        <p:nvSpPr>
+          <p:cNvPr id="5" name="Espace réservé du texte 4"/>
+          <p:cNvSpPr>
+            <a:spLocks noGrp="1"/>
+          </p:cNvSpPr>
+          <p:nvPr>
+            <p:ph type="body" sz="quarter" idx="13"/>
+          </p:nvPr>
+        </p:nvSpPr>
+        <p:spPr/>
+        <p:txBody>
+          <a:bodyPr/>
+          <a:lstStyle/>
+          <a:p>
+            <a:r>
+              <a:rPr lang="fr-FR"/>
+              <a:t>Programmation dynamique / Voyageur de commerce</a:t>
+            </a:r>
+          </a:p>
+        </p:txBody>
+      </p:sp>
+      <p:sp>
+        <p:nvSpPr>
+          <p:cNvPr id="6" name="Espace réservé du contenu 2"/>
+          <p:cNvSpPr>
+            <a:spLocks noGrp="1"/>
+          </p:cNvSpPr>
+          <p:nvPr>
+            <p:ph idx="1"/>
+          </p:nvPr>
+        </p:nvSpPr>
+        <p:spPr>
+          <a:xfrm>
+            <a:off x="1435608" y="1447800"/>
+            <a:ext cx="7498080" cy="4800600"/>
+          </a:xfrm>
+        </p:spPr>
+        <p:txBody>
+          <a:bodyPr>
+            <a:normAutofit/>
+          </a:bodyPr>
+          <a:lstStyle/>
+          <a:p>
+            <a:r>
+              <a:rPr lang="fr-FR" dirty="0" smtClean="0"/>
+              <a:t>Initialisation :</a:t>
+            </a:r>
+            <a:r>
+              <a:rPr lang="fr-FR" dirty="0" smtClean="0"/>
+              <a:t>pour </a:t>
+            </a:r>
+            <a:r>
+              <a:rPr lang="fr-FR" dirty="0"/>
+              <a:t>i</a:t>
+            </a:r>
+            <a:r>
+              <a:rPr lang="fr-FR" dirty="0" smtClean="0"/>
+              <a:t>∈{1, …, n}</a:t>
+            </a:r>
+          </a:p>
+          <a:p>
+            <a:pPr lvl="1"/>
+            <a:r>
+              <a:rPr lang="fr-FR" dirty="0" smtClean="0"/>
+              <a:t>C({0},i) = p(0,i)</a:t>
+            </a:r>
+          </a:p>
+          <a:p>
+            <a:r>
+              <a:rPr lang="fr-FR" dirty="0"/>
+              <a:t>pour i∈</a:t>
+            </a:r>
+            <a:r>
+              <a:rPr lang="fr-FR" dirty="0" smtClean="0"/>
+              <a:t>{2, …, n</a:t>
+            </a:r>
+            <a:r>
+              <a:rPr lang="fr-FR" dirty="0"/>
+              <a:t>}</a:t>
+            </a:r>
+          </a:p>
+          <a:p>
+            <a:pPr lvl="1"/>
+            <a:r>
+              <a:rPr lang="fr-FR" dirty="0"/>
+              <a:t>pour </a:t>
+            </a:r>
+            <a:r>
+              <a:rPr lang="fr-FR" dirty="0" smtClean="0"/>
+              <a:t>S ⊆{1, …, n} : |S|=i</a:t>
+            </a:r>
+          </a:p>
+          <a:p>
+            <a:pPr lvl="2"/>
+            <a:r>
+              <a:rPr lang="fr-FR" dirty="0" smtClean="0"/>
+              <a:t>pour j S</a:t>
+            </a:r>
+          </a:p>
+          <a:p>
+            <a:pPr lvl="3"/>
+            <a:r>
+              <a:rPr lang="fr-FR" dirty="0" smtClean="0"/>
+              <a:t>C(</a:t>
+            </a:r>
+            <a:r>
+              <a:rPr lang="fr-FR" dirty="0" err="1" smtClean="0"/>
+              <a:t>S,j</a:t>
+            </a:r>
+            <a:r>
+              <a:rPr lang="fr-FR" dirty="0" smtClean="0"/>
+              <a:t>) = </a:t>
+            </a:r>
+            <a:r>
+              <a:rPr lang="fr-FR" dirty="0" err="1" smtClean="0"/>
+              <a:t>min</a:t>
+            </a:r>
+            <a:r>
+              <a:rPr lang="fr-FR" baseline="-25000" dirty="0" err="1" smtClean="0"/>
+              <a:t>k∈S</a:t>
+            </a:r>
+            <a:r>
+              <a:rPr lang="fr-FR" baseline="-25000" dirty="0" smtClean="0"/>
+              <a:t>\{0}</a:t>
+            </a:r>
+            <a:r>
+              <a:rPr lang="fr-FR" dirty="0" smtClean="0"/>
+              <a:t>( C(S\{k}, k)+ p(k, j) )</a:t>
+            </a:r>
+            <a:endParaRPr lang="fr-FR" dirty="0"/>
+          </a:p>
+          <a:p>
+            <a:r>
+              <a:rPr lang="fr-FR" dirty="0" smtClean="0"/>
+              <a:t>Renvoyer </a:t>
+            </a:r>
+            <a:r>
+              <a:rPr lang="fr-FR" dirty="0" err="1" smtClean="0"/>
+              <a:t>min</a:t>
+            </a:r>
+            <a:r>
+              <a:rPr lang="fr-FR" baseline="-25000" dirty="0" err="1" smtClean="0"/>
+              <a:t>i∈V</a:t>
+            </a:r>
+            <a:r>
+              <a:rPr lang="fr-FR" baseline="-25000" dirty="0" smtClean="0"/>
+              <a:t>\</a:t>
+            </a:r>
+            <a:r>
+              <a:rPr lang="fr-FR" baseline="-25000" dirty="0"/>
+              <a:t>{0</a:t>
+            </a:r>
+            <a:r>
+              <a:rPr lang="fr-FR" baseline="-25000" dirty="0" smtClean="0"/>
+              <a:t>}</a:t>
+            </a:r>
+            <a:r>
+              <a:rPr lang="fr-FR" dirty="0" smtClean="0"/>
+              <a:t>( C(X\{i},i) + p(i, 0) )</a:t>
+            </a:r>
+            <a:endParaRPr lang="fr-FR" dirty="0"/>
+          </a:p>
+          <a:p>
+            <a:endParaRPr lang="fr-FR" dirty="0"/>
+          </a:p>
+        </p:txBody>
+      </p:sp>
     </p:spTree>
     <p:extLst>
       <p:ext uri="{BB962C8B-B14F-4D97-AF65-F5344CB8AC3E}">
-        <p14:creationId xmlns:p14="http://schemas.microsoft.com/office/powerpoint/2010/main" val="1549551004"/>
+        <p14:creationId xmlns:p14="http://schemas.microsoft.com/office/powerpoint/2010/main" val="3531835234"/>
       </p:ext>
     </p:extLst>
   </p:cSld>
   <p:clrMapOvr>
     <a:masterClrMapping/>
   </p:clrMapOvr>
-  <p:timing>
-    <p:tnLst>
-      <p:par>
-        <p:cTn xmlns:p14="http://schemas.microsoft.com/office/powerpoint/2010/main" id="1" dur="indefinite" restart="never" nodeType="tmRoot"/>
-      </p:par>
-    </p:tnLst>
-  </p:timing>
 </p:sld>
 </file>
 
@@ -5722,21 +5935,14 @@
             <p:ph type="title"/>
           </p:nvPr>
         </p:nvSpPr>
-        <p:spPr>
-          <a:xfrm>
-            <a:off x="1435608" y="274638"/>
-            <a:ext cx="7708392" cy="1143000"/>
-          </a:xfrm>
-        </p:spPr>
-        <p:txBody>
-          <a:bodyPr>
-            <a:normAutofit fontScale="90000"/>
-          </a:bodyPr>
+        <p:spPr/>
+        <p:txBody>
+          <a:bodyPr/>
           <a:lstStyle/>
           <a:p>
             <a:r>
               <a:rPr lang="fr-FR"/>
-              <a:t>Problème du voyageur de commerce</a:t>
+              <a:t>Implémentation</a:t>
             </a:r>
           </a:p>
         </p:txBody>
@@ -5756,32 +5962,7 @@
           <a:bodyPr/>
           <a:lstStyle/>
           <a:p>
-            <a:r>
-              <a:rPr lang="fr-FR"/>
-              <a:t>Passer une seule fois par chaque ville</a:t>
-            </a:r>
-          </a:p>
-          <a:p>
-            <a:r>
-              <a:rPr lang="fr-FR"/>
-              <a:t>Voyage de co</a:t>
-            </a:r>
-            <a:r>
-              <a:rPr lang="fr-FR"/>
-              <a:t>ût minimum</a:t>
-            </a:r>
-          </a:p>
-          <a:p>
-            <a:pPr marL="82296" indent="0">
-              <a:buNone/>
-            </a:pPr>
             <a:endParaRPr lang="fr-FR"/>
-          </a:p>
-          <a:p>
-            <a:r>
-              <a:rPr lang="fr-FR"/>
-              <a:t>cycle hamiltonien de poids minimum</a:t>
-            </a:r>
           </a:p>
         </p:txBody>
       </p:sp>
@@ -5833,7 +6014,7 @@
     </p:spTree>
     <p:extLst>
       <p:ext uri="{BB962C8B-B14F-4D97-AF65-F5344CB8AC3E}">
-        <p14:creationId xmlns:p14="http://schemas.microsoft.com/office/powerpoint/2010/main" val="3356454973"/>
+        <p14:creationId xmlns:p14="http://schemas.microsoft.com/office/powerpoint/2010/main" val="1417517313"/>
       </p:ext>
     </p:extLst>
   </p:cSld>
@@ -5877,8 +6058,27 @@
           <a:p>
             <a:r>
               <a:rPr lang="fr-FR"/>
-              <a:t>Algorithme</a:t>
-            </a:r>
+              <a:t>Performances</a:t>
+            </a:r>
+          </a:p>
+        </p:txBody>
+      </p:sp>
+      <p:sp>
+        <p:nvSpPr>
+          <p:cNvPr id="3" name="Espace réservé du contenu 2"/>
+          <p:cNvSpPr>
+            <a:spLocks noGrp="1"/>
+          </p:cNvSpPr>
+          <p:nvPr>
+            <p:ph idx="1"/>
+          </p:nvPr>
+        </p:nvSpPr>
+        <p:spPr/>
+        <p:txBody>
+          <a:bodyPr/>
+          <a:lstStyle/>
+          <a:p>
+            <a:endParaRPr lang="fr-FR"/>
           </a:p>
         </p:txBody>
       </p:sp>
@@ -5927,34 +6127,10 @@
           </a:p>
         </p:txBody>
       </p:sp>
-      <p:sp>
-        <p:nvSpPr>
-          <p:cNvPr id="6" name="Espace réservé du contenu 2"/>
-          <p:cNvSpPr>
-            <a:spLocks noGrp="1"/>
-          </p:cNvSpPr>
-          <p:nvPr>
-            <p:ph idx="1"/>
-          </p:nvPr>
-        </p:nvSpPr>
-        <p:spPr>
-          <a:xfrm>
-            <a:off x="1435608" y="1447800"/>
-            <a:ext cx="7498080" cy="4800600"/>
-          </a:xfrm>
-        </p:spPr>
-        <p:txBody>
-          <a:bodyPr/>
-          <a:lstStyle/>
-          <a:p>
-            <a:endParaRPr lang="fr-FR"/>
-          </a:p>
-        </p:txBody>
-      </p:sp>
     </p:spTree>
     <p:extLst>
       <p:ext uri="{BB962C8B-B14F-4D97-AF65-F5344CB8AC3E}">
-        <p14:creationId xmlns:p14="http://schemas.microsoft.com/office/powerpoint/2010/main" val="3531835234"/>
+        <p14:creationId xmlns:p14="http://schemas.microsoft.com/office/powerpoint/2010/main" val="3259256166"/>
       </p:ext>
     </p:extLst>
   </p:cSld>
@@ -5998,7 +6174,7 @@
           <a:p>
             <a:r>
               <a:rPr lang="fr-FR"/>
-              <a:t>Implémentation</a:t>
+              <a:t>Tests</a:t>
             </a:r>
           </a:p>
         </p:txBody>
@@ -6070,7 +6246,7 @@
     </p:spTree>
     <p:extLst>
       <p:ext uri="{BB962C8B-B14F-4D97-AF65-F5344CB8AC3E}">
-        <p14:creationId xmlns:p14="http://schemas.microsoft.com/office/powerpoint/2010/main" val="1417517313"/>
+        <p14:creationId xmlns:p14="http://schemas.microsoft.com/office/powerpoint/2010/main" val="4129870993"/>
       </p:ext>
     </p:extLst>
   </p:cSld>
@@ -6114,19 +6290,19 @@
           <a:p>
             <a:r>
               <a:rPr lang="fr-FR"/>
-              <a:t>Performances</a:t>
-            </a:r>
-          </a:p>
-        </p:txBody>
-      </p:sp>
-      <p:sp>
-        <p:nvSpPr>
-          <p:cNvPr id="3" name="Espace réservé du contenu 2"/>
-          <p:cNvSpPr>
-            <a:spLocks noGrp="1"/>
-          </p:cNvSpPr>
-          <p:nvPr>
-            <p:ph idx="1"/>
+              <a:t>Branch &amp; bound</a:t>
+            </a:r>
+          </a:p>
+        </p:txBody>
+      </p:sp>
+      <p:sp>
+        <p:nvSpPr>
+          <p:cNvPr id="3" name="Espace réservé du texte 2"/>
+          <p:cNvSpPr>
+            <a:spLocks noGrp="1"/>
+          </p:cNvSpPr>
+          <p:nvPr>
+            <p:ph type="body" idx="1"/>
           </p:nvPr>
         </p:nvSpPr>
         <p:spPr/>
@@ -6161,32 +6337,10 @@
           </a:p>
         </p:txBody>
       </p:sp>
-      <p:sp>
-        <p:nvSpPr>
-          <p:cNvPr id="5" name="Espace réservé du texte 4"/>
-          <p:cNvSpPr>
-            <a:spLocks noGrp="1"/>
-          </p:cNvSpPr>
-          <p:nvPr>
-            <p:ph type="body" sz="quarter" idx="13"/>
-          </p:nvPr>
-        </p:nvSpPr>
-        <p:spPr/>
-        <p:txBody>
-          <a:bodyPr/>
-          <a:lstStyle/>
-          <a:p>
-            <a:r>
-              <a:rPr lang="fr-FR"/>
-              <a:t>Programmation dynamique / Voyageur de commerce</a:t>
-            </a:r>
-          </a:p>
-        </p:txBody>
-      </p:sp>
     </p:spTree>
     <p:extLst>
       <p:ext uri="{BB962C8B-B14F-4D97-AF65-F5344CB8AC3E}">
-        <p14:creationId xmlns:p14="http://schemas.microsoft.com/office/powerpoint/2010/main" val="3259256166"/>
+        <p14:creationId xmlns:p14="http://schemas.microsoft.com/office/powerpoint/2010/main" val="6742229"/>
       </p:ext>
     </p:extLst>
   </p:cSld>
@@ -6330,216 +6484,6 @@
       </p:par>
     </p:tnLst>
   </p:timing>
-</p:sld>
-</file>
-
-<file path=ppt/slides/slide20.xml><?xml version="1.0" encoding="utf-8"?>
-<p:sld xmlns:a="http://schemas.openxmlformats.org/drawingml/2006/main" xmlns:r="http://schemas.openxmlformats.org/officeDocument/2006/relationships" xmlns:p="http://schemas.openxmlformats.org/presentationml/2006/main">
-  <p:cSld>
-    <p:spTree>
-      <p:nvGrpSpPr>
-        <p:cNvPr id="1" name=""/>
-        <p:cNvGrpSpPr/>
-        <p:nvPr/>
-      </p:nvGrpSpPr>
-      <p:grpSpPr>
-        <a:xfrm>
-          <a:off x="0" y="0"/>
-          <a:ext cx="0" cy="0"/>
-          <a:chOff x="0" y="0"/>
-          <a:chExt cx="0" cy="0"/>
-        </a:xfrm>
-      </p:grpSpPr>
-      <p:sp>
-        <p:nvSpPr>
-          <p:cNvPr id="2" name="Titre 1"/>
-          <p:cNvSpPr>
-            <a:spLocks noGrp="1"/>
-          </p:cNvSpPr>
-          <p:nvPr>
-            <p:ph type="title"/>
-          </p:nvPr>
-        </p:nvSpPr>
-        <p:spPr/>
-        <p:txBody>
-          <a:bodyPr/>
-          <a:lstStyle/>
-          <a:p>
-            <a:r>
-              <a:rPr lang="fr-FR"/>
-              <a:t>Tests</a:t>
-            </a:r>
-          </a:p>
-        </p:txBody>
-      </p:sp>
-      <p:sp>
-        <p:nvSpPr>
-          <p:cNvPr id="3" name="Espace réservé du contenu 2"/>
-          <p:cNvSpPr>
-            <a:spLocks noGrp="1"/>
-          </p:cNvSpPr>
-          <p:nvPr>
-            <p:ph idx="1"/>
-          </p:nvPr>
-        </p:nvSpPr>
-        <p:spPr/>
-        <p:txBody>
-          <a:bodyPr/>
-          <a:lstStyle/>
-          <a:p>
-            <a:endParaRPr lang="fr-FR"/>
-          </a:p>
-        </p:txBody>
-      </p:sp>
-      <p:sp>
-        <p:nvSpPr>
-          <p:cNvPr id="4" name="Espace réservé du numéro de diapositive 3"/>
-          <p:cNvSpPr>
-            <a:spLocks noGrp="1"/>
-          </p:cNvSpPr>
-          <p:nvPr>
-            <p:ph type="sldNum" sz="quarter" idx="12"/>
-          </p:nvPr>
-        </p:nvSpPr>
-        <p:spPr/>
-        <p:txBody>
-          <a:bodyPr/>
-          <a:lstStyle/>
-          <a:p>
-            <a:fld id="{36E14869-03E4-304B-A3A2-88DE27B9560D}" type="slidenum">
-              <a:rPr lang="fr-FR"/>
-              <a:t>19</a:t>
-            </a:fld>
-            <a:endParaRPr lang="fr-FR"/>
-          </a:p>
-        </p:txBody>
-      </p:sp>
-      <p:sp>
-        <p:nvSpPr>
-          <p:cNvPr id="5" name="Espace réservé du texte 4"/>
-          <p:cNvSpPr>
-            <a:spLocks noGrp="1"/>
-          </p:cNvSpPr>
-          <p:nvPr>
-            <p:ph type="body" sz="quarter" idx="13"/>
-          </p:nvPr>
-        </p:nvSpPr>
-        <p:spPr/>
-        <p:txBody>
-          <a:bodyPr/>
-          <a:lstStyle/>
-          <a:p>
-            <a:r>
-              <a:rPr lang="fr-FR"/>
-              <a:t>Programmation dynamique / Voyageur de commerce</a:t>
-            </a:r>
-          </a:p>
-        </p:txBody>
-      </p:sp>
-    </p:spTree>
-    <p:extLst>
-      <p:ext uri="{BB962C8B-B14F-4D97-AF65-F5344CB8AC3E}">
-        <p14:creationId xmlns:p14="http://schemas.microsoft.com/office/powerpoint/2010/main" val="4129870993"/>
-      </p:ext>
-    </p:extLst>
-  </p:cSld>
-  <p:clrMapOvr>
-    <a:masterClrMapping/>
-  </p:clrMapOvr>
-</p:sld>
-</file>
-
-<file path=ppt/slides/slide21.xml><?xml version="1.0" encoding="utf-8"?>
-<p:sld xmlns:a="http://schemas.openxmlformats.org/drawingml/2006/main" xmlns:r="http://schemas.openxmlformats.org/officeDocument/2006/relationships" xmlns:p="http://schemas.openxmlformats.org/presentationml/2006/main">
-  <p:cSld>
-    <p:spTree>
-      <p:nvGrpSpPr>
-        <p:cNvPr id="1" name=""/>
-        <p:cNvGrpSpPr/>
-        <p:nvPr/>
-      </p:nvGrpSpPr>
-      <p:grpSpPr>
-        <a:xfrm>
-          <a:off x="0" y="0"/>
-          <a:ext cx="0" cy="0"/>
-          <a:chOff x="0" y="0"/>
-          <a:chExt cx="0" cy="0"/>
-        </a:xfrm>
-      </p:grpSpPr>
-      <p:sp>
-        <p:nvSpPr>
-          <p:cNvPr id="2" name="Titre 1"/>
-          <p:cNvSpPr>
-            <a:spLocks noGrp="1"/>
-          </p:cNvSpPr>
-          <p:nvPr>
-            <p:ph type="title"/>
-          </p:nvPr>
-        </p:nvSpPr>
-        <p:spPr/>
-        <p:txBody>
-          <a:bodyPr/>
-          <a:lstStyle/>
-          <a:p>
-            <a:r>
-              <a:rPr lang="fr-FR"/>
-              <a:t>Branch &amp; bound</a:t>
-            </a:r>
-          </a:p>
-        </p:txBody>
-      </p:sp>
-      <p:sp>
-        <p:nvSpPr>
-          <p:cNvPr id="3" name="Espace réservé du texte 2"/>
-          <p:cNvSpPr>
-            <a:spLocks noGrp="1"/>
-          </p:cNvSpPr>
-          <p:nvPr>
-            <p:ph type="body" idx="1"/>
-          </p:nvPr>
-        </p:nvSpPr>
-        <p:spPr/>
-        <p:txBody>
-          <a:bodyPr/>
-          <a:lstStyle/>
-          <a:p>
-            <a:endParaRPr lang="fr-FR"/>
-          </a:p>
-        </p:txBody>
-      </p:sp>
-      <p:sp>
-        <p:nvSpPr>
-          <p:cNvPr id="4" name="Espace réservé du numéro de diapositive 3"/>
-          <p:cNvSpPr>
-            <a:spLocks noGrp="1"/>
-          </p:cNvSpPr>
-          <p:nvPr>
-            <p:ph type="sldNum" sz="quarter" idx="12"/>
-          </p:nvPr>
-        </p:nvSpPr>
-        <p:spPr/>
-        <p:txBody>
-          <a:bodyPr/>
-          <a:lstStyle/>
-          <a:p>
-            <a:fld id="{36E14869-03E4-304B-A3A2-88DE27B9560D}" type="slidenum">
-              <a:rPr lang="fr-FR"/>
-              <a:t>20</a:t>
-            </a:fld>
-            <a:endParaRPr lang="fr-FR"/>
-          </a:p>
-        </p:txBody>
-      </p:sp>
-    </p:spTree>
-    <p:extLst>
-      <p:ext uri="{BB962C8B-B14F-4D97-AF65-F5344CB8AC3E}">
-        <p14:creationId xmlns:p14="http://schemas.microsoft.com/office/powerpoint/2010/main" val="6742229"/>
-      </p:ext>
-    </p:extLst>
-  </p:cSld>
-  <p:clrMapOvr>
-    <a:masterClrMapping/>
-  </p:clrMapOvr>
 </p:sld>
 </file>
 
@@ -6870,77 +6814,130 @@
           <a:lstStyle/>
           <a:p>
             <a:r>
-              <a:rPr lang="fr-FR"/>
+              <a:rPr lang="fr-FR" dirty="0"/>
               <a:t>si le poids total est impair, renvoyer faux</a:t>
             </a:r>
           </a:p>
           <a:p>
             <a:r>
-              <a:rPr lang="fr-FR"/>
-              <a:t>création de T : (n, P/2+1)-matrice de bool</a:t>
-            </a:r>
-          </a:p>
-          <a:p>
-            <a:r>
-              <a:rPr lang="fr-FR"/>
+              <a:rPr lang="fr-FR" dirty="0"/>
+              <a:t>création de </a:t>
+            </a:r>
+            <a:r>
+              <a:rPr lang="fr-FR" dirty="0" err="1"/>
+              <a:t>T</a:t>
+            </a:r>
+            <a:r>
+              <a:rPr lang="fr-FR" dirty="0"/>
+              <a:t> : (n, P/</a:t>
+            </a:r>
+            <a:r>
+              <a:rPr lang="fr-FR" dirty="0" smtClean="0"/>
+              <a:t>2)</a:t>
+            </a:r>
+            <a:r>
+              <a:rPr lang="fr-FR" dirty="0"/>
+              <a:t>-matrice de </a:t>
+            </a:r>
+            <a:r>
+              <a:rPr lang="fr-FR" dirty="0" err="1"/>
+              <a:t>bool</a:t>
+            </a:r>
+            <a:endParaRPr lang="fr-FR" dirty="0"/>
+          </a:p>
+          <a:p>
+            <a:r>
+              <a:rPr lang="fr-FR" dirty="0"/>
               <a:t>initialisation</a:t>
             </a:r>
           </a:p>
           <a:p>
             <a:pPr lvl="1"/>
             <a:r>
-              <a:rPr lang="fr-FR"/>
-              <a:t>T[0,0] = vrai ; </a:t>
-            </a:r>
-            <a:r>
-              <a:rPr lang="fr-FR"/>
-              <a:t>pour </a:t>
-            </a:r>
-            <a:r>
-              <a:rPr lang="fr-FR"/>
-              <a:t>j∈[0,P/2] : T[0,j] = faux</a:t>
-            </a:r>
-          </a:p>
-          <a:p>
-            <a:r>
-              <a:rPr lang="fr-FR"/>
+              <a:rPr lang="fr-FR" dirty="0" err="1"/>
+              <a:t>T</a:t>
+            </a:r>
+            <a:r>
+              <a:rPr lang="fr-FR" dirty="0"/>
+              <a:t>[0,0] = vrai ; pour j∈[0,P/2] : </a:t>
+            </a:r>
+            <a:r>
+              <a:rPr lang="fr-FR" dirty="0" err="1"/>
+              <a:t>T</a:t>
+            </a:r>
+            <a:r>
+              <a:rPr lang="fr-FR" dirty="0"/>
+              <a:t>[0,j] = faux</a:t>
+            </a:r>
+          </a:p>
+          <a:p>
+            <a:r>
+              <a:rPr lang="fr-FR" dirty="0"/>
               <a:t>pour i∈[1,n]</a:t>
             </a:r>
           </a:p>
           <a:p>
             <a:pPr lvl="1"/>
             <a:r>
-              <a:rPr lang="fr-FR"/>
+              <a:rPr lang="fr-FR" dirty="0"/>
               <a:t>pour j ∈ [0,P/2] </a:t>
             </a:r>
           </a:p>
           <a:p>
             <a:pPr lvl="2"/>
             <a:r>
-              <a:rPr lang="fr-FR"/>
-              <a:t>T(i, j) ← [(j = 0)∨(j = p(a</a:t>
-            </a:r>
-            <a:r>
-              <a:rPr lang="fr-FR" baseline="-25000"/>
+              <a:rPr lang="fr-FR" dirty="0" err="1"/>
+              <a:t>T</a:t>
+            </a:r>
+            <a:r>
+              <a:rPr lang="fr-FR" dirty="0"/>
+              <a:t>(i, j) ← [(j = 0)∨(j = p(a</a:t>
+            </a:r>
+            <a:r>
+              <a:rPr lang="fr-FR" baseline="-25000" dirty="0"/>
               <a:t>i</a:t>
             </a:r>
             <a:r>
-              <a:rPr lang="fr-FR"/>
-              <a:t>))∨(T(i-1, j))∨(T(i-1, j-p(a</a:t>
-            </a:r>
-            <a:r>
-              <a:rPr lang="fr-FR" baseline="-25000"/>
+              <a:rPr lang="fr-FR" dirty="0"/>
+              <a:t>))∨(</a:t>
+            </a:r>
+            <a:r>
+              <a:rPr lang="fr-FR" dirty="0" err="1"/>
+              <a:t>T</a:t>
+            </a:r>
+            <a:r>
+              <a:rPr lang="fr-FR" dirty="0"/>
+              <a:t>(i-1, j))∨(</a:t>
+            </a:r>
+            <a:r>
+              <a:rPr lang="fr-FR" dirty="0" err="1"/>
+              <a:t>T</a:t>
+            </a:r>
+            <a:r>
+              <a:rPr lang="fr-FR" dirty="0"/>
+              <a:t>(i-1, j-p(a</a:t>
+            </a:r>
+            <a:r>
+              <a:rPr lang="fr-FR" baseline="-25000" dirty="0"/>
               <a:t>i</a:t>
             </a:r>
             <a:r>
-              <a:rPr lang="fr-FR"/>
+              <a:rPr lang="fr-FR" dirty="0"/>
               <a:t>)))]</a:t>
             </a:r>
           </a:p>
           <a:p>
             <a:r>
-              <a:rPr lang="fr-FR"/>
-              <a:t>renvoyer T[n, P/2]</a:t>
+              <a:rPr lang="fr-FR" dirty="0"/>
+              <a:t>renvoyer </a:t>
+            </a:r>
+            <a:r>
+              <a:rPr lang="fr-FR" dirty="0" err="1"/>
+              <a:t>T</a:t>
+            </a:r>
+            <a:r>
+              <a:rPr lang="fr-FR" dirty="0"/>
+              <a:t>[n, P/2]</a:t>
             </a:r>
           </a:p>
         </p:txBody>
@@ -7057,7 +7054,55 @@
           <a:bodyPr/>
           <a:lstStyle/>
           <a:p>
-            <a:endParaRPr lang="fr-FR"/>
+            <a:r>
+              <a:rPr lang="fr-FR" dirty="0" smtClean="0"/>
+              <a:t>Langage C</a:t>
+            </a:r>
+          </a:p>
+          <a:p>
+            <a:r>
+              <a:rPr lang="fr-FR" dirty="0" smtClean="0"/>
+              <a:t>Complexité</a:t>
+            </a:r>
+            <a:endParaRPr lang="fr-FR" dirty="0"/>
+          </a:p>
+          <a:p>
+            <a:pPr lvl="1"/>
+            <a:r>
+              <a:rPr lang="fr-FR" dirty="0"/>
+              <a:t>Temps : O(</a:t>
+            </a:r>
+            <a:r>
+              <a:rPr lang="fr-FR" dirty="0" err="1" smtClean="0"/>
+              <a:t>n.P</a:t>
+            </a:r>
+            <a:r>
+              <a:rPr lang="fr-FR" dirty="0" smtClean="0"/>
+              <a:t>)</a:t>
+            </a:r>
+            <a:endParaRPr lang="fr-FR" dirty="0"/>
+          </a:p>
+          <a:p>
+            <a:pPr lvl="1"/>
+            <a:r>
+              <a:rPr lang="fr-FR" dirty="0"/>
+              <a:t>Espace : O</a:t>
+            </a:r>
+            <a:r>
+              <a:rPr lang="fr-FR" dirty="0" smtClean="0"/>
+              <a:t>(</a:t>
+            </a:r>
+            <a:r>
+              <a:rPr lang="fr-FR" dirty="0" err="1" smtClean="0"/>
+              <a:t>n.P</a:t>
+            </a:r>
+            <a:r>
+              <a:rPr lang="fr-FR" dirty="0" smtClean="0"/>
+              <a:t>)</a:t>
+            </a:r>
+          </a:p>
+          <a:p>
+            <a:endParaRPr lang="fr-FR" dirty="0"/>
           </a:p>
         </p:txBody>
       </p:sp>
@@ -7153,7 +7198,7 @@
           <a:p>
             <a:r>
               <a:rPr lang="fr-FR"/>
-              <a:t>Performances</a:t>
+              <a:t>Tests</a:t>
             </a:r>
           </a:p>
         </p:txBody>
@@ -7173,35 +7218,6 @@
           <a:bodyPr/>
           <a:lstStyle/>
           <a:p>
-            <a:r>
-              <a:rPr lang="fr-FR"/>
-              <a:t>Complexité</a:t>
-            </a:r>
-          </a:p>
-          <a:p>
-            <a:pPr lvl="1"/>
-            <a:r>
-              <a:rPr lang="fr-FR"/>
-              <a:t>Temps : O(n.P)</a:t>
-            </a:r>
-          </a:p>
-          <a:p>
-            <a:pPr lvl="1"/>
-            <a:r>
-              <a:rPr lang="fr-FR"/>
-              <a:t>Espace : (</a:t>
-            </a:r>
-            <a:r>
-              <a:rPr lang="fr-FR"/>
-              <a:t>n, P/2+1</a:t>
-            </a:r>
-            <a:r>
-              <a:rPr lang="fr-FR"/>
-              <a:t>)-matrice</a:t>
-            </a:r>
-          </a:p>
-          <a:p>
-            <a:pPr lvl="1"/>
             <a:endParaRPr lang="fr-FR"/>
           </a:p>
         </p:txBody>
@@ -7254,7 +7270,7 @@
     </p:spTree>
     <p:extLst>
       <p:ext uri="{BB962C8B-B14F-4D97-AF65-F5344CB8AC3E}">
-        <p14:creationId xmlns:p14="http://schemas.microsoft.com/office/powerpoint/2010/main" val="857164692"/>
+        <p14:creationId xmlns:p14="http://schemas.microsoft.com/office/powerpoint/2010/main" val="2569784236"/>
       </p:ext>
     </p:extLst>
   </p:cSld>
@@ -7298,19 +7314,19 @@
           <a:p>
             <a:r>
               <a:rPr lang="fr-FR"/>
-              <a:t>Tests</a:t>
-            </a:r>
-          </a:p>
-        </p:txBody>
-      </p:sp>
-      <p:sp>
-        <p:nvSpPr>
-          <p:cNvPr id="3" name="Espace réservé du contenu 2"/>
-          <p:cNvSpPr>
-            <a:spLocks noGrp="1"/>
-          </p:cNvSpPr>
-          <p:nvPr>
-            <p:ph idx="1"/>
+              <a:t>programmation dynamique</a:t>
+            </a:r>
+          </a:p>
+        </p:txBody>
+      </p:sp>
+      <p:sp>
+        <p:nvSpPr>
+          <p:cNvPr id="3" name="Espace réservé du texte 2"/>
+          <p:cNvSpPr>
+            <a:spLocks noGrp="1"/>
+          </p:cNvSpPr>
+          <p:nvPr>
+            <p:ph type="body" idx="1"/>
           </p:nvPr>
         </p:nvSpPr>
         <p:spPr/>
@@ -7318,7 +7334,10 @@
           <a:bodyPr/>
           <a:lstStyle/>
           <a:p>
-            <a:endParaRPr lang="fr-FR"/>
+            <a:r>
+              <a:rPr lang="fr-FR"/>
+              <a:t>Sac à dos</a:t>
+            </a:r>
           </a:p>
         </p:txBody>
       </p:sp>
@@ -7345,38 +7364,23 @@
           </a:p>
         </p:txBody>
       </p:sp>
-      <p:sp>
-        <p:nvSpPr>
-          <p:cNvPr id="5" name="Espace réservé du texte 4"/>
-          <p:cNvSpPr>
-            <a:spLocks noGrp="1"/>
-          </p:cNvSpPr>
-          <p:nvPr>
-            <p:ph type="body" sz="quarter" idx="13"/>
-          </p:nvPr>
-        </p:nvSpPr>
-        <p:spPr/>
-        <p:txBody>
-          <a:bodyPr/>
-          <a:lstStyle/>
-          <a:p>
-            <a:r>
-              <a:rPr lang="fr-FR"/>
-              <a:t>Programmation dynamique / partition</a:t>
-            </a:r>
-          </a:p>
-        </p:txBody>
-      </p:sp>
     </p:spTree>
     <p:extLst>
       <p:ext uri="{BB962C8B-B14F-4D97-AF65-F5344CB8AC3E}">
-        <p14:creationId xmlns:p14="http://schemas.microsoft.com/office/powerpoint/2010/main" val="2569784236"/>
+        <p14:creationId xmlns:p14="http://schemas.microsoft.com/office/powerpoint/2010/main" val="2168656225"/>
       </p:ext>
     </p:extLst>
   </p:cSld>
   <p:clrMapOvr>
     <a:masterClrMapping/>
   </p:clrMapOvr>
+  <p:timing>
+    <p:tnLst>
+      <p:par>
+        <p:cTn xmlns:p14="http://schemas.microsoft.com/office/powerpoint/2010/main" id="1" dur="indefinite" restart="never" nodeType="tmRoot"/>
+      </p:par>
+    </p:tnLst>
+  </p:timing>
 </p:sld>
 </file>
 
@@ -7414,19 +7418,19 @@
           <a:p>
             <a:r>
               <a:rPr lang="fr-FR"/>
-              <a:t>programmation dynamique</a:t>
-            </a:r>
-          </a:p>
-        </p:txBody>
-      </p:sp>
-      <p:sp>
-        <p:nvSpPr>
-          <p:cNvPr id="3" name="Espace réservé du texte 2"/>
-          <p:cNvSpPr>
-            <a:spLocks noGrp="1"/>
-          </p:cNvSpPr>
-          <p:nvPr>
-            <p:ph type="body" idx="1"/>
+              <a:t>Problème du sac à dos</a:t>
+            </a:r>
+          </a:p>
+        </p:txBody>
+      </p:sp>
+      <p:sp>
+        <p:nvSpPr>
+          <p:cNvPr id="6" name="Espace réservé du contenu 5"/>
+          <p:cNvSpPr>
+            <a:spLocks noGrp="1"/>
+          </p:cNvSpPr>
+          <p:nvPr>
+            <p:ph idx="1"/>
           </p:nvPr>
         </p:nvSpPr>
         <p:spPr/>
@@ -7436,7 +7440,33 @@
           <a:p>
             <a:r>
               <a:rPr lang="fr-FR"/>
-              <a:t>Sac à dos</a:t>
+              <a:t>Problème d’optimisation</a:t>
+            </a:r>
+          </a:p>
+          <a:p>
+            <a:r>
+              <a:rPr lang="fr-FR"/>
+              <a:t>Remplir un sac à dos avec </a:t>
+            </a:r>
+            <a:r>
+              <a:rPr lang="fr-FR" i="1"/>
+              <a:t>n</a:t>
+            </a:r>
+            <a:r>
+              <a:rPr lang="fr-FR"/>
+              <a:t> objets</a:t>
+            </a:r>
+          </a:p>
+          <a:p>
+            <a:r>
+              <a:rPr lang="fr-FR"/>
+              <a:t>Volume limité</a:t>
+            </a:r>
+          </a:p>
+          <a:p>
+            <a:r>
+              <a:rPr lang="fr-FR"/>
+              <a:t>Choix d’une solution à utilité maximale</a:t>
             </a:r>
           </a:p>
         </p:txBody>
@@ -7464,10 +7494,32 @@
           </a:p>
         </p:txBody>
       </p:sp>
+      <p:sp>
+        <p:nvSpPr>
+          <p:cNvPr id="7" name="Espace réservé du texte 6"/>
+          <p:cNvSpPr>
+            <a:spLocks noGrp="1"/>
+          </p:cNvSpPr>
+          <p:nvPr>
+            <p:ph type="body" sz="quarter" idx="13"/>
+          </p:nvPr>
+        </p:nvSpPr>
+        <p:spPr/>
+        <p:txBody>
+          <a:bodyPr/>
+          <a:lstStyle/>
+          <a:p>
+            <a:r>
+              <a:rPr lang="fr-FR"/>
+              <a:t>Programmation dynamique / Sac à dos</a:t>
+            </a:r>
+          </a:p>
+        </p:txBody>
+      </p:sp>
     </p:spTree>
     <p:extLst>
       <p:ext uri="{BB962C8B-B14F-4D97-AF65-F5344CB8AC3E}">
-        <p14:creationId xmlns:p14="http://schemas.microsoft.com/office/powerpoint/2010/main" val="2168656225"/>
+        <p14:creationId xmlns:p14="http://schemas.microsoft.com/office/powerpoint/2010/main" val="2110593780"/>
       </p:ext>
     </p:extLst>
   </p:cSld>

--- a/gmin213/tp/presentation/pres.pptx
+++ b/gmin213/tp/presentation/pres.pptx
@@ -5,31 +5,40 @@
     <p:sldMasterId id="2147483660" r:id="rId1"/>
   </p:sldMasterIdLst>
   <p:notesMasterIdLst>
-    <p:notesMasterId r:id="rId21"/>
+    <p:notesMasterId r:id="rId30"/>
   </p:notesMasterIdLst>
   <p:handoutMasterIdLst>
-    <p:handoutMasterId r:id="rId22"/>
+    <p:handoutMasterId r:id="rId31"/>
   </p:handoutMasterIdLst>
   <p:sldIdLst>
     <p:sldId id="256" r:id="rId2"/>
     <p:sldId id="257" r:id="rId3"/>
-    <p:sldId id="258" r:id="rId4"/>
-    <p:sldId id="259" r:id="rId5"/>
-    <p:sldId id="262" r:id="rId6"/>
-    <p:sldId id="269" r:id="rId7"/>
-    <p:sldId id="264" r:id="rId8"/>
-    <p:sldId id="260" r:id="rId9"/>
-    <p:sldId id="265" r:id="rId10"/>
-    <p:sldId id="266" r:id="rId11"/>
-    <p:sldId id="270" r:id="rId12"/>
-    <p:sldId id="268" r:id="rId13"/>
-    <p:sldId id="261" r:id="rId14"/>
-    <p:sldId id="271" r:id="rId15"/>
-    <p:sldId id="272" r:id="rId16"/>
-    <p:sldId id="273" r:id="rId17"/>
-    <p:sldId id="274" r:id="rId18"/>
-    <p:sldId id="275" r:id="rId19"/>
-    <p:sldId id="276" r:id="rId20"/>
+    <p:sldId id="281" r:id="rId4"/>
+    <p:sldId id="282" r:id="rId5"/>
+    <p:sldId id="277" r:id="rId6"/>
+    <p:sldId id="258" r:id="rId7"/>
+    <p:sldId id="259" r:id="rId8"/>
+    <p:sldId id="262" r:id="rId9"/>
+    <p:sldId id="269" r:id="rId10"/>
+    <p:sldId id="264" r:id="rId11"/>
+    <p:sldId id="260" r:id="rId12"/>
+    <p:sldId id="265" r:id="rId13"/>
+    <p:sldId id="266" r:id="rId14"/>
+    <p:sldId id="270" r:id="rId15"/>
+    <p:sldId id="268" r:id="rId16"/>
+    <p:sldId id="261" r:id="rId17"/>
+    <p:sldId id="271" r:id="rId18"/>
+    <p:sldId id="272" r:id="rId19"/>
+    <p:sldId id="273" r:id="rId20"/>
+    <p:sldId id="275" r:id="rId21"/>
+    <p:sldId id="276" r:id="rId22"/>
+    <p:sldId id="278" r:id="rId23"/>
+    <p:sldId id="279" r:id="rId24"/>
+    <p:sldId id="280" r:id="rId25"/>
+    <p:sldId id="283" r:id="rId26"/>
+    <p:sldId id="284" r:id="rId27"/>
+    <p:sldId id="285" r:id="rId28"/>
+    <p:sldId id="286" r:id="rId29"/>
   </p:sldIdLst>
   <p:sldSz cx="9144000" cy="6858000" type="screen4x3"/>
   <p:notesSz cx="6858000" cy="9144000"/>
@@ -137,6 +146,13 @@
             <p14:sldId id="257"/>
           </p14:sldIdLst>
         </p14:section>
+        <p14:section name="Introduction" id="{51C177EB-ACB1-7F45-909B-18C1618A171E}">
+          <p14:sldIdLst>
+            <p14:sldId id="281"/>
+            <p14:sldId id="282"/>
+            <p14:sldId id="277"/>
+          </p14:sldIdLst>
+        </p14:section>
         <p14:section name="Programmation dynamique" id="{2592BC17-ABB2-8C44-A8AA-2C742958CB14}">
           <p14:sldIdLst>
             <p14:sldId id="258"/>
@@ -153,13 +169,27 @@
             <p14:sldId id="271"/>
             <p14:sldId id="272"/>
             <p14:sldId id="273"/>
-            <p14:sldId id="274"/>
             <p14:sldId id="275"/>
           </p14:sldIdLst>
         </p14:section>
         <p14:section name="branch&amp;bound" id="{98A9E6E5-BE82-6549-98C0-AD39EB75241E}">
           <p14:sldIdLst>
             <p14:sldId id="276"/>
+            <p14:sldId id="278"/>
+            <p14:sldId id="279"/>
+          </p14:sldIdLst>
+        </p14:section>
+        <p14:section name="Comparaison" id="{00AC6DBF-357A-6C4A-AE94-89333273DF89}">
+          <p14:sldIdLst>
+            <p14:sldId id="280"/>
+            <p14:sldId id="283"/>
+          </p14:sldIdLst>
+        </p14:section>
+        <p14:section name="Conclusion" id="{6359B11D-5A14-C24E-BE29-84DE19AF4E4B}">
+          <p14:sldIdLst>
+            <p14:sldId id="284"/>
+            <p14:sldId id="285"/>
+            <p14:sldId id="286"/>
           </p14:sldIdLst>
         </p14:section>
       </p14:sectionLst>
@@ -4831,7 +4861,7 @@
           <a:p>
             <a:r>
               <a:rPr lang="fr-FR" sz="5400"/>
-              <a:t>Méthodes approchées &amp; Méthodes exactes</a:t>
+              <a:t>Résolution de problèmes NP-difficiles</a:t>
             </a:r>
           </a:p>
         </p:txBody>
@@ -4912,170 +4942,36 @@
           <a:p>
             <a:r>
               <a:rPr lang="fr-FR"/>
-              <a:t>Algorithme</a:t>
-            </a:r>
-          </a:p>
-        </p:txBody>
-      </p:sp>
-      <p:sp>
-        <p:nvSpPr>
-          <p:cNvPr id="3" name="Espace réservé du contenu 2"/>
-          <p:cNvSpPr>
-            <a:spLocks noGrp="1"/>
-          </p:cNvSpPr>
+              <a:t>Tests</a:t>
+            </a:r>
+          </a:p>
+        </p:txBody>
+      </p:sp>
+      <p:pic>
+        <p:nvPicPr>
+          <p:cNvPr id="6" name="Espace réservé du contenu 5" descr="partition.png"/>
+          <p:cNvPicPr>
+            <a:picLocks noGrp="1" noChangeAspect="1"/>
+          </p:cNvPicPr>
           <p:nvPr>
             <p:ph idx="1"/>
           </p:nvPr>
-        </p:nvSpPr>
-        <p:spPr/>
-        <p:txBody>
-          <a:bodyPr>
-            <a:normAutofit fontScale="92500" lnSpcReduction="20000"/>
-          </a:bodyPr>
-          <a:lstStyle/>
-          <a:p>
-            <a:r>
-              <a:rPr lang="fr-FR" dirty="0"/>
-              <a:t>création de </a:t>
-            </a:r>
-            <a:r>
-              <a:rPr lang="fr-FR" dirty="0" err="1"/>
-              <a:t>T</a:t>
-            </a:r>
-            <a:r>
-              <a:rPr lang="fr-FR" dirty="0"/>
-              <a:t> une (n+1, </a:t>
-            </a:r>
-            <a:r>
-              <a:rPr lang="fr-FR" dirty="0" err="1"/>
-              <a:t>volumeMax</a:t>
-            </a:r>
-            <a:r>
-              <a:rPr lang="fr-FR" dirty="0"/>
-              <a:t>)-matrice</a:t>
-            </a:r>
-          </a:p>
-          <a:p>
-            <a:r>
-              <a:rPr lang="fr-FR" dirty="0"/>
-              <a:t>initialisation : pour j</a:t>
-            </a:r>
-            <a:r>
-              <a:rPr lang="fr-FR" dirty="0" smtClean="0"/>
-              <a:t>∈{1, …, </a:t>
-            </a:r>
-            <a:r>
-              <a:rPr lang="fr-FR" dirty="0" err="1" smtClean="0"/>
-              <a:t>volumeMax</a:t>
-            </a:r>
-            <a:r>
-              <a:rPr lang="fr-FR" dirty="0" smtClean="0"/>
-              <a:t>}</a:t>
-            </a:r>
-            <a:endParaRPr lang="fr-FR" dirty="0"/>
-          </a:p>
-          <a:p>
-            <a:pPr lvl="1"/>
-            <a:r>
-              <a:rPr lang="fr-FR" dirty="0" err="1"/>
-              <a:t>T</a:t>
-            </a:r>
-            <a:r>
-              <a:rPr lang="fr-FR" dirty="0"/>
-              <a:t>[0,j] = 0</a:t>
-            </a:r>
-          </a:p>
-          <a:p>
-            <a:r>
-              <a:rPr lang="fr-FR" dirty="0"/>
-              <a:t>pour i∈{1,…,n}</a:t>
-            </a:r>
-          </a:p>
-          <a:p>
-            <a:pPr lvl="1"/>
-            <a:r>
-              <a:rPr lang="fr-FR" dirty="0"/>
-              <a:t>pour j ∈ {1, …, </a:t>
-            </a:r>
-            <a:r>
-              <a:rPr lang="fr-FR" dirty="0" err="1"/>
-              <a:t>volumeMax</a:t>
-            </a:r>
-            <a:r>
-              <a:rPr lang="fr-FR" dirty="0"/>
-              <a:t>}</a:t>
-            </a:r>
-          </a:p>
-          <a:p>
-            <a:pPr lvl="2"/>
-            <a:r>
-              <a:rPr lang="fr-FR" dirty="0"/>
-              <a:t>pour k ∈ {0, …, </a:t>
-            </a:r>
-            <a:r>
-              <a:rPr lang="fr-FR" dirty="0" err="1"/>
-              <a:t>volumeMax</a:t>
-            </a:r>
-            <a:r>
-              <a:rPr lang="fr-FR" dirty="0"/>
-              <a:t>/volume[i]}</a:t>
-            </a:r>
-          </a:p>
-          <a:p>
-            <a:pPr lvl="3"/>
-            <a:r>
-              <a:rPr lang="cs-CZ" dirty="0"/>
-              <a:t>T[i, j] ← </a:t>
-            </a:r>
-            <a:r>
-              <a:rPr lang="cs-CZ" dirty="0" err="1"/>
-              <a:t>max</a:t>
-            </a:r>
-            <a:r>
-              <a:rPr lang="cs-CZ" dirty="0"/>
-              <a:t>(T[i, j], T[i-1, j-k × </a:t>
-            </a:r>
-            <a:r>
-              <a:rPr lang="cs-CZ" dirty="0" err="1"/>
-              <a:t>volume</a:t>
-            </a:r>
-            <a:r>
-              <a:rPr lang="cs-CZ" dirty="0"/>
-              <a:t>[i]] + k × </a:t>
-            </a:r>
-            <a:r>
-              <a:rPr lang="cs-CZ" dirty="0" err="1"/>
-              <a:t>utilite</a:t>
-            </a:r>
-            <a:r>
-              <a:rPr lang="cs-CZ" dirty="0"/>
-              <a:t>[i])</a:t>
-            </a:r>
-          </a:p>
-          <a:p>
-            <a:r>
-              <a:rPr lang="fr-FR" dirty="0"/>
-              <a:t>renvoyer </a:t>
-            </a:r>
-            <a:r>
-              <a:rPr lang="fr-FR" dirty="0" err="1"/>
-              <a:t>T</a:t>
-            </a:r>
-            <a:r>
-              <a:rPr lang="fr-FR" dirty="0"/>
-              <a:t>[</a:t>
-            </a:r>
-            <a:r>
-              <a:rPr lang="fr-FR" dirty="0" err="1"/>
-              <a:t>n,volumeMax</a:t>
-            </a:r>
-            <a:r>
-              <a:rPr lang="fr-FR" dirty="0"/>
-              <a:t>]</a:t>
-            </a:r>
-          </a:p>
-        </p:txBody>
-      </p:sp>
+        </p:nvPicPr>
+        <p:blipFill>
+          <a:blip r:embed="rId2">
+            <a:extLst>
+              <a:ext uri="{28A0092B-C50C-407E-A947-70E740481C1C}">
+                <a14:useLocalDpi xmlns:a14="http://schemas.microsoft.com/office/drawing/2010/main" val="0"/>
+              </a:ext>
+            </a:extLst>
+          </a:blip>
+          <a:srcRect l="-8571" r="-8571"/>
+          <a:stretch>
+            <a:fillRect/>
+          </a:stretch>
+        </p:blipFill>
+        <p:spPr/>
+      </p:pic>
       <p:sp>
         <p:nvSpPr>
           <p:cNvPr id="4" name="Espace réservé du numéro de diapositive 3"/>
@@ -5116,7 +5012,7 @@
           <a:p>
             <a:r>
               <a:rPr lang="fr-FR"/>
-              <a:t>Programmation dynamique / Sac à dos</a:t>
+              <a:t>Programmation dynamique / partition</a:t>
             </a:r>
           </a:p>
         </p:txBody>
@@ -5124,7 +5020,7 @@
     </p:spTree>
     <p:extLst>
       <p:ext uri="{BB962C8B-B14F-4D97-AF65-F5344CB8AC3E}">
-        <p14:creationId xmlns:p14="http://schemas.microsoft.com/office/powerpoint/2010/main" val="2047711477"/>
+        <p14:creationId xmlns:p14="http://schemas.microsoft.com/office/powerpoint/2010/main" val="2569784236"/>
       </p:ext>
     </p:extLst>
   </p:cSld>
@@ -5168,19 +5064,19 @@
           <a:p>
             <a:r>
               <a:rPr lang="fr-FR"/>
-              <a:t>Implémentation</a:t>
-            </a:r>
-          </a:p>
-        </p:txBody>
-      </p:sp>
-      <p:sp>
-        <p:nvSpPr>
-          <p:cNvPr id="3" name="Espace réservé du contenu 2"/>
-          <p:cNvSpPr>
-            <a:spLocks noGrp="1"/>
-          </p:cNvSpPr>
-          <p:nvPr>
-            <p:ph idx="1"/>
+              <a:t>programmation dynamique</a:t>
+            </a:r>
+          </a:p>
+        </p:txBody>
+      </p:sp>
+      <p:sp>
+        <p:nvSpPr>
+          <p:cNvPr id="3" name="Espace réservé du texte 2"/>
+          <p:cNvSpPr>
+            <a:spLocks noGrp="1"/>
+          </p:cNvSpPr>
+          <p:nvPr>
+            <p:ph type="body" idx="1"/>
           </p:nvPr>
         </p:nvSpPr>
         <p:spPr/>
@@ -5189,38 +5085,9 @@
           <a:lstStyle/>
           <a:p>
             <a:r>
-              <a:rPr lang="fr-FR" dirty="0" smtClean="0"/>
-              <a:t>Langage C</a:t>
-            </a:r>
-          </a:p>
-          <a:p>
-            <a:r>
-              <a:rPr lang="fr-FR" dirty="0" smtClean="0"/>
-              <a:t>Complexité</a:t>
-            </a:r>
-          </a:p>
-          <a:p>
-            <a:pPr lvl="1"/>
-            <a:r>
-              <a:rPr lang="fr-FR" dirty="0" smtClean="0"/>
-              <a:t>Temps : O(n.V</a:t>
-            </a:r>
-            <a:r>
-              <a:rPr lang="fr-FR" baseline="30000" dirty="0" smtClean="0"/>
-              <a:t>2</a:t>
-            </a:r>
-            <a:r>
-              <a:rPr lang="fr-FR" dirty="0" smtClean="0"/>
-              <a:t>)</a:t>
-            </a:r>
-          </a:p>
-          <a:p>
-            <a:pPr lvl="1"/>
-            <a:r>
-              <a:rPr lang="fr-FR" dirty="0" smtClean="0"/>
-              <a:t>Espace : O(V)</a:t>
-            </a:r>
-            <a:endParaRPr lang="fr-FR" dirty="0"/>
+              <a:rPr lang="fr-FR"/>
+              <a:t>Sac à dos</a:t>
+            </a:r>
           </a:p>
         </p:txBody>
       </p:sp>
@@ -5247,38 +5114,23 @@
           </a:p>
         </p:txBody>
       </p:sp>
-      <p:sp>
-        <p:nvSpPr>
-          <p:cNvPr id="5" name="Espace réservé du texte 4"/>
-          <p:cNvSpPr>
-            <a:spLocks noGrp="1"/>
-          </p:cNvSpPr>
-          <p:nvPr>
-            <p:ph type="body" sz="quarter" idx="13"/>
-          </p:nvPr>
-        </p:nvSpPr>
-        <p:spPr/>
-        <p:txBody>
-          <a:bodyPr/>
-          <a:lstStyle/>
-          <a:p>
-            <a:r>
-              <a:rPr lang="fr-FR"/>
-              <a:t>Programmation dynamique / Sac à dos</a:t>
-            </a:r>
-          </a:p>
-        </p:txBody>
-      </p:sp>
     </p:spTree>
     <p:extLst>
       <p:ext uri="{BB962C8B-B14F-4D97-AF65-F5344CB8AC3E}">
-        <p14:creationId xmlns:p14="http://schemas.microsoft.com/office/powerpoint/2010/main" val="2242560654"/>
+        <p14:creationId xmlns:p14="http://schemas.microsoft.com/office/powerpoint/2010/main" val="2168656225"/>
       </p:ext>
     </p:extLst>
   </p:cSld>
   <p:clrMapOvr>
     <a:masterClrMapping/>
   </p:clrMapOvr>
+  <p:timing>
+    <p:tnLst>
+      <p:par>
+        <p:cTn xmlns:p14="http://schemas.microsoft.com/office/powerpoint/2010/main" id="1" dur="indefinite" restart="never" nodeType="tmRoot"/>
+      </p:par>
+    </p:tnLst>
+  </p:timing>
 </p:sld>
 </file>
 
@@ -5316,14 +5168,14 @@
           <a:p>
             <a:r>
               <a:rPr lang="fr-FR"/>
-              <a:t>Tests</a:t>
-            </a:r>
-          </a:p>
-        </p:txBody>
-      </p:sp>
-      <p:sp>
-        <p:nvSpPr>
-          <p:cNvPr id="3" name="Espace réservé du contenu 2"/>
+              <a:t>Problème du sac à dos</a:t>
+            </a:r>
+          </a:p>
+        </p:txBody>
+      </p:sp>
+      <p:sp>
+        <p:nvSpPr>
+          <p:cNvPr id="6" name="Espace réservé du contenu 5"/>
           <p:cNvSpPr>
             <a:spLocks noGrp="1"/>
           </p:cNvSpPr>
@@ -5336,7 +5188,36 @@
           <a:bodyPr/>
           <a:lstStyle/>
           <a:p>
-            <a:endParaRPr lang="fr-FR"/>
+            <a:r>
+              <a:rPr lang="fr-FR"/>
+              <a:t>Problème d’optimisation</a:t>
+            </a:r>
+          </a:p>
+          <a:p>
+            <a:r>
+              <a:rPr lang="fr-FR"/>
+              <a:t>Remplir un sac à dos avec </a:t>
+            </a:r>
+            <a:r>
+              <a:rPr lang="fr-FR" i="1"/>
+              <a:t>n</a:t>
+            </a:r>
+            <a:r>
+              <a:rPr lang="fr-FR"/>
+              <a:t> objets</a:t>
+            </a:r>
+          </a:p>
+          <a:p>
+            <a:r>
+              <a:rPr lang="fr-FR"/>
+              <a:t>Volume limité</a:t>
+            </a:r>
+          </a:p>
+          <a:p>
+            <a:r>
+              <a:rPr lang="fr-FR"/>
+              <a:t>Choix d’une solution à utilité maximale</a:t>
+            </a:r>
           </a:p>
         </p:txBody>
       </p:sp>
@@ -5365,7 +5246,7 @@
       </p:sp>
       <p:sp>
         <p:nvSpPr>
-          <p:cNvPr id="5" name="Espace réservé du texte 4"/>
+          <p:cNvPr id="7" name="Espace réservé du texte 6"/>
           <p:cNvSpPr>
             <a:spLocks noGrp="1"/>
           </p:cNvSpPr>
@@ -5388,13 +5269,20 @@
     </p:spTree>
     <p:extLst>
       <p:ext uri="{BB962C8B-B14F-4D97-AF65-F5344CB8AC3E}">
-        <p14:creationId xmlns:p14="http://schemas.microsoft.com/office/powerpoint/2010/main" val="2071881952"/>
+        <p14:creationId xmlns:p14="http://schemas.microsoft.com/office/powerpoint/2010/main" val="2110593780"/>
       </p:ext>
     </p:extLst>
   </p:cSld>
   <p:clrMapOvr>
     <a:masterClrMapping/>
   </p:clrMapOvr>
+  <p:timing>
+    <p:tnLst>
+      <p:par>
+        <p:cTn xmlns:p14="http://schemas.microsoft.com/office/powerpoint/2010/main" id="1" dur="indefinite" restart="never" nodeType="tmRoot"/>
+      </p:par>
+    </p:tnLst>
+  </p:timing>
 </p:sld>
 </file>
 
@@ -5432,29 +5320,166 @@
           <a:p>
             <a:r>
               <a:rPr lang="fr-FR"/>
-              <a:t>programmation dynamique</a:t>
-            </a:r>
-          </a:p>
-        </p:txBody>
-      </p:sp>
-      <p:sp>
-        <p:nvSpPr>
-          <p:cNvPr id="3" name="Espace réservé du texte 2"/>
-          <p:cNvSpPr>
-            <a:spLocks noGrp="1"/>
-          </p:cNvSpPr>
-          <p:nvPr>
-            <p:ph type="body" idx="1"/>
-          </p:nvPr>
-        </p:nvSpPr>
-        <p:spPr/>
-        <p:txBody>
-          <a:bodyPr/>
+              <a:t>Algorithme</a:t>
+            </a:r>
+          </a:p>
+        </p:txBody>
+      </p:sp>
+      <p:sp>
+        <p:nvSpPr>
+          <p:cNvPr id="3" name="Espace réservé du contenu 2"/>
+          <p:cNvSpPr>
+            <a:spLocks noGrp="1"/>
+          </p:cNvSpPr>
+          <p:nvPr>
+            <p:ph idx="1"/>
+          </p:nvPr>
+        </p:nvSpPr>
+        <p:spPr/>
+        <p:txBody>
+          <a:bodyPr>
+            <a:normAutofit fontScale="92500" lnSpcReduction="20000"/>
+          </a:bodyPr>
           <a:lstStyle/>
           <a:p>
             <a:r>
-              <a:rPr lang="fr-FR"/>
-              <a:t>Voyageur de commerce</a:t>
+              <a:rPr lang="fr-FR" dirty="0"/>
+              <a:t>création de </a:t>
+            </a:r>
+            <a:r>
+              <a:rPr lang="fr-FR" dirty="0" err="1"/>
+              <a:t>T</a:t>
+            </a:r>
+            <a:r>
+              <a:rPr lang="fr-FR" dirty="0"/>
+              <a:t> une (n+1, </a:t>
+            </a:r>
+            <a:r>
+              <a:rPr lang="fr-FR" dirty="0" err="1"/>
+              <a:t>volumeMax</a:t>
+            </a:r>
+            <a:r>
+              <a:rPr lang="fr-FR" dirty="0"/>
+              <a:t>)-matrice</a:t>
+            </a:r>
+          </a:p>
+          <a:p>
+            <a:r>
+              <a:rPr lang="fr-FR" dirty="0"/>
+              <a:t>initialisation : pour j</a:t>
+            </a:r>
+            <a:r>
+              <a:rPr lang="fr-FR" dirty="0" smtClean="0"/>
+              <a:t>∈{1, …, </a:t>
+            </a:r>
+            <a:r>
+              <a:rPr lang="fr-FR" dirty="0" err="1" smtClean="0"/>
+              <a:t>volumeMax</a:t>
+            </a:r>
+            <a:r>
+              <a:rPr lang="fr-FR" dirty="0" smtClean="0"/>
+              <a:t>}</a:t>
+            </a:r>
+            <a:endParaRPr lang="fr-FR" dirty="0"/>
+          </a:p>
+          <a:p>
+            <a:pPr lvl="1"/>
+            <a:r>
+              <a:rPr lang="fr-FR" dirty="0" err="1"/>
+              <a:t>T</a:t>
+            </a:r>
+            <a:r>
+              <a:rPr lang="fr-FR" dirty="0"/>
+              <a:t>[0,j] = 0</a:t>
+            </a:r>
+          </a:p>
+          <a:p>
+            <a:r>
+              <a:rPr lang="fr-FR" dirty="0"/>
+              <a:t>pour i∈{1,…,n}</a:t>
+            </a:r>
+          </a:p>
+          <a:p>
+            <a:pPr lvl="1"/>
+            <a:r>
+              <a:rPr lang="fr-FR" dirty="0"/>
+              <a:t>pour j ∈ {1, …, </a:t>
+            </a:r>
+            <a:r>
+              <a:rPr lang="fr-FR" dirty="0" err="1"/>
+              <a:t>volumeMax</a:t>
+            </a:r>
+            <a:r>
+              <a:rPr lang="fr-FR" dirty="0"/>
+              <a:t>}</a:t>
+            </a:r>
+          </a:p>
+          <a:p>
+            <a:pPr lvl="2"/>
+            <a:r>
+              <a:rPr lang="fr-FR" dirty="0"/>
+              <a:t>pour k ∈ {0, …, </a:t>
+            </a:r>
+            <a:r>
+              <a:rPr lang="fr-FR" dirty="0" err="1"/>
+              <a:t>volumeMax</a:t>
+            </a:r>
+            <a:r>
+              <a:rPr lang="fr-FR" dirty="0"/>
+              <a:t>/volume[i]}</a:t>
+            </a:r>
+          </a:p>
+          <a:p>
+            <a:pPr lvl="3"/>
+            <a:r>
+              <a:rPr lang="cs-CZ" dirty="0"/>
+              <a:t>T[i, j] ← </a:t>
+            </a:r>
+            <a:r>
+              <a:rPr lang="cs-CZ" dirty="0" err="1"/>
+              <a:t>max</a:t>
+            </a:r>
+            <a:r>
+              <a:rPr lang="cs-CZ" dirty="0"/>
+              <a:t>(T[i, j], T[i-1, j-k × </a:t>
+            </a:r>
+            <a:r>
+              <a:rPr lang="cs-CZ" dirty="0" err="1"/>
+              <a:t>volume</a:t>
+            </a:r>
+            <a:r>
+              <a:rPr lang="cs-CZ" dirty="0"/>
+              <a:t>[i]] + k × </a:t>
+            </a:r>
+            <a:r>
+              <a:rPr lang="cs-CZ" dirty="0" err="1"/>
+              <a:t>utilite</a:t>
+            </a:r>
+            <a:r>
+              <a:rPr lang="cs-CZ" dirty="0"/>
+              <a:t>[i])</a:t>
+            </a:r>
+          </a:p>
+          <a:p>
+            <a:r>
+              <a:rPr lang="fr-FR" dirty="0"/>
+              <a:t>renvoyer </a:t>
+            </a:r>
+            <a:r>
+              <a:rPr lang="fr-FR" dirty="0" err="1"/>
+              <a:t>T</a:t>
+            </a:r>
+            <a:r>
+              <a:rPr lang="fr-FR" dirty="0"/>
+              <a:t>[</a:t>
+            </a:r>
+            <a:r>
+              <a:rPr lang="fr-FR" dirty="0" err="1"/>
+              <a:t>n,volumeMax</a:t>
+            </a:r>
+            <a:r>
+              <a:rPr lang="fr-FR" dirty="0"/>
+              <a:t>]</a:t>
             </a:r>
           </a:p>
         </p:txBody>
@@ -5482,23 +5507,38 @@
           </a:p>
         </p:txBody>
       </p:sp>
+      <p:sp>
+        <p:nvSpPr>
+          <p:cNvPr id="5" name="Espace réservé du texte 4"/>
+          <p:cNvSpPr>
+            <a:spLocks noGrp="1"/>
+          </p:cNvSpPr>
+          <p:nvPr>
+            <p:ph type="body" sz="quarter" idx="13"/>
+          </p:nvPr>
+        </p:nvSpPr>
+        <p:spPr/>
+        <p:txBody>
+          <a:bodyPr/>
+          <a:lstStyle/>
+          <a:p>
+            <a:r>
+              <a:rPr lang="fr-FR"/>
+              <a:t>Programmation dynamique / Sac à dos</a:t>
+            </a:r>
+          </a:p>
+        </p:txBody>
+      </p:sp>
     </p:spTree>
     <p:extLst>
       <p:ext uri="{BB962C8B-B14F-4D97-AF65-F5344CB8AC3E}">
-        <p14:creationId xmlns:p14="http://schemas.microsoft.com/office/powerpoint/2010/main" val="1549551004"/>
+        <p14:creationId xmlns:p14="http://schemas.microsoft.com/office/powerpoint/2010/main" val="2047711477"/>
       </p:ext>
     </p:extLst>
   </p:cSld>
   <p:clrMapOvr>
     <a:masterClrMapping/>
   </p:clrMapOvr>
-  <p:timing>
-    <p:tnLst>
-      <p:par>
-        <p:cTn xmlns:p14="http://schemas.microsoft.com/office/powerpoint/2010/main" id="1" dur="indefinite" restart="never" nodeType="tmRoot"/>
-      </p:par>
-    </p:tnLst>
-  </p:timing>
 </p:sld>
 </file>
 
@@ -5529,21 +5569,14 @@
             <p:ph type="title"/>
           </p:nvPr>
         </p:nvSpPr>
-        <p:spPr>
-          <a:xfrm>
-            <a:off x="1435608" y="274638"/>
-            <a:ext cx="7708392" cy="1143000"/>
-          </a:xfrm>
-        </p:spPr>
-        <p:txBody>
-          <a:bodyPr>
-            <a:normAutofit fontScale="90000"/>
-          </a:bodyPr>
+        <p:spPr/>
+        <p:txBody>
+          <a:bodyPr/>
           <a:lstStyle/>
           <a:p>
             <a:r>
               <a:rPr lang="fr-FR"/>
-              <a:t>Problème du voyageur de commerce</a:t>
+              <a:t>Implémentation</a:t>
             </a:r>
           </a:p>
         </p:txBody>
@@ -5564,46 +5597,38 @@
           <a:lstStyle/>
           <a:p>
             <a:r>
-              <a:rPr lang="fr-FR" dirty="0"/>
-              <a:t>Passer une seule fois par chaque </a:t>
-            </a:r>
-            <a:r>
               <a:rPr lang="fr-FR" dirty="0" smtClean="0"/>
-              <a:t>ville</a:t>
+              <a:t>Langage C</a:t>
             </a:r>
           </a:p>
           <a:p>
             <a:r>
               <a:rPr lang="fr-FR" dirty="0" smtClean="0"/>
-              <a:t>Revenir au point de départ</a:t>
+              <a:t>Complexité</a:t>
+            </a:r>
+          </a:p>
+          <a:p>
+            <a:pPr lvl="1"/>
+            <a:r>
+              <a:rPr lang="fr-FR" dirty="0" smtClean="0"/>
+              <a:t>Temps : O(n.V</a:t>
+            </a:r>
+            <a:r>
+              <a:rPr lang="fr-FR" baseline="30000" dirty="0" smtClean="0"/>
+              <a:t>2</a:t>
+            </a:r>
+            <a:r>
+              <a:rPr lang="fr-FR" dirty="0" smtClean="0"/>
+              <a:t>)</a:t>
+            </a:r>
+          </a:p>
+          <a:p>
+            <a:pPr lvl="1"/>
+            <a:r>
+              <a:rPr lang="fr-FR" dirty="0" smtClean="0"/>
+              <a:t>Espace : O(V)</a:t>
             </a:r>
             <a:endParaRPr lang="fr-FR" dirty="0"/>
-          </a:p>
-          <a:p>
-            <a:r>
-              <a:rPr lang="fr-FR" dirty="0"/>
-              <a:t>Voyage de coût minimum</a:t>
-            </a:r>
-          </a:p>
-          <a:p>
-            <a:pPr marL="82296" indent="0">
-              <a:buNone/>
-            </a:pPr>
-            <a:endParaRPr lang="fr-FR" dirty="0"/>
-          </a:p>
-          <a:p>
-            <a:r>
-              <a:rPr lang="fr-FR" dirty="0"/>
-              <a:t>cycle </a:t>
-            </a:r>
-            <a:r>
-              <a:rPr lang="fr-FR" dirty="0" err="1"/>
-              <a:t>hamiltonien</a:t>
-            </a:r>
-            <a:r>
-              <a:rPr lang="fr-FR" dirty="0"/>
-              <a:t> de poids minimum</a:t>
-            </a:r>
           </a:p>
         </p:txBody>
       </p:sp>
@@ -5647,7 +5672,7 @@
           <a:p>
             <a:r>
               <a:rPr lang="fr-FR"/>
-              <a:t>Programmation dynamique / Voyageur de commerce</a:t>
+              <a:t>Programmation dynamique / Sac à dos</a:t>
             </a:r>
           </a:p>
         </p:txBody>
@@ -5655,7 +5680,7 @@
     </p:spTree>
     <p:extLst>
       <p:ext uri="{BB962C8B-B14F-4D97-AF65-F5344CB8AC3E}">
-        <p14:creationId xmlns:p14="http://schemas.microsoft.com/office/powerpoint/2010/main" val="3356454973"/>
+        <p14:creationId xmlns:p14="http://schemas.microsoft.com/office/powerpoint/2010/main" val="2242560654"/>
       </p:ext>
     </p:extLst>
   </p:cSld>
@@ -5699,7 +5724,7 @@
           <a:p>
             <a:r>
               <a:rPr lang="fr-FR"/>
-              <a:t>Algorithme</a:t>
+              <a:t>Tests</a:t>
             </a:r>
           </a:p>
         </p:txBody>
@@ -5744,161 +5769,40 @@
           <a:p>
             <a:r>
               <a:rPr lang="fr-FR"/>
-              <a:t>Programmation dynamique / Voyageur de commerce</a:t>
-            </a:r>
-          </a:p>
-        </p:txBody>
-      </p:sp>
-      <p:sp>
-        <p:nvSpPr>
-          <p:cNvPr id="6" name="Espace réservé du contenu 2"/>
-          <p:cNvSpPr>
-            <a:spLocks noGrp="1"/>
-          </p:cNvSpPr>
+              <a:t>Programmation dynamique / Sac à dos</a:t>
+            </a:r>
+          </a:p>
+        </p:txBody>
+      </p:sp>
+      <p:pic>
+        <p:nvPicPr>
+          <p:cNvPr id="8" name="Espace réservé du contenu 7" descr="bag.png"/>
+          <p:cNvPicPr>
+            <a:picLocks noGrp="1" noChangeAspect="1"/>
+          </p:cNvPicPr>
           <p:nvPr>
             <p:ph idx="1"/>
           </p:nvPr>
-        </p:nvSpPr>
-        <p:spPr>
-          <a:xfrm>
-            <a:off x="1435608" y="1447800"/>
-            <a:ext cx="7498080" cy="4800600"/>
-          </a:xfrm>
-        </p:spPr>
-        <p:txBody>
-          <a:bodyPr>
-            <a:normAutofit/>
-          </a:bodyPr>
-          <a:lstStyle/>
-          <a:p>
-            <a:r>
-              <a:rPr lang="fr-FR" dirty="0" smtClean="0"/>
-              <a:t>Initialisation :</a:t>
-            </a:r>
-            <a:r>
-              <a:rPr lang="fr-FR" dirty="0" smtClean="0"/>
-              <a:t>pour </a:t>
-            </a:r>
-            <a:r>
-              <a:rPr lang="fr-FR" dirty="0"/>
-              <a:t>i</a:t>
-            </a:r>
-            <a:r>
-              <a:rPr lang="fr-FR" dirty="0" smtClean="0"/>
-              <a:t>∈{1, …, n}</a:t>
-            </a:r>
-          </a:p>
-          <a:p>
-            <a:pPr lvl="1"/>
-            <a:r>
-              <a:rPr lang="fr-FR" dirty="0" smtClean="0"/>
-              <a:t>C({0},i) = p(0,i)</a:t>
-            </a:r>
-          </a:p>
-          <a:p>
-            <a:r>
-              <a:rPr lang="fr-FR" dirty="0"/>
-              <a:t>pour i∈</a:t>
-            </a:r>
-            <a:r>
-              <a:rPr lang="fr-FR" dirty="0" smtClean="0"/>
-              <a:t>{2, …, n</a:t>
-            </a:r>
-            <a:r>
-              <a:rPr lang="fr-FR" dirty="0"/>
-              <a:t>}</a:t>
-            </a:r>
-          </a:p>
-          <a:p>
-            <a:pPr lvl="1"/>
-            <a:r>
-              <a:rPr lang="fr-FR" dirty="0"/>
-              <a:t>pour </a:t>
-            </a:r>
-            <a:r>
-              <a:rPr lang="fr-FR" dirty="0" smtClean="0"/>
-              <a:t>S ⊆{1, …, n} : |S|=i</a:t>
-            </a:r>
-          </a:p>
-          <a:p>
-            <a:pPr lvl="2"/>
-            <a:r>
-              <a:rPr lang="fr-FR" dirty="0" smtClean="0"/>
-              <a:t>pour j S</a:t>
-            </a:r>
-          </a:p>
-          <a:p>
-            <a:pPr lvl="3"/>
-            <a:r>
-              <a:rPr lang="fr-FR" dirty="0" smtClean="0"/>
-              <a:t>C(</a:t>
-            </a:r>
-            <a:r>
-              <a:rPr lang="fr-FR" dirty="0" err="1" smtClean="0"/>
-              <a:t>S,j</a:t>
-            </a:r>
-            <a:r>
-              <a:rPr lang="fr-FR" dirty="0" smtClean="0"/>
-              <a:t>) = </a:t>
-            </a:r>
-            <a:r>
-              <a:rPr lang="fr-FR" dirty="0" err="1" smtClean="0"/>
-              <a:t>min</a:t>
-            </a:r>
-            <a:r>
-              <a:rPr lang="fr-FR" baseline="-25000" dirty="0" err="1" smtClean="0"/>
-              <a:t>k∈S</a:t>
-            </a:r>
-            <a:r>
-              <a:rPr lang="fr-FR" baseline="-25000" dirty="0" smtClean="0"/>
-              <a:t>\{0}</a:t>
-            </a:r>
-            <a:r>
-              <a:rPr lang="fr-FR" dirty="0" smtClean="0"/>
-              <a:t>( C(S\{k}, k)+ p(k, j) )</a:t>
-            </a:r>
-            <a:endParaRPr lang="fr-FR" dirty="0"/>
-          </a:p>
-          <a:p>
-            <a:r>
-              <a:rPr lang="fr-FR" dirty="0" smtClean="0"/>
-              <a:t>Renvoyer </a:t>
-            </a:r>
-            <a:r>
-              <a:rPr lang="fr-FR" dirty="0" err="1" smtClean="0"/>
-              <a:t>min</a:t>
-            </a:r>
-            <a:r>
-              <a:rPr lang="fr-FR" baseline="-25000" dirty="0" err="1" smtClean="0"/>
-              <a:t>i∈V</a:t>
-            </a:r>
-            <a:r>
-              <a:rPr lang="fr-FR" baseline="-25000" dirty="0" smtClean="0"/>
-              <a:t>\</a:t>
-            </a:r>
-            <a:r>
-              <a:rPr lang="fr-FR" baseline="-25000" dirty="0"/>
-              <a:t>{0</a:t>
-            </a:r>
-            <a:r>
-              <a:rPr lang="fr-FR" baseline="-25000" dirty="0" smtClean="0"/>
-              <a:t>}</a:t>
-            </a:r>
-            <a:r>
-              <a:rPr lang="fr-FR" dirty="0" smtClean="0"/>
-              <a:t>( C(X\{i},i) + p(i, 0) )</a:t>
-            </a:r>
-            <a:endParaRPr lang="fr-FR" dirty="0"/>
-          </a:p>
-          <a:p>
-            <a:endParaRPr lang="fr-FR" dirty="0"/>
-          </a:p>
-        </p:txBody>
-      </p:sp>
+        </p:nvPicPr>
+        <p:blipFill>
+          <a:blip r:embed="rId2">
+            <a:extLst>
+              <a:ext uri="{28A0092B-C50C-407E-A947-70E740481C1C}">
+                <a14:useLocalDpi xmlns:a14="http://schemas.microsoft.com/office/drawing/2010/main" val="0"/>
+              </a:ext>
+            </a:extLst>
+          </a:blip>
+          <a:srcRect l="-8571" r="-8571"/>
+          <a:stretch>
+            <a:fillRect/>
+          </a:stretch>
+        </p:blipFill>
+        <p:spPr/>
+      </p:pic>
     </p:spTree>
     <p:extLst>
       <p:ext uri="{BB962C8B-B14F-4D97-AF65-F5344CB8AC3E}">
-        <p14:creationId xmlns:p14="http://schemas.microsoft.com/office/powerpoint/2010/main" val="3531835234"/>
+        <p14:creationId xmlns:p14="http://schemas.microsoft.com/office/powerpoint/2010/main" val="2071881952"/>
       </p:ext>
     </p:extLst>
   </p:cSld>
@@ -5942,19 +5846,19 @@
           <a:p>
             <a:r>
               <a:rPr lang="fr-FR"/>
-              <a:t>Implémentation</a:t>
-            </a:r>
-          </a:p>
-        </p:txBody>
-      </p:sp>
-      <p:sp>
-        <p:nvSpPr>
-          <p:cNvPr id="3" name="Espace réservé du contenu 2"/>
-          <p:cNvSpPr>
-            <a:spLocks noGrp="1"/>
-          </p:cNvSpPr>
-          <p:nvPr>
-            <p:ph idx="1"/>
+              <a:t>programmation dynamique</a:t>
+            </a:r>
+          </a:p>
+        </p:txBody>
+      </p:sp>
+      <p:sp>
+        <p:nvSpPr>
+          <p:cNvPr id="3" name="Espace réservé du texte 2"/>
+          <p:cNvSpPr>
+            <a:spLocks noGrp="1"/>
+          </p:cNvSpPr>
+          <p:nvPr>
+            <p:ph type="body" idx="1"/>
           </p:nvPr>
         </p:nvSpPr>
         <p:spPr/>
@@ -5962,7 +5866,10 @@
           <a:bodyPr/>
           <a:lstStyle/>
           <a:p>
-            <a:endParaRPr lang="fr-FR"/>
+            <a:r>
+              <a:rPr lang="fr-FR"/>
+              <a:t>Voyageur de commerce</a:t>
+            </a:r>
           </a:p>
         </p:txBody>
       </p:sp>
@@ -5989,38 +5896,23 @@
           </a:p>
         </p:txBody>
       </p:sp>
-      <p:sp>
-        <p:nvSpPr>
-          <p:cNvPr id="5" name="Espace réservé du texte 4"/>
-          <p:cNvSpPr>
-            <a:spLocks noGrp="1"/>
-          </p:cNvSpPr>
-          <p:nvPr>
-            <p:ph type="body" sz="quarter" idx="13"/>
-          </p:nvPr>
-        </p:nvSpPr>
-        <p:spPr/>
-        <p:txBody>
-          <a:bodyPr/>
-          <a:lstStyle/>
-          <a:p>
-            <a:r>
-              <a:rPr lang="fr-FR"/>
-              <a:t>Programmation dynamique / Voyageur de commerce</a:t>
-            </a:r>
-          </a:p>
-        </p:txBody>
-      </p:sp>
     </p:spTree>
     <p:extLst>
       <p:ext uri="{BB962C8B-B14F-4D97-AF65-F5344CB8AC3E}">
-        <p14:creationId xmlns:p14="http://schemas.microsoft.com/office/powerpoint/2010/main" val="1417517313"/>
+        <p14:creationId xmlns:p14="http://schemas.microsoft.com/office/powerpoint/2010/main" val="1549551004"/>
       </p:ext>
     </p:extLst>
   </p:cSld>
   <p:clrMapOvr>
     <a:masterClrMapping/>
   </p:clrMapOvr>
+  <p:timing>
+    <p:tnLst>
+      <p:par>
+        <p:cTn xmlns:p14="http://schemas.microsoft.com/office/powerpoint/2010/main" id="1" dur="indefinite" restart="never" nodeType="tmRoot"/>
+      </p:par>
+    </p:tnLst>
+  </p:timing>
 </p:sld>
 </file>
 
@@ -6051,14 +5943,21 @@
             <p:ph type="title"/>
           </p:nvPr>
         </p:nvSpPr>
-        <p:spPr/>
-        <p:txBody>
-          <a:bodyPr/>
+        <p:spPr>
+          <a:xfrm>
+            <a:off x="1435608" y="274638"/>
+            <a:ext cx="7708392" cy="1143000"/>
+          </a:xfrm>
+        </p:spPr>
+        <p:txBody>
+          <a:bodyPr>
+            <a:normAutofit fontScale="90000"/>
+          </a:bodyPr>
           <a:lstStyle/>
           <a:p>
             <a:r>
               <a:rPr lang="fr-FR"/>
-              <a:t>Performances</a:t>
+              <a:t>Problème du voyageur de commerce</a:t>
             </a:r>
           </a:p>
         </p:txBody>
@@ -6078,7 +5977,47 @@
           <a:bodyPr/>
           <a:lstStyle/>
           <a:p>
-            <a:endParaRPr lang="fr-FR"/>
+            <a:r>
+              <a:rPr lang="fr-FR" dirty="0"/>
+              <a:t>Passer une seule fois par chaque </a:t>
+            </a:r>
+            <a:r>
+              <a:rPr lang="fr-FR" dirty="0" smtClean="0"/>
+              <a:t>ville</a:t>
+            </a:r>
+          </a:p>
+          <a:p>
+            <a:r>
+              <a:rPr lang="fr-FR" dirty="0" smtClean="0"/>
+              <a:t>Revenir au point de départ</a:t>
+            </a:r>
+            <a:endParaRPr lang="fr-FR" dirty="0"/>
+          </a:p>
+          <a:p>
+            <a:r>
+              <a:rPr lang="fr-FR" dirty="0"/>
+              <a:t>Voyage de coût minimum</a:t>
+            </a:r>
+          </a:p>
+          <a:p>
+            <a:pPr marL="82296" indent="0">
+              <a:buNone/>
+            </a:pPr>
+            <a:endParaRPr lang="fr-FR" dirty="0"/>
+          </a:p>
+          <a:p>
+            <a:r>
+              <a:rPr lang="fr-FR" dirty="0"/>
+              <a:t>cycle </a:t>
+            </a:r>
+            <a:r>
+              <a:rPr lang="fr-FR" dirty="0" err="1"/>
+              <a:t>hamiltonien</a:t>
+            </a:r>
+            <a:r>
+              <a:rPr lang="fr-FR" dirty="0"/>
+              <a:t> de poids minimum</a:t>
+            </a:r>
           </a:p>
         </p:txBody>
       </p:sp>
@@ -6130,7 +6069,7 @@
     </p:spTree>
     <p:extLst>
       <p:ext uri="{BB962C8B-B14F-4D97-AF65-F5344CB8AC3E}">
-        <p14:creationId xmlns:p14="http://schemas.microsoft.com/office/powerpoint/2010/main" val="3259256166"/>
+        <p14:creationId xmlns:p14="http://schemas.microsoft.com/office/powerpoint/2010/main" val="3356454973"/>
       </p:ext>
     </p:extLst>
   </p:cSld>
@@ -6174,27 +6113,8 @@
           <a:p>
             <a:r>
               <a:rPr lang="fr-FR"/>
-              <a:t>Tests</a:t>
-            </a:r>
-          </a:p>
-        </p:txBody>
-      </p:sp>
-      <p:sp>
-        <p:nvSpPr>
-          <p:cNvPr id="3" name="Espace réservé du contenu 2"/>
-          <p:cNvSpPr>
-            <a:spLocks noGrp="1"/>
-          </p:cNvSpPr>
-          <p:nvPr>
-            <p:ph idx="1"/>
-          </p:nvPr>
-        </p:nvSpPr>
-        <p:spPr/>
-        <p:txBody>
-          <a:bodyPr/>
-          <a:lstStyle/>
-          <a:p>
-            <a:endParaRPr lang="fr-FR"/>
+              <a:t>Algorithme</a:t>
+            </a:r>
           </a:p>
         </p:txBody>
       </p:sp>
@@ -6243,10 +6163,160 @@
           </a:p>
         </p:txBody>
       </p:sp>
+      <p:sp>
+        <p:nvSpPr>
+          <p:cNvPr id="6" name="Espace réservé du contenu 2"/>
+          <p:cNvSpPr>
+            <a:spLocks noGrp="1"/>
+          </p:cNvSpPr>
+          <p:nvPr>
+            <p:ph idx="1"/>
+          </p:nvPr>
+        </p:nvSpPr>
+        <p:spPr>
+          <a:xfrm>
+            <a:off x="1435608" y="1447800"/>
+            <a:ext cx="7498080" cy="4800600"/>
+          </a:xfrm>
+        </p:spPr>
+        <p:txBody>
+          <a:bodyPr>
+            <a:normAutofit/>
+          </a:bodyPr>
+          <a:lstStyle/>
+          <a:p>
+            <a:r>
+              <a:rPr lang="fr-FR" dirty="0" smtClean="0"/>
+              <a:t>Initialisation : pour </a:t>
+            </a:r>
+            <a:r>
+              <a:rPr lang="fr-FR" dirty="0"/>
+              <a:t>i</a:t>
+            </a:r>
+            <a:r>
+              <a:rPr lang="fr-FR" dirty="0" smtClean="0"/>
+              <a:t>∈{1, …, n}</a:t>
+            </a:r>
+          </a:p>
+          <a:p>
+            <a:pPr lvl="1"/>
+            <a:r>
+              <a:rPr lang="fr-FR" dirty="0" smtClean="0"/>
+              <a:t>C({0},i) = p(0,i)</a:t>
+            </a:r>
+          </a:p>
+          <a:p>
+            <a:r>
+              <a:rPr lang="fr-FR" dirty="0"/>
+              <a:t>pour i∈</a:t>
+            </a:r>
+            <a:r>
+              <a:rPr lang="fr-FR" dirty="0" smtClean="0"/>
+              <a:t>{2, …, n</a:t>
+            </a:r>
+            <a:r>
+              <a:rPr lang="fr-FR" dirty="0"/>
+              <a:t>}</a:t>
+            </a:r>
+          </a:p>
+          <a:p>
+            <a:pPr lvl="1"/>
+            <a:r>
+              <a:rPr lang="fr-FR" dirty="0"/>
+              <a:t>pour </a:t>
+            </a:r>
+            <a:r>
+              <a:rPr lang="fr-FR" dirty="0" smtClean="0"/>
+              <a:t>S ⊆{1, …, n} : |S|=i</a:t>
+            </a:r>
+          </a:p>
+          <a:p>
+            <a:pPr lvl="2"/>
+            <a:r>
+              <a:rPr lang="fr-FR" dirty="0" smtClean="0"/>
+              <a:t>pour j</a:t>
+            </a:r>
+            <a:r>
+              <a:rPr lang="fr-FR"/>
+              <a:t>∈V\</a:t>
+            </a:r>
+            <a:r>
+              <a:rPr lang="fr-FR" dirty="0" smtClean="0"/>
+              <a:t>S</a:t>
+            </a:r>
+          </a:p>
+          <a:p>
+            <a:pPr lvl="3"/>
+            <a:r>
+              <a:rPr lang="fr-FR" dirty="0" smtClean="0"/>
+              <a:t>C(</a:t>
+            </a:r>
+            <a:r>
+              <a:rPr lang="fr-FR" dirty="0" err="1" smtClean="0"/>
+              <a:t>S,j</a:t>
+            </a:r>
+            <a:r>
+              <a:rPr lang="fr-FR" dirty="0" smtClean="0"/>
+              <a:t>) = </a:t>
+            </a:r>
+            <a:r>
+              <a:rPr lang="fr-FR" dirty="0" err="1" smtClean="0"/>
+              <a:t>min</a:t>
+            </a:r>
+            <a:r>
+              <a:rPr lang="fr-FR" baseline="-25000" dirty="0" err="1" smtClean="0"/>
+              <a:t>k∈S</a:t>
+            </a:r>
+            <a:r>
+              <a:rPr lang="fr-FR" baseline="-25000" dirty="0" smtClean="0"/>
+              <a:t>\{0}</a:t>
+            </a:r>
+            <a:r>
+              <a:rPr lang="fr-FR" dirty="0" smtClean="0"/>
+              <a:t>( C(S\{k}, k)+ p(k, j) )</a:t>
+            </a:r>
+            <a:endParaRPr lang="fr-FR" dirty="0"/>
+          </a:p>
+          <a:p>
+            <a:r>
+              <a:rPr lang="fr-FR" dirty="0" smtClean="0"/>
+              <a:t>Renvoyer </a:t>
+            </a:r>
+            <a:r>
+              <a:rPr lang="fr-FR" dirty="0" err="1" smtClean="0"/>
+              <a:t>min</a:t>
+            </a:r>
+            <a:r>
+              <a:rPr lang="fr-FR" baseline="-25000" dirty="0" err="1" smtClean="0"/>
+              <a:t>i∈V</a:t>
+            </a:r>
+            <a:r>
+              <a:rPr lang="fr-FR" baseline="-25000" dirty="0" smtClean="0"/>
+              <a:t>\</a:t>
+            </a:r>
+            <a:r>
+              <a:rPr lang="fr-FR" baseline="-25000" dirty="0"/>
+              <a:t>{0</a:t>
+            </a:r>
+            <a:r>
+              <a:rPr lang="fr-FR" baseline="-25000" dirty="0" smtClean="0"/>
+              <a:t>}</a:t>
+            </a:r>
+            <a:r>
+              <a:rPr lang="fr-FR" dirty="0" smtClean="0"/>
+              <a:t>( C(V\{i},i) + p(i, 0) )</a:t>
+            </a:r>
+            <a:endParaRPr lang="fr-FR" dirty="0"/>
+          </a:p>
+          <a:p>
+            <a:endParaRPr lang="fr-FR" dirty="0"/>
+          </a:p>
+        </p:txBody>
+      </p:sp>
     </p:spTree>
     <p:extLst>
       <p:ext uri="{BB962C8B-B14F-4D97-AF65-F5344CB8AC3E}">
-        <p14:creationId xmlns:p14="http://schemas.microsoft.com/office/powerpoint/2010/main" val="4129870993"/>
+        <p14:creationId xmlns:p14="http://schemas.microsoft.com/office/powerpoint/2010/main" val="3531835234"/>
       </p:ext>
     </p:extLst>
   </p:cSld>
@@ -6290,19 +6360,19 @@
           <a:p>
             <a:r>
               <a:rPr lang="fr-FR"/>
-              <a:t>Branch &amp; bound</a:t>
-            </a:r>
-          </a:p>
-        </p:txBody>
-      </p:sp>
-      <p:sp>
-        <p:nvSpPr>
-          <p:cNvPr id="3" name="Espace réservé du texte 2"/>
-          <p:cNvSpPr>
-            <a:spLocks noGrp="1"/>
-          </p:cNvSpPr>
-          <p:nvPr>
-            <p:ph type="body" idx="1"/>
+              <a:t>Implémentation</a:t>
+            </a:r>
+          </a:p>
+        </p:txBody>
+      </p:sp>
+      <p:sp>
+        <p:nvSpPr>
+          <p:cNvPr id="3" name="Espace réservé du contenu 2"/>
+          <p:cNvSpPr>
+            <a:spLocks noGrp="1"/>
+          </p:cNvSpPr>
+          <p:nvPr>
+            <p:ph idx="1"/>
           </p:nvPr>
         </p:nvSpPr>
         <p:spPr/>
@@ -6310,7 +6380,55 @@
           <a:bodyPr/>
           <a:lstStyle/>
           <a:p>
-            <a:endParaRPr lang="fr-FR"/>
+            <a:r>
+              <a:rPr lang="fr-FR" dirty="0"/>
+              <a:t>Langage C</a:t>
+            </a:r>
+          </a:p>
+          <a:p>
+            <a:r>
+              <a:rPr lang="fr-FR" dirty="0"/>
+              <a:t>Complexité</a:t>
+            </a:r>
+          </a:p>
+          <a:p>
+            <a:pPr lvl="1"/>
+            <a:r>
+              <a:rPr lang="fr-FR" dirty="0"/>
+              <a:t>Temps : O(n</a:t>
+            </a:r>
+            <a:r>
+              <a:rPr lang="fr-FR" baseline="30000" dirty="0"/>
+              <a:t>2</a:t>
+            </a:r>
+            <a:r>
+              <a:rPr lang="fr-FR" dirty="0"/>
+              <a:t>.2</a:t>
+            </a:r>
+            <a:r>
+              <a:rPr lang="fr-FR" baseline="30000" dirty="0"/>
+              <a:t>n</a:t>
+            </a:r>
+            <a:r>
+              <a:rPr lang="fr-FR" dirty="0"/>
+              <a:t>)</a:t>
+            </a:r>
+          </a:p>
+          <a:p>
+            <a:pPr lvl="1"/>
+            <a:r>
+              <a:rPr lang="fr-FR" dirty="0"/>
+              <a:t>Espace : O(2</a:t>
+            </a:r>
+            <a:r>
+              <a:rPr lang="fr-FR" baseline="30000" dirty="0"/>
+              <a:t>n</a:t>
+            </a:r>
+            <a:r>
+              <a:rPr lang="fr-FR" dirty="0"/>
+              <a:t>)</a:t>
+            </a:r>
+            <a:endParaRPr lang="fr-FR" dirty="0"/>
           </a:p>
         </p:txBody>
       </p:sp>
@@ -6337,10 +6455,32 @@
           </a:p>
         </p:txBody>
       </p:sp>
+      <p:sp>
+        <p:nvSpPr>
+          <p:cNvPr id="5" name="Espace réservé du texte 4"/>
+          <p:cNvSpPr>
+            <a:spLocks noGrp="1"/>
+          </p:cNvSpPr>
+          <p:nvPr>
+            <p:ph type="body" sz="quarter" idx="13"/>
+          </p:nvPr>
+        </p:nvSpPr>
+        <p:spPr/>
+        <p:txBody>
+          <a:bodyPr/>
+          <a:lstStyle/>
+          <a:p>
+            <a:r>
+              <a:rPr lang="fr-FR"/>
+              <a:t>Programmation dynamique / Voyageur de commerce</a:t>
+            </a:r>
+          </a:p>
+        </p:txBody>
+      </p:sp>
     </p:spTree>
     <p:extLst>
       <p:ext uri="{BB962C8B-B14F-4D97-AF65-F5344CB8AC3E}">
-        <p14:creationId xmlns:p14="http://schemas.microsoft.com/office/powerpoint/2010/main" val="6742229"/>
+        <p14:creationId xmlns:p14="http://schemas.microsoft.com/office/powerpoint/2010/main" val="1417517313"/>
       </p:ext>
     </p:extLst>
   </p:cSld>
@@ -6401,11 +6541,19 @@
         </p:nvSpPr>
         <p:spPr/>
         <p:txBody>
-          <a:bodyPr/>
+          <a:bodyPr>
+            <a:normAutofit fontScale="92500" lnSpcReduction="20000"/>
+          </a:bodyPr>
           <a:lstStyle/>
           <a:p>
             <a:r>
               <a:rPr lang="fr-FR"/>
+              <a:t>Introduction</a:t>
+            </a:r>
+          </a:p>
+          <a:p>
+            <a:r>
+              <a:rPr lang="fr-FR"/>
               <a:t>Programmation dynamique</a:t>
             </a:r>
           </a:p>
@@ -6441,6 +6589,13 @@
               <a:rPr lang="fr-FR"/>
               <a:t>Comparaison</a:t>
             </a:r>
+          </a:p>
+          <a:p>
+            <a:r>
+              <a:rPr lang="fr-FR"/>
+              <a:t>Conclusion</a:t>
+            </a:r>
+            <a:endParaRPr lang="fr-FR"/>
           </a:p>
         </p:txBody>
       </p:sp>
@@ -6487,6 +6642,976 @@
 </p:sld>
 </file>
 
+<file path=ppt/slides/slide20.xml><?xml version="1.0" encoding="utf-8"?>
+<p:sld xmlns:a="http://schemas.openxmlformats.org/drawingml/2006/main" xmlns:r="http://schemas.openxmlformats.org/officeDocument/2006/relationships" xmlns:p="http://schemas.openxmlformats.org/presentationml/2006/main">
+  <p:cSld>
+    <p:spTree>
+      <p:nvGrpSpPr>
+        <p:cNvPr id="1" name=""/>
+        <p:cNvGrpSpPr/>
+        <p:nvPr/>
+      </p:nvGrpSpPr>
+      <p:grpSpPr>
+        <a:xfrm>
+          <a:off x="0" y="0"/>
+          <a:ext cx="0" cy="0"/>
+          <a:chOff x="0" y="0"/>
+          <a:chExt cx="0" cy="0"/>
+        </a:xfrm>
+      </p:grpSpPr>
+      <p:sp>
+        <p:nvSpPr>
+          <p:cNvPr id="2" name="Titre 1"/>
+          <p:cNvSpPr>
+            <a:spLocks noGrp="1"/>
+          </p:cNvSpPr>
+          <p:nvPr>
+            <p:ph type="title"/>
+          </p:nvPr>
+        </p:nvSpPr>
+        <p:spPr/>
+        <p:txBody>
+          <a:bodyPr/>
+          <a:lstStyle/>
+          <a:p>
+            <a:r>
+              <a:rPr lang="fr-FR"/>
+              <a:t>Tests</a:t>
+            </a:r>
+          </a:p>
+        </p:txBody>
+      </p:sp>
+      <p:pic>
+        <p:nvPicPr>
+          <p:cNvPr id="6" name="Espace réservé du contenu 5" descr="tsp.png"/>
+          <p:cNvPicPr>
+            <a:picLocks noGrp="1" noChangeAspect="1"/>
+          </p:cNvPicPr>
+          <p:nvPr>
+            <p:ph idx="1"/>
+          </p:nvPr>
+        </p:nvPicPr>
+        <p:blipFill>
+          <a:blip r:embed="rId2">
+            <a:extLst>
+              <a:ext uri="{28A0092B-C50C-407E-A947-70E740481C1C}">
+                <a14:useLocalDpi xmlns:a14="http://schemas.microsoft.com/office/drawing/2010/main" val="0"/>
+              </a:ext>
+            </a:extLst>
+          </a:blip>
+          <a:srcRect l="-8571" r="-8571"/>
+          <a:stretch>
+            <a:fillRect/>
+          </a:stretch>
+        </p:blipFill>
+        <p:spPr/>
+      </p:pic>
+      <p:sp>
+        <p:nvSpPr>
+          <p:cNvPr id="4" name="Espace réservé du numéro de diapositive 3"/>
+          <p:cNvSpPr>
+            <a:spLocks noGrp="1"/>
+          </p:cNvSpPr>
+          <p:nvPr>
+            <p:ph type="sldNum" sz="quarter" idx="12"/>
+          </p:nvPr>
+        </p:nvSpPr>
+        <p:spPr/>
+        <p:txBody>
+          <a:bodyPr/>
+          <a:lstStyle/>
+          <a:p>
+            <a:fld id="{36E14869-03E4-304B-A3A2-88DE27B9560D}" type="slidenum">
+              <a:rPr lang="fr-FR"/>
+              <a:t>19</a:t>
+            </a:fld>
+            <a:endParaRPr lang="fr-FR"/>
+          </a:p>
+        </p:txBody>
+      </p:sp>
+      <p:sp>
+        <p:nvSpPr>
+          <p:cNvPr id="5" name="Espace réservé du texte 4"/>
+          <p:cNvSpPr>
+            <a:spLocks noGrp="1"/>
+          </p:cNvSpPr>
+          <p:nvPr>
+            <p:ph type="body" sz="quarter" idx="13"/>
+          </p:nvPr>
+        </p:nvSpPr>
+        <p:spPr/>
+        <p:txBody>
+          <a:bodyPr/>
+          <a:lstStyle/>
+          <a:p>
+            <a:r>
+              <a:rPr lang="fr-FR"/>
+              <a:t>Programmation dynamique / Voyageur de commerce</a:t>
+            </a:r>
+          </a:p>
+        </p:txBody>
+      </p:sp>
+    </p:spTree>
+    <p:extLst>
+      <p:ext uri="{BB962C8B-B14F-4D97-AF65-F5344CB8AC3E}">
+        <p14:creationId xmlns:p14="http://schemas.microsoft.com/office/powerpoint/2010/main" val="4129870993"/>
+      </p:ext>
+    </p:extLst>
+  </p:cSld>
+  <p:clrMapOvr>
+    <a:masterClrMapping/>
+  </p:clrMapOvr>
+</p:sld>
+</file>
+
+<file path=ppt/slides/slide21.xml><?xml version="1.0" encoding="utf-8"?>
+<p:sld xmlns:a="http://schemas.openxmlformats.org/drawingml/2006/main" xmlns:r="http://schemas.openxmlformats.org/officeDocument/2006/relationships" xmlns:p="http://schemas.openxmlformats.org/presentationml/2006/main">
+  <p:cSld>
+    <p:spTree>
+      <p:nvGrpSpPr>
+        <p:cNvPr id="1" name=""/>
+        <p:cNvGrpSpPr/>
+        <p:nvPr/>
+      </p:nvGrpSpPr>
+      <p:grpSpPr>
+        <a:xfrm>
+          <a:off x="0" y="0"/>
+          <a:ext cx="0" cy="0"/>
+          <a:chOff x="0" y="0"/>
+          <a:chExt cx="0" cy="0"/>
+        </a:xfrm>
+      </p:grpSpPr>
+      <p:sp>
+        <p:nvSpPr>
+          <p:cNvPr id="2" name="Titre 1"/>
+          <p:cNvSpPr>
+            <a:spLocks noGrp="1"/>
+          </p:cNvSpPr>
+          <p:nvPr>
+            <p:ph type="title"/>
+          </p:nvPr>
+        </p:nvSpPr>
+        <p:spPr/>
+        <p:txBody>
+          <a:bodyPr/>
+          <a:lstStyle/>
+          <a:p>
+            <a:r>
+              <a:rPr lang="fr-FR"/>
+              <a:t>Branch &amp; bound</a:t>
+            </a:r>
+          </a:p>
+        </p:txBody>
+      </p:sp>
+      <p:sp>
+        <p:nvSpPr>
+          <p:cNvPr id="4" name="Espace réservé du numéro de diapositive 3"/>
+          <p:cNvSpPr>
+            <a:spLocks noGrp="1"/>
+          </p:cNvSpPr>
+          <p:nvPr>
+            <p:ph type="sldNum" sz="quarter" idx="12"/>
+          </p:nvPr>
+        </p:nvSpPr>
+        <p:spPr/>
+        <p:txBody>
+          <a:bodyPr/>
+          <a:lstStyle/>
+          <a:p>
+            <a:fld id="{36E14869-03E4-304B-A3A2-88DE27B9560D}" type="slidenum">
+              <a:rPr lang="fr-FR"/>
+              <a:t>20</a:t>
+            </a:fld>
+            <a:endParaRPr lang="fr-FR"/>
+          </a:p>
+        </p:txBody>
+      </p:sp>
+    </p:spTree>
+    <p:extLst>
+      <p:ext uri="{BB962C8B-B14F-4D97-AF65-F5344CB8AC3E}">
+        <p14:creationId xmlns:p14="http://schemas.microsoft.com/office/powerpoint/2010/main" val="6742229"/>
+      </p:ext>
+    </p:extLst>
+  </p:cSld>
+  <p:clrMapOvr>
+    <a:masterClrMapping/>
+  </p:clrMapOvr>
+</p:sld>
+</file>
+
+<file path=ppt/slides/slide22.xml><?xml version="1.0" encoding="utf-8"?>
+<p:sld xmlns:a="http://schemas.openxmlformats.org/drawingml/2006/main" xmlns:r="http://schemas.openxmlformats.org/officeDocument/2006/relationships" xmlns:p="http://schemas.openxmlformats.org/presentationml/2006/main">
+  <p:cSld>
+    <p:spTree>
+      <p:nvGrpSpPr>
+        <p:cNvPr id="1" name=""/>
+        <p:cNvGrpSpPr/>
+        <p:nvPr/>
+      </p:nvGrpSpPr>
+      <p:grpSpPr>
+        <a:xfrm>
+          <a:off x="0" y="0"/>
+          <a:ext cx="0" cy="0"/>
+          <a:chOff x="0" y="0"/>
+          <a:chExt cx="0" cy="0"/>
+        </a:xfrm>
+      </p:grpSpPr>
+      <p:sp>
+        <p:nvSpPr>
+          <p:cNvPr id="2" name="Titre 1"/>
+          <p:cNvSpPr>
+            <a:spLocks noGrp="1"/>
+          </p:cNvSpPr>
+          <p:nvPr>
+            <p:ph type="title"/>
+          </p:nvPr>
+        </p:nvSpPr>
+        <p:spPr/>
+        <p:txBody>
+          <a:bodyPr>
+            <a:normAutofit fontScale="90000"/>
+          </a:bodyPr>
+          <a:lstStyle/>
+          <a:p>
+            <a:r>
+              <a:rPr lang="fr-FR"/>
+              <a:t>Solutions initiales admissibles au TSP</a:t>
+            </a:r>
+          </a:p>
+        </p:txBody>
+      </p:sp>
+      <p:sp>
+        <p:nvSpPr>
+          <p:cNvPr id="3" name="Espace réservé du contenu 2"/>
+          <p:cNvSpPr>
+            <a:spLocks noGrp="1"/>
+          </p:cNvSpPr>
+          <p:nvPr>
+            <p:ph idx="1"/>
+          </p:nvPr>
+        </p:nvSpPr>
+        <p:spPr/>
+        <p:txBody>
+          <a:bodyPr/>
+          <a:lstStyle/>
+          <a:p>
+            <a:r>
+              <a:rPr lang="fr-FR"/>
+              <a:t>Chaine de poids le plus faible</a:t>
+            </a:r>
+          </a:p>
+          <a:p>
+            <a:r>
+              <a:rPr lang="fr-FR"/>
+              <a:t>Voisinage 2-opt</a:t>
+            </a:r>
+          </a:p>
+          <a:p>
+            <a:r>
+              <a:rPr lang="fr-FR"/>
+              <a:t>Voisinage 3-opt</a:t>
+            </a:r>
+          </a:p>
+          <a:p>
+            <a:r>
+              <a:rPr lang="fr-FR"/>
+              <a:t>Solution 3/2 approchée</a:t>
+            </a:r>
+          </a:p>
+        </p:txBody>
+      </p:sp>
+      <p:sp>
+        <p:nvSpPr>
+          <p:cNvPr id="4" name="Espace réservé du numéro de diapositive 3"/>
+          <p:cNvSpPr>
+            <a:spLocks noGrp="1"/>
+          </p:cNvSpPr>
+          <p:nvPr>
+            <p:ph type="sldNum" sz="quarter" idx="12"/>
+          </p:nvPr>
+        </p:nvSpPr>
+        <p:spPr/>
+        <p:txBody>
+          <a:bodyPr/>
+          <a:lstStyle/>
+          <a:p>
+            <a:fld id="{36E14869-03E4-304B-A3A2-88DE27B9560D}" type="slidenum">
+              <a:rPr lang="fr-FR"/>
+              <a:t>21</a:t>
+            </a:fld>
+            <a:endParaRPr lang="fr-FR"/>
+          </a:p>
+        </p:txBody>
+      </p:sp>
+      <p:sp>
+        <p:nvSpPr>
+          <p:cNvPr id="5" name="Espace réservé du texte 4"/>
+          <p:cNvSpPr>
+            <a:spLocks noGrp="1"/>
+          </p:cNvSpPr>
+          <p:nvPr>
+            <p:ph type="body" sz="quarter" idx="13"/>
+          </p:nvPr>
+        </p:nvSpPr>
+        <p:spPr/>
+        <p:txBody>
+          <a:bodyPr/>
+          <a:lstStyle/>
+          <a:p>
+            <a:r>
+              <a:rPr lang="fr-FR"/>
+              <a:t>Branch &amp; bound</a:t>
+            </a:r>
+          </a:p>
+        </p:txBody>
+      </p:sp>
+    </p:spTree>
+    <p:extLst>
+      <p:ext uri="{BB962C8B-B14F-4D97-AF65-F5344CB8AC3E}">
+        <p14:creationId xmlns:p14="http://schemas.microsoft.com/office/powerpoint/2010/main" val="1090319559"/>
+      </p:ext>
+    </p:extLst>
+  </p:cSld>
+  <p:clrMapOvr>
+    <a:masterClrMapping/>
+  </p:clrMapOvr>
+</p:sld>
+</file>
+
+<file path=ppt/slides/slide23.xml><?xml version="1.0" encoding="utf-8"?>
+<p:sld xmlns:a="http://schemas.openxmlformats.org/drawingml/2006/main" xmlns:r="http://schemas.openxmlformats.org/officeDocument/2006/relationships" xmlns:p="http://schemas.openxmlformats.org/presentationml/2006/main">
+  <p:cSld>
+    <p:spTree>
+      <p:nvGrpSpPr>
+        <p:cNvPr id="1" name=""/>
+        <p:cNvGrpSpPr/>
+        <p:nvPr/>
+      </p:nvGrpSpPr>
+      <p:grpSpPr>
+        <a:xfrm>
+          <a:off x="0" y="0"/>
+          <a:ext cx="0" cy="0"/>
+          <a:chOff x="0" y="0"/>
+          <a:chExt cx="0" cy="0"/>
+        </a:xfrm>
+      </p:grpSpPr>
+      <p:sp>
+        <p:nvSpPr>
+          <p:cNvPr id="2" name="Titre 1"/>
+          <p:cNvSpPr>
+            <a:spLocks noGrp="1"/>
+          </p:cNvSpPr>
+          <p:nvPr>
+            <p:ph type="title"/>
+          </p:nvPr>
+        </p:nvSpPr>
+        <p:spPr/>
+        <p:txBody>
+          <a:bodyPr/>
+          <a:lstStyle/>
+          <a:p>
+            <a:r>
+              <a:rPr lang="fr-FR"/>
+              <a:t>Comparaison des résultats</a:t>
+            </a:r>
+          </a:p>
+        </p:txBody>
+      </p:sp>
+      <p:sp>
+        <p:nvSpPr>
+          <p:cNvPr id="3" name="Espace réservé du contenu 2"/>
+          <p:cNvSpPr>
+            <a:spLocks noGrp="1"/>
+          </p:cNvSpPr>
+          <p:nvPr>
+            <p:ph idx="1"/>
+          </p:nvPr>
+        </p:nvSpPr>
+        <p:spPr/>
+        <p:txBody>
+          <a:bodyPr/>
+          <a:lstStyle/>
+          <a:p>
+            <a:endParaRPr lang="fr-FR"/>
+          </a:p>
+        </p:txBody>
+      </p:sp>
+      <p:sp>
+        <p:nvSpPr>
+          <p:cNvPr id="4" name="Espace réservé du numéro de diapositive 3"/>
+          <p:cNvSpPr>
+            <a:spLocks noGrp="1"/>
+          </p:cNvSpPr>
+          <p:nvPr>
+            <p:ph type="sldNum" sz="quarter" idx="12"/>
+          </p:nvPr>
+        </p:nvSpPr>
+        <p:spPr/>
+        <p:txBody>
+          <a:bodyPr/>
+          <a:lstStyle/>
+          <a:p>
+            <a:fld id="{36E14869-03E4-304B-A3A2-88DE27B9560D}" type="slidenum">
+              <a:rPr lang="fr-FR"/>
+              <a:t>22</a:t>
+            </a:fld>
+            <a:endParaRPr lang="fr-FR"/>
+          </a:p>
+        </p:txBody>
+      </p:sp>
+      <p:sp>
+        <p:nvSpPr>
+          <p:cNvPr id="5" name="Espace réservé du texte 4"/>
+          <p:cNvSpPr>
+            <a:spLocks noGrp="1"/>
+          </p:cNvSpPr>
+          <p:nvPr>
+            <p:ph type="body" sz="quarter" idx="13"/>
+          </p:nvPr>
+        </p:nvSpPr>
+        <p:spPr/>
+        <p:txBody>
+          <a:bodyPr/>
+          <a:lstStyle/>
+          <a:p>
+            <a:r>
+              <a:rPr lang="fr-FR"/>
+              <a:t>Branch &amp; bound</a:t>
+            </a:r>
+          </a:p>
+        </p:txBody>
+      </p:sp>
+    </p:spTree>
+    <p:extLst>
+      <p:ext uri="{BB962C8B-B14F-4D97-AF65-F5344CB8AC3E}">
+        <p14:creationId xmlns:p14="http://schemas.microsoft.com/office/powerpoint/2010/main" val="2466887057"/>
+      </p:ext>
+    </p:extLst>
+  </p:cSld>
+  <p:clrMapOvr>
+    <a:masterClrMapping/>
+  </p:clrMapOvr>
+</p:sld>
+</file>
+
+<file path=ppt/slides/slide24.xml><?xml version="1.0" encoding="utf-8"?>
+<p:sld xmlns:a="http://schemas.openxmlformats.org/drawingml/2006/main" xmlns:r="http://schemas.openxmlformats.org/officeDocument/2006/relationships" xmlns:p="http://schemas.openxmlformats.org/presentationml/2006/main">
+  <p:cSld>
+    <p:spTree>
+      <p:nvGrpSpPr>
+        <p:cNvPr id="1" name=""/>
+        <p:cNvGrpSpPr/>
+        <p:nvPr/>
+      </p:nvGrpSpPr>
+      <p:grpSpPr>
+        <a:xfrm>
+          <a:off x="0" y="0"/>
+          <a:ext cx="0" cy="0"/>
+          <a:chOff x="0" y="0"/>
+          <a:chExt cx="0" cy="0"/>
+        </a:xfrm>
+      </p:grpSpPr>
+      <p:sp>
+        <p:nvSpPr>
+          <p:cNvPr id="2" name="Titre 1"/>
+          <p:cNvSpPr>
+            <a:spLocks noGrp="1"/>
+          </p:cNvSpPr>
+          <p:nvPr>
+            <p:ph type="title"/>
+          </p:nvPr>
+        </p:nvSpPr>
+        <p:spPr/>
+        <p:txBody>
+          <a:bodyPr/>
+          <a:lstStyle/>
+          <a:p>
+            <a:r>
+              <a:rPr lang="fr-FR"/>
+              <a:t>Comparaison P.D.  vs B&amp;B pour le TSP</a:t>
+            </a:r>
+          </a:p>
+        </p:txBody>
+      </p:sp>
+      <p:sp>
+        <p:nvSpPr>
+          <p:cNvPr id="4" name="Espace réservé du numéro de diapositive 3"/>
+          <p:cNvSpPr>
+            <a:spLocks noGrp="1"/>
+          </p:cNvSpPr>
+          <p:nvPr>
+            <p:ph type="sldNum" sz="quarter" idx="12"/>
+          </p:nvPr>
+        </p:nvSpPr>
+        <p:spPr/>
+        <p:txBody>
+          <a:bodyPr/>
+          <a:lstStyle/>
+          <a:p>
+            <a:fld id="{36E14869-03E4-304B-A3A2-88DE27B9560D}" type="slidenum">
+              <a:rPr lang="fr-FR"/>
+              <a:t>23</a:t>
+            </a:fld>
+            <a:endParaRPr lang="fr-FR"/>
+          </a:p>
+        </p:txBody>
+      </p:sp>
+    </p:spTree>
+    <p:extLst>
+      <p:ext uri="{BB962C8B-B14F-4D97-AF65-F5344CB8AC3E}">
+        <p14:creationId xmlns:p14="http://schemas.microsoft.com/office/powerpoint/2010/main" val="442916009"/>
+      </p:ext>
+    </p:extLst>
+  </p:cSld>
+  <p:clrMapOvr>
+    <a:masterClrMapping/>
+  </p:clrMapOvr>
+</p:sld>
+</file>
+
+<file path=ppt/slides/slide25.xml><?xml version="1.0" encoding="utf-8"?>
+<p:sld xmlns:a="http://schemas.openxmlformats.org/drawingml/2006/main" xmlns:r="http://schemas.openxmlformats.org/officeDocument/2006/relationships" xmlns:p="http://schemas.openxmlformats.org/presentationml/2006/main">
+  <p:cSld>
+    <p:spTree>
+      <p:nvGrpSpPr>
+        <p:cNvPr id="1" name=""/>
+        <p:cNvGrpSpPr/>
+        <p:nvPr/>
+      </p:nvGrpSpPr>
+      <p:grpSpPr>
+        <a:xfrm>
+          <a:off x="0" y="0"/>
+          <a:ext cx="0" cy="0"/>
+          <a:chOff x="0" y="0"/>
+          <a:chExt cx="0" cy="0"/>
+        </a:xfrm>
+      </p:grpSpPr>
+      <p:sp>
+        <p:nvSpPr>
+          <p:cNvPr id="2" name="Titre 1"/>
+          <p:cNvSpPr>
+            <a:spLocks noGrp="1"/>
+          </p:cNvSpPr>
+          <p:nvPr>
+            <p:ph type="title"/>
+          </p:nvPr>
+        </p:nvSpPr>
+        <p:spPr/>
+        <p:txBody>
+          <a:bodyPr/>
+          <a:lstStyle/>
+          <a:p>
+            <a:r>
+              <a:rPr lang="fr-FR"/>
+              <a:t>Résultats</a:t>
+            </a:r>
+          </a:p>
+        </p:txBody>
+      </p:sp>
+      <p:sp>
+        <p:nvSpPr>
+          <p:cNvPr id="3" name="Espace réservé du contenu 2"/>
+          <p:cNvSpPr>
+            <a:spLocks noGrp="1"/>
+          </p:cNvSpPr>
+          <p:nvPr>
+            <p:ph idx="1"/>
+          </p:nvPr>
+        </p:nvSpPr>
+        <p:spPr/>
+        <p:txBody>
+          <a:bodyPr/>
+          <a:lstStyle/>
+          <a:p>
+            <a:endParaRPr lang="fr-FR"/>
+          </a:p>
+        </p:txBody>
+      </p:sp>
+      <p:sp>
+        <p:nvSpPr>
+          <p:cNvPr id="4" name="Espace réservé du numéro de diapositive 3"/>
+          <p:cNvSpPr>
+            <a:spLocks noGrp="1"/>
+          </p:cNvSpPr>
+          <p:nvPr>
+            <p:ph type="sldNum" sz="quarter" idx="12"/>
+          </p:nvPr>
+        </p:nvSpPr>
+        <p:spPr/>
+        <p:txBody>
+          <a:bodyPr/>
+          <a:lstStyle/>
+          <a:p>
+            <a:fld id="{36E14869-03E4-304B-A3A2-88DE27B9560D}" type="slidenum">
+              <a:rPr lang="fr-FR"/>
+              <a:t>24</a:t>
+            </a:fld>
+            <a:endParaRPr lang="fr-FR"/>
+          </a:p>
+        </p:txBody>
+      </p:sp>
+      <p:sp>
+        <p:nvSpPr>
+          <p:cNvPr id="5" name="Espace réservé du texte 4"/>
+          <p:cNvSpPr>
+            <a:spLocks noGrp="1"/>
+          </p:cNvSpPr>
+          <p:nvPr>
+            <p:ph type="body" sz="quarter" idx="13"/>
+          </p:nvPr>
+        </p:nvSpPr>
+        <p:spPr/>
+        <p:txBody>
+          <a:bodyPr/>
+          <a:lstStyle/>
+          <a:p>
+            <a:r>
+              <a:rPr lang="fr-FR"/>
+              <a:t>Conclusion</a:t>
+            </a:r>
+          </a:p>
+        </p:txBody>
+      </p:sp>
+    </p:spTree>
+    <p:extLst>
+      <p:ext uri="{BB962C8B-B14F-4D97-AF65-F5344CB8AC3E}">
+        <p14:creationId xmlns:p14="http://schemas.microsoft.com/office/powerpoint/2010/main" val="381222253"/>
+      </p:ext>
+    </p:extLst>
+  </p:cSld>
+  <p:clrMapOvr>
+    <a:masterClrMapping/>
+  </p:clrMapOvr>
+</p:sld>
+</file>
+
+<file path=ppt/slides/slide26.xml><?xml version="1.0" encoding="utf-8"?>
+<p:sld xmlns:a="http://schemas.openxmlformats.org/drawingml/2006/main" xmlns:r="http://schemas.openxmlformats.org/officeDocument/2006/relationships" xmlns:p="http://schemas.openxmlformats.org/presentationml/2006/main">
+  <p:cSld>
+    <p:spTree>
+      <p:nvGrpSpPr>
+        <p:cNvPr id="1" name=""/>
+        <p:cNvGrpSpPr/>
+        <p:nvPr/>
+      </p:nvGrpSpPr>
+      <p:grpSpPr>
+        <a:xfrm>
+          <a:off x="0" y="0"/>
+          <a:ext cx="0" cy="0"/>
+          <a:chOff x="0" y="0"/>
+          <a:chExt cx="0" cy="0"/>
+        </a:xfrm>
+      </p:grpSpPr>
+      <p:sp>
+        <p:nvSpPr>
+          <p:cNvPr id="2" name="Titre 1"/>
+          <p:cNvSpPr>
+            <a:spLocks noGrp="1"/>
+          </p:cNvSpPr>
+          <p:nvPr>
+            <p:ph type="title"/>
+          </p:nvPr>
+        </p:nvSpPr>
+        <p:spPr/>
+        <p:txBody>
+          <a:bodyPr/>
+          <a:lstStyle/>
+          <a:p>
+            <a:r>
+              <a:rPr lang="fr-FR"/>
+              <a:t>Conclusion</a:t>
+            </a:r>
+          </a:p>
+        </p:txBody>
+      </p:sp>
+      <p:sp>
+        <p:nvSpPr>
+          <p:cNvPr id="4" name="Espace réservé du numéro de diapositive 3"/>
+          <p:cNvSpPr>
+            <a:spLocks noGrp="1"/>
+          </p:cNvSpPr>
+          <p:nvPr>
+            <p:ph type="sldNum" sz="quarter" idx="12"/>
+          </p:nvPr>
+        </p:nvSpPr>
+        <p:spPr/>
+        <p:txBody>
+          <a:bodyPr/>
+          <a:lstStyle/>
+          <a:p>
+            <a:fld id="{36E14869-03E4-304B-A3A2-88DE27B9560D}" type="slidenum">
+              <a:rPr lang="fr-FR"/>
+              <a:t>25</a:t>
+            </a:fld>
+            <a:endParaRPr lang="fr-FR"/>
+          </a:p>
+        </p:txBody>
+      </p:sp>
+    </p:spTree>
+    <p:extLst>
+      <p:ext uri="{BB962C8B-B14F-4D97-AF65-F5344CB8AC3E}">
+        <p14:creationId xmlns:p14="http://schemas.microsoft.com/office/powerpoint/2010/main" val="221078733"/>
+      </p:ext>
+    </p:extLst>
+  </p:cSld>
+  <p:clrMapOvr>
+    <a:masterClrMapping/>
+  </p:clrMapOvr>
+</p:sld>
+</file>
+
+<file path=ppt/slides/slide27.xml><?xml version="1.0" encoding="utf-8"?>
+<p:sld xmlns:a="http://schemas.openxmlformats.org/drawingml/2006/main" xmlns:r="http://schemas.openxmlformats.org/officeDocument/2006/relationships" xmlns:p="http://schemas.openxmlformats.org/presentationml/2006/main">
+  <p:cSld>
+    <p:spTree>
+      <p:nvGrpSpPr>
+        <p:cNvPr id="1" name=""/>
+        <p:cNvGrpSpPr/>
+        <p:nvPr/>
+      </p:nvGrpSpPr>
+      <p:grpSpPr>
+        <a:xfrm>
+          <a:off x="0" y="0"/>
+          <a:ext cx="0" cy="0"/>
+          <a:chOff x="0" y="0"/>
+          <a:chExt cx="0" cy="0"/>
+        </a:xfrm>
+      </p:grpSpPr>
+      <p:sp>
+        <p:nvSpPr>
+          <p:cNvPr id="2" name="Titre 1"/>
+          <p:cNvSpPr>
+            <a:spLocks noGrp="1"/>
+          </p:cNvSpPr>
+          <p:nvPr>
+            <p:ph type="title"/>
+          </p:nvPr>
+        </p:nvSpPr>
+        <p:spPr/>
+        <p:txBody>
+          <a:bodyPr/>
+          <a:lstStyle/>
+          <a:p>
+            <a:r>
+              <a:rPr lang="fr-FR"/>
+              <a:t>Prog. Dyn. vs B&amp;B</a:t>
+            </a:r>
+          </a:p>
+        </p:txBody>
+      </p:sp>
+      <p:sp>
+        <p:nvSpPr>
+          <p:cNvPr id="3" name="Espace réservé du contenu 2"/>
+          <p:cNvSpPr>
+            <a:spLocks noGrp="1"/>
+          </p:cNvSpPr>
+          <p:nvPr>
+            <p:ph idx="1"/>
+          </p:nvPr>
+        </p:nvSpPr>
+        <p:spPr/>
+        <p:txBody>
+          <a:bodyPr>
+            <a:normAutofit lnSpcReduction="10000"/>
+          </a:bodyPr>
+          <a:lstStyle/>
+          <a:p>
+            <a:r>
+              <a:rPr lang="fr-FR"/>
+              <a:t>Programmation dynamique</a:t>
+            </a:r>
+          </a:p>
+          <a:p>
+            <a:pPr lvl="1"/>
+            <a:r>
+              <a:rPr lang="fr-FR"/>
+              <a:t>Paradigme intuitif</a:t>
+            </a:r>
+          </a:p>
+          <a:p>
+            <a:pPr lvl="1"/>
+            <a:r>
+              <a:rPr lang="fr-FR"/>
+              <a:t>Occupation mémoire importante</a:t>
+            </a:r>
+          </a:p>
+          <a:p>
+            <a:pPr lvl="1"/>
+            <a:r>
+              <a:rPr lang="fr-FR"/>
+              <a:t>Efficace sur des petites valeurs</a:t>
+            </a:r>
+          </a:p>
+          <a:p>
+            <a:r>
+              <a:rPr lang="fr-FR"/>
+              <a:t>Branch&amp;Bound</a:t>
+            </a:r>
+          </a:p>
+          <a:p>
+            <a:pPr lvl="1"/>
+            <a:r>
+              <a:rPr lang="fr-FR"/>
+              <a:t>Difficulté à déterminer les fonctions</a:t>
+            </a:r>
+          </a:p>
+          <a:p>
+            <a:pPr lvl="1"/>
+            <a:r>
+              <a:rPr lang="fr-FR"/>
+              <a:t>Efficace sur les grandes valeurs</a:t>
+            </a:r>
+          </a:p>
+        </p:txBody>
+      </p:sp>
+      <p:sp>
+        <p:nvSpPr>
+          <p:cNvPr id="4" name="Espace réservé du numéro de diapositive 3"/>
+          <p:cNvSpPr>
+            <a:spLocks noGrp="1"/>
+          </p:cNvSpPr>
+          <p:nvPr>
+            <p:ph type="sldNum" sz="quarter" idx="12"/>
+          </p:nvPr>
+        </p:nvSpPr>
+        <p:spPr/>
+        <p:txBody>
+          <a:bodyPr/>
+          <a:lstStyle/>
+          <a:p>
+            <a:fld id="{36E14869-03E4-304B-A3A2-88DE27B9560D}" type="slidenum">
+              <a:rPr lang="fr-FR"/>
+              <a:t>26</a:t>
+            </a:fld>
+            <a:endParaRPr lang="fr-FR"/>
+          </a:p>
+        </p:txBody>
+      </p:sp>
+      <p:sp>
+        <p:nvSpPr>
+          <p:cNvPr id="5" name="Espace réservé du texte 4"/>
+          <p:cNvSpPr>
+            <a:spLocks noGrp="1"/>
+          </p:cNvSpPr>
+          <p:nvPr>
+            <p:ph type="body" sz="quarter" idx="13"/>
+          </p:nvPr>
+        </p:nvSpPr>
+        <p:spPr/>
+        <p:txBody>
+          <a:bodyPr/>
+          <a:lstStyle/>
+          <a:p>
+            <a:r>
+              <a:rPr lang="fr-FR"/>
+              <a:t>Conclusion</a:t>
+            </a:r>
+          </a:p>
+        </p:txBody>
+      </p:sp>
+    </p:spTree>
+    <p:extLst>
+      <p:ext uri="{BB962C8B-B14F-4D97-AF65-F5344CB8AC3E}">
+        <p14:creationId xmlns:p14="http://schemas.microsoft.com/office/powerpoint/2010/main" val="1088461605"/>
+      </p:ext>
+    </p:extLst>
+  </p:cSld>
+  <p:clrMapOvr>
+    <a:masterClrMapping/>
+  </p:clrMapOvr>
+</p:sld>
+</file>
+
+<file path=ppt/slides/slide28.xml><?xml version="1.0" encoding="utf-8"?>
+<p:sld xmlns:a="http://schemas.openxmlformats.org/drawingml/2006/main" xmlns:r="http://schemas.openxmlformats.org/officeDocument/2006/relationships" xmlns:p="http://schemas.openxmlformats.org/presentationml/2006/main">
+  <p:cSld>
+    <p:spTree>
+      <p:nvGrpSpPr>
+        <p:cNvPr id="1" name=""/>
+        <p:cNvGrpSpPr/>
+        <p:nvPr/>
+      </p:nvGrpSpPr>
+      <p:grpSpPr>
+        <a:xfrm>
+          <a:off x="0" y="0"/>
+          <a:ext cx="0" cy="0"/>
+          <a:chOff x="0" y="0"/>
+          <a:chExt cx="0" cy="0"/>
+        </a:xfrm>
+      </p:grpSpPr>
+      <p:sp>
+        <p:nvSpPr>
+          <p:cNvPr id="2" name="Espace réservé du numéro de diapositive 1"/>
+          <p:cNvSpPr>
+            <a:spLocks noGrp="1"/>
+          </p:cNvSpPr>
+          <p:nvPr>
+            <p:ph type="sldNum" sz="quarter" idx="12"/>
+          </p:nvPr>
+        </p:nvSpPr>
+        <p:spPr/>
+        <p:txBody>
+          <a:bodyPr/>
+          <a:lstStyle/>
+          <a:p>
+            <a:fld id="{36E14869-03E4-304B-A3A2-88DE27B9560D}" type="slidenum">
+              <a:rPr lang="fr-FR"/>
+              <a:t>27</a:t>
+            </a:fld>
+            <a:endParaRPr lang="fr-FR"/>
+          </a:p>
+        </p:txBody>
+      </p:sp>
+      <p:sp>
+        <p:nvSpPr>
+          <p:cNvPr id="3" name="ZoneTexte 2"/>
+          <p:cNvSpPr txBox="1"/>
+          <p:nvPr/>
+        </p:nvSpPr>
+        <p:spPr>
+          <a:xfrm>
+            <a:off x="1400194" y="2516636"/>
+            <a:ext cx="7375441" cy="1323439"/>
+          </a:xfrm>
+          <a:prstGeom prst="rect">
+            <a:avLst/>
+          </a:prstGeom>
+          <a:noFill/>
+        </p:spPr>
+        <p:txBody>
+          <a:bodyPr wrap="square" rtlCol="0">
+            <a:spAutoFit/>
+          </a:bodyPr>
+          <a:lstStyle/>
+          <a:p>
+            <a:pPr algn="ctr"/>
+            <a:r>
+              <a:rPr lang="fr-FR" sz="4000"/>
+              <a:t>Merci de votre attention !</a:t>
+            </a:r>
+          </a:p>
+          <a:p>
+            <a:pPr algn="ctr"/>
+            <a:r>
+              <a:rPr lang="fr-FR" sz="4000"/>
+              <a:t>Avez-vous des questions ?</a:t>
+            </a:r>
+          </a:p>
+        </p:txBody>
+      </p:sp>
+    </p:spTree>
+    <p:extLst>
+      <p:ext uri="{BB962C8B-B14F-4D97-AF65-F5344CB8AC3E}">
+        <p14:creationId xmlns:p14="http://schemas.microsoft.com/office/powerpoint/2010/main" val="59580608"/>
+      </p:ext>
+    </p:extLst>
+  </p:cSld>
+  <p:clrMapOvr>
+    <a:masterClrMapping/>
+  </p:clrMapOvr>
+</p:sld>
+</file>
+
 <file path=ppt/slides/slide3.xml><?xml version="1.0" encoding="utf-8"?>
 <p:sld xmlns:a="http://schemas.openxmlformats.org/drawingml/2006/main" xmlns:r="http://schemas.openxmlformats.org/officeDocument/2006/relationships" xmlns:p="http://schemas.openxmlformats.org/presentationml/2006/main">
   <p:cSld>
@@ -6521,29 +7646,7 @@
           <a:p>
             <a:r>
               <a:rPr lang="fr-FR"/>
-              <a:t>programmation dynamique</a:t>
-            </a:r>
-          </a:p>
-        </p:txBody>
-      </p:sp>
-      <p:sp>
-        <p:nvSpPr>
-          <p:cNvPr id="3" name="Espace réservé du texte 2"/>
-          <p:cNvSpPr>
-            <a:spLocks noGrp="1"/>
-          </p:cNvSpPr>
-          <p:nvPr>
-            <p:ph type="body" idx="1"/>
-          </p:nvPr>
-        </p:nvSpPr>
-        <p:spPr/>
-        <p:txBody>
-          <a:bodyPr/>
-          <a:lstStyle/>
-          <a:p>
-            <a:r>
-              <a:rPr lang="fr-FR"/>
-              <a:t>Partition</a:t>
+              <a:t>Introduction</a:t>
             </a:r>
           </a:p>
         </p:txBody>
@@ -6574,20 +7677,13 @@
     </p:spTree>
     <p:extLst>
       <p:ext uri="{BB962C8B-B14F-4D97-AF65-F5344CB8AC3E}">
-        <p14:creationId xmlns:p14="http://schemas.microsoft.com/office/powerpoint/2010/main" val="2158559415"/>
+        <p14:creationId xmlns:p14="http://schemas.microsoft.com/office/powerpoint/2010/main" val="4163546007"/>
       </p:ext>
     </p:extLst>
   </p:cSld>
   <p:clrMapOvr>
     <a:masterClrMapping/>
   </p:clrMapOvr>
-  <p:timing>
-    <p:tnLst>
-      <p:par>
-        <p:cTn xmlns:p14="http://schemas.microsoft.com/office/powerpoint/2010/main" id="1" dur="indefinite" restart="never" nodeType="tmRoot"/>
-      </p:par>
-    </p:tnLst>
-  </p:timing>
 </p:sld>
 </file>
 
@@ -6625,14 +7721,14 @@
           <a:p>
             <a:r>
               <a:rPr lang="fr-FR"/>
-              <a:t>Problème de la partition</a:t>
-            </a:r>
-          </a:p>
-        </p:txBody>
-      </p:sp>
-      <p:sp>
-        <p:nvSpPr>
-          <p:cNvPr id="6" name="Espace réservé du contenu 5"/>
+              <a:t>Programmation dynamique</a:t>
+            </a:r>
+          </a:p>
+        </p:txBody>
+      </p:sp>
+      <p:sp>
+        <p:nvSpPr>
+          <p:cNvPr id="3" name="Espace réservé du contenu 2"/>
           <p:cNvSpPr>
             <a:spLocks noGrp="1"/>
           </p:cNvSpPr>
@@ -6647,47 +7743,19 @@
           <a:p>
             <a:r>
               <a:rPr lang="fr-FR"/>
-              <a:t>Problème de décision</a:t>
-            </a:r>
-          </a:p>
-          <a:p>
-            <a:r>
-              <a:rPr lang="fr-FR"/>
-              <a:t>Construction de 2 sous-ensembles E</a:t>
-            </a:r>
-            <a:r>
-              <a:rPr lang="fr-FR" baseline="-25000"/>
-              <a:t>1</a:t>
-            </a:r>
-            <a:r>
-              <a:rPr lang="fr-FR"/>
-              <a:t>, E</a:t>
-            </a:r>
-            <a:r>
-              <a:rPr lang="fr-FR" baseline="-25000"/>
-              <a:t>2</a:t>
-            </a:r>
-          </a:p>
-          <a:p>
-            <a:r>
-              <a:rPr lang="fr-FR"/>
-              <a:t>|E</a:t>
-            </a:r>
-            <a:r>
-              <a:rPr lang="fr-FR" baseline="-25000"/>
-              <a:t>1</a:t>
-            </a:r>
-            <a:r>
-              <a:rPr lang="fr-FR"/>
-              <a:t>| = |E</a:t>
-            </a:r>
-            <a:r>
-              <a:rPr lang="fr-FR" baseline="-25000"/>
-              <a:t>2</a:t>
-            </a:r>
-            <a:r>
-              <a:rPr lang="fr-FR"/>
-              <a:t>|</a:t>
+              <a:t>Paradigme d’algorithmes exacts</a:t>
+            </a:r>
+          </a:p>
+          <a:p>
+            <a:r>
+              <a:rPr lang="fr-FR"/>
+              <a:t>Plongement du problème dans sa généralisation</a:t>
+            </a:r>
+          </a:p>
+          <a:p>
+            <a:r>
+              <a:rPr lang="fr-FR"/>
+              <a:t>Fonction de récurrence</a:t>
             </a:r>
           </a:p>
         </p:txBody>
@@ -6717,7 +7785,7 @@
       </p:sp>
       <p:sp>
         <p:nvSpPr>
-          <p:cNvPr id="7" name="Espace réservé du texte 6"/>
+          <p:cNvPr id="5" name="Espace réservé du texte 4"/>
           <p:cNvSpPr>
             <a:spLocks noGrp="1"/>
           </p:cNvSpPr>
@@ -6732,7 +7800,7 @@
           <a:p>
             <a:r>
               <a:rPr lang="fr-FR"/>
-              <a:t>Programmation dynamique / partition</a:t>
+              <a:t>Introduction</a:t>
             </a:r>
           </a:p>
         </p:txBody>
@@ -6740,20 +7808,13 @@
     </p:spTree>
     <p:extLst>
       <p:ext uri="{BB962C8B-B14F-4D97-AF65-F5344CB8AC3E}">
-        <p14:creationId xmlns:p14="http://schemas.microsoft.com/office/powerpoint/2010/main" val="1929628816"/>
+        <p14:creationId xmlns:p14="http://schemas.microsoft.com/office/powerpoint/2010/main" val="559815756"/>
       </p:ext>
     </p:extLst>
   </p:cSld>
   <p:clrMapOvr>
     <a:masterClrMapping/>
   </p:clrMapOvr>
-  <p:timing>
-    <p:tnLst>
-      <p:par>
-        <p:cTn xmlns:p14="http://schemas.microsoft.com/office/powerpoint/2010/main" id="1" dur="indefinite" restart="never" nodeType="tmRoot"/>
-      </p:par>
-    </p:tnLst>
-  </p:timing>
 </p:sld>
 </file>
 
@@ -6791,8 +7852,9 @@
           <a:p>
             <a:r>
               <a:rPr lang="fr-FR"/>
-              <a:t>Algorithme</a:t>
-            </a:r>
+              <a:t>Branch &amp; Bound</a:t>
+            </a:r>
+            <a:endParaRPr lang="fr-FR"/>
           </a:p>
         </p:txBody>
       </p:sp>
@@ -6808,136 +7870,30 @@
         </p:nvSpPr>
         <p:spPr/>
         <p:txBody>
-          <a:bodyPr>
-            <a:normAutofit fontScale="92500" lnSpcReduction="20000"/>
-          </a:bodyPr>
+          <a:bodyPr/>
           <a:lstStyle/>
           <a:p>
             <a:r>
-              <a:rPr lang="fr-FR" dirty="0"/>
-              <a:t>si le poids total est impair, renvoyer faux</a:t>
-            </a:r>
-          </a:p>
-          <a:p>
-            <a:r>
-              <a:rPr lang="fr-FR" dirty="0"/>
-              <a:t>création de </a:t>
-            </a:r>
-            <a:r>
-              <a:rPr lang="fr-FR" dirty="0" err="1"/>
-              <a:t>T</a:t>
-            </a:r>
-            <a:r>
-              <a:rPr lang="fr-FR" dirty="0"/>
-              <a:t> : (n, P/</a:t>
-            </a:r>
-            <a:r>
-              <a:rPr lang="fr-FR" dirty="0" smtClean="0"/>
-              <a:t>2)</a:t>
-            </a:r>
-            <a:r>
-              <a:rPr lang="fr-FR" dirty="0"/>
-              <a:t>-matrice de </a:t>
-            </a:r>
-            <a:r>
-              <a:rPr lang="fr-FR" dirty="0" err="1"/>
-              <a:t>bool</a:t>
-            </a:r>
-            <a:endParaRPr lang="fr-FR" dirty="0"/>
-          </a:p>
-          <a:p>
-            <a:r>
-              <a:rPr lang="fr-FR" dirty="0"/>
-              <a:t>initialisation</a:t>
-            </a:r>
-          </a:p>
-          <a:p>
-            <a:pPr lvl="1"/>
-            <a:r>
-              <a:rPr lang="fr-FR" dirty="0" err="1"/>
-              <a:t>T</a:t>
-            </a:r>
-            <a:r>
-              <a:rPr lang="fr-FR" dirty="0"/>
-              <a:t>[0,0] = vrai ; pour j∈[0,P/2] : </a:t>
-            </a:r>
-            <a:r>
-              <a:rPr lang="fr-FR" dirty="0" err="1"/>
-              <a:t>T</a:t>
-            </a:r>
-            <a:r>
-              <a:rPr lang="fr-FR" dirty="0"/>
-              <a:t>[0,j] = faux</a:t>
-            </a:r>
-          </a:p>
-          <a:p>
-            <a:r>
-              <a:rPr lang="fr-FR" dirty="0"/>
-              <a:t>pour i∈[1,n]</a:t>
-            </a:r>
-          </a:p>
-          <a:p>
-            <a:pPr lvl="1"/>
-            <a:r>
-              <a:rPr lang="fr-FR" dirty="0"/>
-              <a:t>pour j ∈ [0,P/2] </a:t>
-            </a:r>
-          </a:p>
-          <a:p>
-            <a:pPr lvl="2"/>
-            <a:r>
-              <a:rPr lang="fr-FR" dirty="0" err="1"/>
-              <a:t>T</a:t>
-            </a:r>
-            <a:r>
-              <a:rPr lang="fr-FR" dirty="0"/>
-              <a:t>(i, j) ← [(j = 0)∨(j = p(a</a:t>
-            </a:r>
-            <a:r>
-              <a:rPr lang="fr-FR" baseline="-25000" dirty="0"/>
-              <a:t>i</a:t>
-            </a:r>
-            <a:r>
-              <a:rPr lang="fr-FR" dirty="0"/>
-              <a:t>))∨(</a:t>
-            </a:r>
-            <a:r>
-              <a:rPr lang="fr-FR" dirty="0" err="1"/>
-              <a:t>T</a:t>
-            </a:r>
-            <a:r>
-              <a:rPr lang="fr-FR" dirty="0"/>
-              <a:t>(i-1, j))∨(</a:t>
-            </a:r>
-            <a:r>
-              <a:rPr lang="fr-FR" dirty="0" err="1"/>
-              <a:t>T</a:t>
-            </a:r>
-            <a:r>
-              <a:rPr lang="fr-FR" dirty="0"/>
-              <a:t>(i-1, j-p(a</a:t>
-            </a:r>
-            <a:r>
-              <a:rPr lang="fr-FR" baseline="-25000" dirty="0"/>
-              <a:t>i</a:t>
-            </a:r>
-            <a:r>
-              <a:rPr lang="fr-FR" dirty="0"/>
-              <a:t>)))]</a:t>
-            </a:r>
-          </a:p>
-          <a:p>
-            <a:r>
-              <a:rPr lang="fr-FR" dirty="0"/>
-              <a:t>renvoyer </a:t>
-            </a:r>
-            <a:r>
-              <a:rPr lang="fr-FR" dirty="0" err="1"/>
-              <a:t>T</a:t>
-            </a:r>
-            <a:r>
-              <a:rPr lang="fr-FR" dirty="0"/>
-              <a:t>[n, P/2]</a:t>
+              <a:rPr lang="fr-FR"/>
+              <a:t>Méthode exacte</a:t>
+            </a:r>
+          </a:p>
+          <a:p>
+            <a:r>
+              <a:rPr lang="fr-FR"/>
+              <a:t>Arbre représentant l’espace des solutions</a:t>
+            </a:r>
+          </a:p>
+          <a:p>
+            <a:r>
+              <a:rPr lang="fr-FR"/>
+              <a:t>Méthode de séparation</a:t>
+            </a:r>
+          </a:p>
+          <a:p>
+            <a:r>
+              <a:rPr lang="fr-FR"/>
+              <a:t>Méthode d’évaluation</a:t>
             </a:r>
           </a:p>
         </p:txBody>
@@ -6982,15 +7938,16 @@
           <a:p>
             <a:r>
               <a:rPr lang="fr-FR"/>
-              <a:t>Programmation dynamique / partition</a:t>
-            </a:r>
+              <a:t>Introduction</a:t>
+            </a:r>
+            <a:endParaRPr lang="fr-FR"/>
           </a:p>
         </p:txBody>
       </p:sp>
     </p:spTree>
     <p:extLst>
       <p:ext uri="{BB962C8B-B14F-4D97-AF65-F5344CB8AC3E}">
-        <p14:creationId xmlns:p14="http://schemas.microsoft.com/office/powerpoint/2010/main" val="3917693582"/>
+        <p14:creationId xmlns:p14="http://schemas.microsoft.com/office/powerpoint/2010/main" val="3447538544"/>
       </p:ext>
     </p:extLst>
   </p:cSld>
@@ -7034,19 +7991,19 @@
           <a:p>
             <a:r>
               <a:rPr lang="fr-FR"/>
-              <a:t>Implémentation</a:t>
-            </a:r>
-          </a:p>
-        </p:txBody>
-      </p:sp>
-      <p:sp>
-        <p:nvSpPr>
-          <p:cNvPr id="3" name="Espace réservé du contenu 2"/>
-          <p:cNvSpPr>
-            <a:spLocks noGrp="1"/>
-          </p:cNvSpPr>
-          <p:nvPr>
-            <p:ph idx="1"/>
+              <a:t>programmation dynamique</a:t>
+            </a:r>
+          </a:p>
+        </p:txBody>
+      </p:sp>
+      <p:sp>
+        <p:nvSpPr>
+          <p:cNvPr id="3" name="Espace réservé du texte 2"/>
+          <p:cNvSpPr>
+            <a:spLocks noGrp="1"/>
+          </p:cNvSpPr>
+          <p:nvPr>
+            <p:ph type="body" idx="1"/>
           </p:nvPr>
         </p:nvSpPr>
         <p:spPr/>
@@ -7055,54 +8012,9 @@
           <a:lstStyle/>
           <a:p>
             <a:r>
-              <a:rPr lang="fr-FR" dirty="0" smtClean="0"/>
-              <a:t>Langage C</a:t>
-            </a:r>
-          </a:p>
-          <a:p>
-            <a:r>
-              <a:rPr lang="fr-FR" dirty="0" smtClean="0"/>
-              <a:t>Complexité</a:t>
-            </a:r>
-            <a:endParaRPr lang="fr-FR" dirty="0"/>
-          </a:p>
-          <a:p>
-            <a:pPr lvl="1"/>
-            <a:r>
-              <a:rPr lang="fr-FR" dirty="0"/>
-              <a:t>Temps : O(</a:t>
-            </a:r>
-            <a:r>
-              <a:rPr lang="fr-FR" dirty="0" err="1" smtClean="0"/>
-              <a:t>n.P</a:t>
-            </a:r>
-            <a:r>
-              <a:rPr lang="fr-FR" dirty="0" smtClean="0"/>
-              <a:t>)</a:t>
-            </a:r>
-            <a:endParaRPr lang="fr-FR" dirty="0"/>
-          </a:p>
-          <a:p>
-            <a:pPr lvl="1"/>
-            <a:r>
-              <a:rPr lang="fr-FR" dirty="0"/>
-              <a:t>Espace : O</a:t>
-            </a:r>
-            <a:r>
-              <a:rPr lang="fr-FR" dirty="0" smtClean="0"/>
-              <a:t>(</a:t>
-            </a:r>
-            <a:r>
-              <a:rPr lang="fr-FR" dirty="0" err="1" smtClean="0"/>
-              <a:t>n.P</a:t>
-            </a:r>
-            <a:r>
-              <a:rPr lang="fr-FR" dirty="0" smtClean="0"/>
-              <a:t>)</a:t>
-            </a:r>
-          </a:p>
-          <a:p>
-            <a:endParaRPr lang="fr-FR" dirty="0"/>
+              <a:rPr lang="fr-FR"/>
+              <a:t>Partition</a:t>
+            </a:r>
           </a:p>
         </p:txBody>
       </p:sp>
@@ -7129,38 +8041,23 @@
           </a:p>
         </p:txBody>
       </p:sp>
-      <p:sp>
-        <p:nvSpPr>
-          <p:cNvPr id="5" name="Espace réservé du texte 4"/>
-          <p:cNvSpPr>
-            <a:spLocks noGrp="1"/>
-          </p:cNvSpPr>
-          <p:nvPr>
-            <p:ph type="body" sz="quarter" idx="13"/>
-          </p:nvPr>
-        </p:nvSpPr>
-        <p:spPr/>
-        <p:txBody>
-          <a:bodyPr/>
-          <a:lstStyle/>
-          <a:p>
-            <a:r>
-              <a:rPr lang="fr-FR"/>
-              <a:t>Programmation dynamique / partition</a:t>
-            </a:r>
-          </a:p>
-        </p:txBody>
-      </p:sp>
     </p:spTree>
     <p:extLst>
       <p:ext uri="{BB962C8B-B14F-4D97-AF65-F5344CB8AC3E}">
-        <p14:creationId xmlns:p14="http://schemas.microsoft.com/office/powerpoint/2010/main" val="3547773754"/>
+        <p14:creationId xmlns:p14="http://schemas.microsoft.com/office/powerpoint/2010/main" val="2158559415"/>
       </p:ext>
     </p:extLst>
   </p:cSld>
   <p:clrMapOvr>
     <a:masterClrMapping/>
   </p:clrMapOvr>
+  <p:timing>
+    <p:tnLst>
+      <p:par>
+        <p:cTn xmlns:p14="http://schemas.microsoft.com/office/powerpoint/2010/main" id="1" dur="indefinite" restart="never" nodeType="tmRoot"/>
+      </p:par>
+    </p:tnLst>
+  </p:timing>
 </p:sld>
 </file>
 
@@ -7198,14 +8095,14 @@
           <a:p>
             <a:r>
               <a:rPr lang="fr-FR"/>
-              <a:t>Tests</a:t>
-            </a:r>
-          </a:p>
-        </p:txBody>
-      </p:sp>
-      <p:sp>
-        <p:nvSpPr>
-          <p:cNvPr id="3" name="Espace réservé du contenu 2"/>
+              <a:t>Problème de la partition</a:t>
+            </a:r>
+          </a:p>
+        </p:txBody>
+      </p:sp>
+      <p:sp>
+        <p:nvSpPr>
+          <p:cNvPr id="6" name="Espace réservé du contenu 5"/>
           <p:cNvSpPr>
             <a:spLocks noGrp="1"/>
           </p:cNvSpPr>
@@ -7218,7 +8115,50 @@
           <a:bodyPr/>
           <a:lstStyle/>
           <a:p>
-            <a:endParaRPr lang="fr-FR"/>
+            <a:r>
+              <a:rPr lang="fr-FR"/>
+              <a:t>Problème de décision</a:t>
+            </a:r>
+          </a:p>
+          <a:p>
+            <a:r>
+              <a:rPr lang="fr-FR"/>
+              <a:t>Construction de 2 sous-ensembles E</a:t>
+            </a:r>
+            <a:r>
+              <a:rPr lang="fr-FR" baseline="-25000"/>
+              <a:t>1</a:t>
+            </a:r>
+            <a:r>
+              <a:rPr lang="fr-FR"/>
+              <a:t>, E</a:t>
+            </a:r>
+            <a:r>
+              <a:rPr lang="fr-FR" baseline="-25000"/>
+              <a:t>2</a:t>
+            </a:r>
+          </a:p>
+          <a:p>
+            <a:r>
+              <a:rPr lang="fr-FR"/>
+              <a:t>|E</a:t>
+            </a:r>
+            <a:r>
+              <a:rPr lang="fr-FR" baseline="-25000"/>
+              <a:t>1</a:t>
+            </a:r>
+            <a:r>
+              <a:rPr lang="fr-FR"/>
+              <a:t>| = |E</a:t>
+            </a:r>
+            <a:r>
+              <a:rPr lang="fr-FR" baseline="-25000"/>
+              <a:t>2</a:t>
+            </a:r>
+            <a:r>
+              <a:rPr lang="fr-FR"/>
+              <a:t>|</a:t>
+            </a:r>
           </a:p>
         </p:txBody>
       </p:sp>
@@ -7247,7 +8187,7 @@
       </p:sp>
       <p:sp>
         <p:nvSpPr>
-          <p:cNvPr id="5" name="Espace réservé du texte 4"/>
+          <p:cNvPr id="7" name="Espace réservé du texte 6"/>
           <p:cNvSpPr>
             <a:spLocks noGrp="1"/>
           </p:cNvSpPr>
@@ -7270,13 +8210,20 @@
     </p:spTree>
     <p:extLst>
       <p:ext uri="{BB962C8B-B14F-4D97-AF65-F5344CB8AC3E}">
-        <p14:creationId xmlns:p14="http://schemas.microsoft.com/office/powerpoint/2010/main" val="2569784236"/>
+        <p14:creationId xmlns:p14="http://schemas.microsoft.com/office/powerpoint/2010/main" val="1929628816"/>
       </p:ext>
     </p:extLst>
   </p:cSld>
   <p:clrMapOvr>
     <a:masterClrMapping/>
   </p:clrMapOvr>
+  <p:timing>
+    <p:tnLst>
+      <p:par>
+        <p:cTn xmlns:p14="http://schemas.microsoft.com/office/powerpoint/2010/main" id="1" dur="indefinite" restart="never" nodeType="tmRoot"/>
+      </p:par>
+    </p:tnLst>
+  </p:timing>
 </p:sld>
 </file>
 
@@ -7314,29 +8261,153 @@
           <a:p>
             <a:r>
               <a:rPr lang="fr-FR"/>
-              <a:t>programmation dynamique</a:t>
-            </a:r>
-          </a:p>
-        </p:txBody>
-      </p:sp>
-      <p:sp>
-        <p:nvSpPr>
-          <p:cNvPr id="3" name="Espace réservé du texte 2"/>
-          <p:cNvSpPr>
-            <a:spLocks noGrp="1"/>
-          </p:cNvSpPr>
-          <p:nvPr>
-            <p:ph type="body" idx="1"/>
-          </p:nvPr>
-        </p:nvSpPr>
-        <p:spPr/>
-        <p:txBody>
-          <a:bodyPr/>
+              <a:t>Algorithme</a:t>
+            </a:r>
+          </a:p>
+        </p:txBody>
+      </p:sp>
+      <p:sp>
+        <p:nvSpPr>
+          <p:cNvPr id="3" name="Espace réservé du contenu 2"/>
+          <p:cNvSpPr>
+            <a:spLocks noGrp="1"/>
+          </p:cNvSpPr>
+          <p:nvPr>
+            <p:ph idx="1"/>
+          </p:nvPr>
+        </p:nvSpPr>
+        <p:spPr/>
+        <p:txBody>
+          <a:bodyPr>
+            <a:normAutofit fontScale="92500" lnSpcReduction="20000"/>
+          </a:bodyPr>
           <a:lstStyle/>
           <a:p>
             <a:r>
-              <a:rPr lang="fr-FR"/>
-              <a:t>Sac à dos</a:t>
+              <a:rPr lang="fr-FR" dirty="0"/>
+              <a:t>si le poids total est impair, renvoyer faux</a:t>
+            </a:r>
+          </a:p>
+          <a:p>
+            <a:r>
+              <a:rPr lang="fr-FR" dirty="0"/>
+              <a:t>création de </a:t>
+            </a:r>
+            <a:r>
+              <a:rPr lang="fr-FR" dirty="0" err="1"/>
+              <a:t>T</a:t>
+            </a:r>
+            <a:r>
+              <a:rPr lang="fr-FR" dirty="0"/>
+              <a:t> : (n, P/</a:t>
+            </a:r>
+            <a:r>
+              <a:rPr lang="fr-FR" dirty="0" smtClean="0"/>
+              <a:t>2)</a:t>
+            </a:r>
+            <a:r>
+              <a:rPr lang="fr-FR" dirty="0"/>
+              <a:t>-matrice de </a:t>
+            </a:r>
+            <a:r>
+              <a:rPr lang="fr-FR" dirty="0" err="1"/>
+              <a:t>bool</a:t>
+            </a:r>
+            <a:endParaRPr lang="fr-FR" dirty="0"/>
+          </a:p>
+          <a:p>
+            <a:r>
+              <a:rPr lang="fr-FR" dirty="0"/>
+              <a:t>initialisation</a:t>
+            </a:r>
+          </a:p>
+          <a:p>
+            <a:pPr lvl="1"/>
+            <a:r>
+              <a:rPr lang="fr-FR" dirty="0" err="1"/>
+              <a:t>T</a:t>
+            </a:r>
+            <a:r>
+              <a:rPr lang="fr-FR" dirty="0"/>
+              <a:t>[0,0] = vrai ; pour j∈[0,P/2] : </a:t>
+            </a:r>
+            <a:r>
+              <a:rPr lang="fr-FR" dirty="0" err="1"/>
+              <a:t>T</a:t>
+            </a:r>
+            <a:r>
+              <a:rPr lang="fr-FR" dirty="0"/>
+              <a:t>[0,j] = faux</a:t>
+            </a:r>
+          </a:p>
+          <a:p>
+            <a:r>
+              <a:rPr lang="fr-FR" dirty="0"/>
+              <a:t>pour i∈[1,n]</a:t>
+            </a:r>
+          </a:p>
+          <a:p>
+            <a:pPr lvl="1"/>
+            <a:r>
+              <a:rPr lang="fr-FR" dirty="0"/>
+              <a:t>pour j ∈ [0,P/2] </a:t>
+            </a:r>
+          </a:p>
+          <a:p>
+            <a:pPr lvl="2"/>
+            <a:r>
+              <a:rPr lang="fr-FR" dirty="0" err="1"/>
+              <a:t>T</a:t>
+            </a:r>
+            <a:r>
+              <a:rPr lang="fr-FR" dirty="0"/>
+              <a:t>(i, j) ← [(j = 0)∨(j = p(a</a:t>
+            </a:r>
+            <a:r>
+              <a:rPr lang="fr-FR" baseline="-25000" dirty="0"/>
+              <a:t>i</a:t>
+            </a:r>
+            <a:r>
+              <a:rPr lang="fr-FR" dirty="0"/>
+              <a:t>))∨(</a:t>
+            </a:r>
+            <a:r>
+              <a:rPr lang="fr-FR" dirty="0" err="1"/>
+              <a:t>T</a:t>
+            </a:r>
+            <a:r>
+              <a:rPr lang="fr-FR" dirty="0"/>
+              <a:t>(i-1, j))∨(</a:t>
+            </a:r>
+            <a:r>
+              <a:rPr lang="fr-FR" dirty="0" err="1"/>
+              <a:t>T</a:t>
+            </a:r>
+            <a:r>
+              <a:rPr lang="fr-FR" dirty="0"/>
+              <a:t>(i-1, j-p(a</a:t>
+            </a:r>
+            <a:r>
+              <a:rPr lang="fr-FR" baseline="-25000" dirty="0"/>
+              <a:t>i</a:t>
+            </a:r>
+            <a:r>
+              <a:rPr lang="fr-FR" dirty="0"/>
+              <a:t>)))]</a:t>
+            </a:r>
+          </a:p>
+          <a:p>
+            <a:r>
+              <a:rPr lang="fr-FR" dirty="0"/>
+              <a:t>renvoyer </a:t>
+            </a:r>
+            <a:r>
+              <a:rPr lang="fr-FR" dirty="0" err="1"/>
+              <a:t>T</a:t>
+            </a:r>
+            <a:r>
+              <a:rPr lang="fr-FR" dirty="0"/>
+              <a:t>[n, P/2]</a:t>
             </a:r>
           </a:p>
         </p:txBody>
@@ -7364,23 +8435,38 @@
           </a:p>
         </p:txBody>
       </p:sp>
+      <p:sp>
+        <p:nvSpPr>
+          <p:cNvPr id="5" name="Espace réservé du texte 4"/>
+          <p:cNvSpPr>
+            <a:spLocks noGrp="1"/>
+          </p:cNvSpPr>
+          <p:nvPr>
+            <p:ph type="body" sz="quarter" idx="13"/>
+          </p:nvPr>
+        </p:nvSpPr>
+        <p:spPr/>
+        <p:txBody>
+          <a:bodyPr/>
+          <a:lstStyle/>
+          <a:p>
+            <a:r>
+              <a:rPr lang="fr-FR"/>
+              <a:t>Programmation dynamique / partition</a:t>
+            </a:r>
+          </a:p>
+        </p:txBody>
+      </p:sp>
     </p:spTree>
     <p:extLst>
       <p:ext uri="{BB962C8B-B14F-4D97-AF65-F5344CB8AC3E}">
-        <p14:creationId xmlns:p14="http://schemas.microsoft.com/office/powerpoint/2010/main" val="2168656225"/>
+        <p14:creationId xmlns:p14="http://schemas.microsoft.com/office/powerpoint/2010/main" val="3917693582"/>
       </p:ext>
     </p:extLst>
   </p:cSld>
   <p:clrMapOvr>
     <a:masterClrMapping/>
   </p:clrMapOvr>
-  <p:timing>
-    <p:tnLst>
-      <p:par>
-        <p:cTn xmlns:p14="http://schemas.microsoft.com/office/powerpoint/2010/main" id="1" dur="indefinite" restart="never" nodeType="tmRoot"/>
-      </p:par>
-    </p:tnLst>
-  </p:timing>
 </p:sld>
 </file>
 
@@ -7418,14 +8504,14 @@
           <a:p>
             <a:r>
               <a:rPr lang="fr-FR"/>
-              <a:t>Problème du sac à dos</a:t>
-            </a:r>
-          </a:p>
-        </p:txBody>
-      </p:sp>
-      <p:sp>
-        <p:nvSpPr>
-          <p:cNvPr id="6" name="Espace réservé du contenu 5"/>
+              <a:t>Implémentation</a:t>
+            </a:r>
+          </a:p>
+        </p:txBody>
+      </p:sp>
+      <p:sp>
+        <p:nvSpPr>
+          <p:cNvPr id="3" name="Espace réservé du contenu 2"/>
           <p:cNvSpPr>
             <a:spLocks noGrp="1"/>
           </p:cNvSpPr>
@@ -7439,35 +8525,54 @@
           <a:lstStyle/>
           <a:p>
             <a:r>
-              <a:rPr lang="fr-FR"/>
-              <a:t>Problème d’optimisation</a:t>
-            </a:r>
-          </a:p>
-          <a:p>
-            <a:r>
-              <a:rPr lang="fr-FR"/>
-              <a:t>Remplir un sac à dos avec </a:t>
-            </a:r>
-            <a:r>
-              <a:rPr lang="fr-FR" i="1"/>
-              <a:t>n</a:t>
-            </a:r>
-            <a:r>
-              <a:rPr lang="fr-FR"/>
-              <a:t> objets</a:t>
-            </a:r>
-          </a:p>
-          <a:p>
-            <a:r>
-              <a:rPr lang="fr-FR"/>
-              <a:t>Volume limité</a:t>
-            </a:r>
-          </a:p>
-          <a:p>
-            <a:r>
-              <a:rPr lang="fr-FR"/>
-              <a:t>Choix d’une solution à utilité maximale</a:t>
-            </a:r>
+              <a:rPr lang="fr-FR" dirty="0" smtClean="0"/>
+              <a:t>Langage C</a:t>
+            </a:r>
+          </a:p>
+          <a:p>
+            <a:r>
+              <a:rPr lang="fr-FR" dirty="0" smtClean="0"/>
+              <a:t>Complexité</a:t>
+            </a:r>
+            <a:endParaRPr lang="fr-FR" dirty="0"/>
+          </a:p>
+          <a:p>
+            <a:pPr lvl="1"/>
+            <a:r>
+              <a:rPr lang="fr-FR" dirty="0"/>
+              <a:t>Temps : O(</a:t>
+            </a:r>
+            <a:r>
+              <a:rPr lang="fr-FR" dirty="0" err="1" smtClean="0"/>
+              <a:t>n.P</a:t>
+            </a:r>
+            <a:r>
+              <a:rPr lang="fr-FR" dirty="0" smtClean="0"/>
+              <a:t>)</a:t>
+            </a:r>
+            <a:endParaRPr lang="fr-FR" dirty="0"/>
+          </a:p>
+          <a:p>
+            <a:pPr lvl="1"/>
+            <a:r>
+              <a:rPr lang="fr-FR" dirty="0"/>
+              <a:t>Espace : O</a:t>
+            </a:r>
+            <a:r>
+              <a:rPr lang="fr-FR" dirty="0" smtClean="0"/>
+              <a:t>(</a:t>
+            </a:r>
+            <a:r>
+              <a:rPr lang="fr-FR" dirty="0" err="1" smtClean="0"/>
+              <a:t>n.P</a:t>
+            </a:r>
+            <a:r>
+              <a:rPr lang="fr-FR" dirty="0" smtClean="0"/>
+              <a:t>)</a:t>
+            </a:r>
+          </a:p>
+          <a:p>
+            <a:endParaRPr lang="fr-FR" dirty="0"/>
           </a:p>
         </p:txBody>
       </p:sp>
@@ -7496,7 +8601,7 @@
       </p:sp>
       <p:sp>
         <p:nvSpPr>
-          <p:cNvPr id="7" name="Espace réservé du texte 6"/>
+          <p:cNvPr id="5" name="Espace réservé du texte 4"/>
           <p:cNvSpPr>
             <a:spLocks noGrp="1"/>
           </p:cNvSpPr>
@@ -7511,7 +8616,7 @@
           <a:p>
             <a:r>
               <a:rPr lang="fr-FR"/>
-              <a:t>Programmation dynamique / Sac à dos</a:t>
+              <a:t>Programmation dynamique / partition</a:t>
             </a:r>
           </a:p>
         </p:txBody>
@@ -7519,20 +8624,13 @@
     </p:spTree>
     <p:extLst>
       <p:ext uri="{BB962C8B-B14F-4D97-AF65-F5344CB8AC3E}">
-        <p14:creationId xmlns:p14="http://schemas.microsoft.com/office/powerpoint/2010/main" val="2110593780"/>
+        <p14:creationId xmlns:p14="http://schemas.microsoft.com/office/powerpoint/2010/main" val="3547773754"/>
       </p:ext>
     </p:extLst>
   </p:cSld>
   <p:clrMapOvr>
     <a:masterClrMapping/>
   </p:clrMapOvr>
-  <p:timing>
-    <p:tnLst>
-      <p:par>
-        <p:cTn xmlns:p14="http://schemas.microsoft.com/office/powerpoint/2010/main" id="1" dur="indefinite" restart="never" nodeType="tmRoot"/>
-      </p:par>
-    </p:tnLst>
-  </p:timing>
 </p:sld>
 </file>
 

--- a/gmin213/tp/presentation/pres.pptx
+++ b/gmin213/tp/presentation/pres.pptx
@@ -5,10 +5,10 @@
     <p:sldMasterId id="2147483660" r:id="rId1"/>
   </p:sldMasterIdLst>
   <p:notesMasterIdLst>
-    <p:notesMasterId r:id="rId30"/>
+    <p:notesMasterId r:id="rId31"/>
   </p:notesMasterIdLst>
   <p:handoutMasterIdLst>
-    <p:handoutMasterId r:id="rId31"/>
+    <p:handoutMasterId r:id="rId32"/>
   </p:handoutMasterIdLst>
   <p:sldIdLst>
     <p:sldId id="256" r:id="rId2"/>
@@ -33,12 +33,13 @@
     <p:sldId id="275" r:id="rId21"/>
     <p:sldId id="276" r:id="rId22"/>
     <p:sldId id="278" r:id="rId23"/>
-    <p:sldId id="279" r:id="rId24"/>
-    <p:sldId id="280" r:id="rId25"/>
-    <p:sldId id="283" r:id="rId26"/>
-    <p:sldId id="284" r:id="rId27"/>
-    <p:sldId id="285" r:id="rId28"/>
-    <p:sldId id="286" r:id="rId29"/>
+    <p:sldId id="287" r:id="rId24"/>
+    <p:sldId id="279" r:id="rId25"/>
+    <p:sldId id="280" r:id="rId26"/>
+    <p:sldId id="283" r:id="rId27"/>
+    <p:sldId id="284" r:id="rId28"/>
+    <p:sldId id="285" r:id="rId29"/>
+    <p:sldId id="286" r:id="rId30"/>
   </p:sldIdLst>
   <p:sldSz cx="9144000" cy="6858000" type="screen4x3"/>
   <p:notesSz cx="6858000" cy="9144000"/>
@@ -176,6 +177,7 @@
           <p14:sldIdLst>
             <p14:sldId id="276"/>
             <p14:sldId id="278"/>
+            <p14:sldId id="287"/>
             <p14:sldId id="279"/>
           </p14:sldIdLst>
         </p14:section>
@@ -279,7 +281,7 @@
           </a:lstStyle>
           <a:p>
             <a:fld id="{6CAA1372-D54A-F74F-A4FC-2DBB009335CC}" type="datetimeFigureOut">
-              <a:t>13/05/12</a:t>
+              <a:t>14/05/12</a:t>
             </a:fld>
             <a:endParaRPr lang="fr-FR"/>
           </a:p>
@@ -443,7 +445,7 @@
           </a:lstStyle>
           <a:p>
             <a:fld id="{86FF31F6-6E5E-184B-B964-177E2B701B39}" type="datetimeFigureOut">
-              <a:t>13/05/12</a:t>
+              <a:t>14/05/12</a:t>
             </a:fld>
             <a:endParaRPr lang="fr-FR"/>
           </a:p>
@@ -788,7 +790,7 @@
           </a:lstStyle>
           <a:p>
             <a:fld id="{DCC57DAD-4BBC-694D-AC44-A659D8CC23C3}" type="datetime1">
-              <a:t>13/05/12</a:t>
+              <a:t>14/05/12</a:t>
             </a:fld>
             <a:endParaRPr lang="fr-FR"/>
           </a:p>
@@ -952,7 +954,7 @@
           </a:lstStyle>
           <a:p>
             <a:fld id="{83529C55-CBBE-2945-B229-515E7C1D8BFF}" type="datetime1">
-              <a:t>13/05/12</a:t>
+              <a:t>14/05/12</a:t>
             </a:fld>
             <a:endParaRPr lang="fr-FR"/>
           </a:p>
@@ -1427,7 +1429,7 @@
           </a:lstStyle>
           <a:p>
             <a:fld id="{6C708206-876B-8449-B4F6-30836784BD91}" type="datetime1">
-              <a:t>13/05/12</a:t>
+              <a:t>14/05/12</a:t>
             </a:fld>
             <a:endParaRPr lang="fr-FR"/>
           </a:p>
@@ -1610,7 +1612,7 @@
           </a:lstStyle>
           <a:p>
             <a:fld id="{4166266F-D649-4149-92EA-94E39734B11B}" type="datetime1">
-              <a:t>13/05/12</a:t>
+              <a:t>14/05/12</a:t>
             </a:fld>
             <a:endParaRPr lang="fr-FR"/>
           </a:p>
@@ -1823,7 +1825,7 @@
           </a:lstStyle>
           <a:p>
             <a:fld id="{10914011-B483-D84C-840C-3E44246C11F0}" type="datetime1">
-              <a:t>13/05/12</a:t>
+              <a:t>14/05/12</a:t>
             </a:fld>
             <a:endParaRPr lang="fr-FR"/>
           </a:p>
@@ -2144,7 +2146,7 @@
           </a:lstStyle>
           <a:p>
             <a:fld id="{10914011-B483-D84C-840C-3E44246C11F0}" type="datetime1">
-              <a:t>13/05/12</a:t>
+              <a:t>14/05/12</a:t>
             </a:fld>
             <a:endParaRPr lang="fr-FR"/>
           </a:p>
@@ -2420,7 +2422,7 @@
           </a:lstStyle>
           <a:p>
             <a:fld id="{12FC6D66-3776-824D-B584-CD5E0E75B271}" type="datetime1">
-              <a:t>13/05/12</a:t>
+              <a:t>14/05/12</a:t>
             </a:fld>
             <a:endParaRPr lang="fr-FR"/>
           </a:p>
@@ -2778,7 +2780,7 @@
           </a:lstStyle>
           <a:p>
             <a:fld id="{FB542D9F-AA51-EE45-99F1-5FC586F39389}" type="datetime1">
-              <a:t>13/05/12</a:t>
+              <a:t>14/05/12</a:t>
             </a:fld>
             <a:endParaRPr lang="fr-FR"/>
           </a:p>
@@ -3265,7 +3267,7 @@
           </a:lstStyle>
           <a:p>
             <a:fld id="{757FF3F2-F4C1-364C-B523-CA534B1EECB4}" type="datetime1">
-              <a:t>13/05/12</a:t>
+              <a:t>14/05/12</a:t>
             </a:fld>
             <a:endParaRPr lang="fr-FR"/>
           </a:p>
@@ -3389,7 +3391,7 @@
           </a:lstStyle>
           <a:p>
             <a:fld id="{89D84D52-9416-3548-8F5C-559B156EB9D9}" type="datetime1">
-              <a:t>13/05/12</a:t>
+              <a:t>14/05/12</a:t>
             </a:fld>
             <a:endParaRPr lang="fr-FR"/>
           </a:p>
@@ -3531,7 +3533,7 @@
           </a:lstStyle>
           <a:p>
             <a:fld id="{FCC43271-AD36-CA4E-B220-B020EFD8338D}" type="datetime1">
-              <a:t>13/05/12</a:t>
+              <a:t>14/05/12</a:t>
             </a:fld>
             <a:endParaRPr lang="fr-FR"/>
           </a:p>
@@ -3851,7 +3853,7 @@
           </a:lstStyle>
           <a:p>
             <a:fld id="{40E29D4D-8E9D-7E44-9DD0-45FE72E7D31D}" type="datetime1">
-              <a:t>13/05/12</a:t>
+              <a:t>14/05/12</a:t>
             </a:fld>
             <a:endParaRPr lang="fr-FR"/>
           </a:p>
@@ -4328,7 +4330,7 @@
           </a:lstStyle>
           <a:p>
             <a:fld id="{EB7BC751-4C6E-A344-9F99-D1A3B9508E5B}" type="datetime1">
-              <a:t>13/05/12</a:t>
+              <a:t>14/05/12</a:t>
             </a:fld>
             <a:endParaRPr lang="fr-FR"/>
           </a:p>
@@ -6428,7 +6430,6 @@
               <a:rPr lang="fr-FR" dirty="0"/>
               <a:t>)</a:t>
             </a:r>
-            <a:endParaRPr lang="fr-FR" dirty="0"/>
           </a:p>
         </p:txBody>
       </p:sp>
@@ -6595,7 +6596,6 @@
               <a:rPr lang="fr-FR"/>
               <a:t>Conclusion</a:t>
             </a:r>
-            <a:endParaRPr lang="fr-FR"/>
           </a:p>
         </p:txBody>
       </p:sp>
@@ -7007,12 +7007,14 @@
         </p:nvSpPr>
         <p:spPr/>
         <p:txBody>
-          <a:bodyPr/>
+          <a:bodyPr>
+            <a:normAutofit/>
+          </a:bodyPr>
           <a:lstStyle/>
           <a:p>
             <a:r>
               <a:rPr lang="fr-FR"/>
-              <a:t>Comparaison des résultats</a:t>
+              <a:t>Voisinage 2-opt</a:t>
             </a:r>
           </a:p>
         </p:txBody>
@@ -7032,6 +7034,26 @@
           <a:bodyPr/>
           <a:lstStyle/>
           <a:p>
+            <a:r>
+              <a:rPr lang="fr-FR"/>
+              <a:t>Amélioration d’un cycle existant</a:t>
+            </a:r>
+          </a:p>
+          <a:p>
+            <a:r>
+              <a:rPr lang="fr-FR"/>
+              <a:t>Basé sur des permutations d’ar</a:t>
+            </a:r>
+            <a:r>
+              <a:rPr lang="fr-FR"/>
+              <a:t>êtes</a:t>
+            </a:r>
+          </a:p>
+          <a:p>
+            <a:r>
+              <a:rPr lang="fr-FR"/>
+              <a:t>Utile qu’avec l’inégalité triangulaire</a:t>
+            </a:r>
             <a:endParaRPr lang="fr-FR"/>
           </a:p>
         </p:txBody>
@@ -7084,7 +7106,7 @@
     </p:spTree>
     <p:extLst>
       <p:ext uri="{BB962C8B-B14F-4D97-AF65-F5344CB8AC3E}">
-        <p14:creationId xmlns:p14="http://schemas.microsoft.com/office/powerpoint/2010/main" val="2466887057"/>
+        <p14:creationId xmlns:p14="http://schemas.microsoft.com/office/powerpoint/2010/main" val="1916352254"/>
       </p:ext>
     </p:extLst>
   </p:cSld>
@@ -7128,11 +7150,36 @@
           <a:p>
             <a:r>
               <a:rPr lang="fr-FR"/>
-              <a:t>Comparaison P.D.  vs B&amp;B pour le TSP</a:t>
-            </a:r>
-          </a:p>
-        </p:txBody>
-      </p:sp>
+              <a:t>Résultats avec chaine min</a:t>
+            </a:r>
+          </a:p>
+        </p:txBody>
+      </p:sp>
+      <p:pic>
+        <p:nvPicPr>
+          <p:cNvPr id="6" name="Espace réservé du contenu 5" descr="tsp_bb.png"/>
+          <p:cNvPicPr>
+            <a:picLocks noGrp="1" noChangeAspect="1"/>
+          </p:cNvPicPr>
+          <p:nvPr>
+            <p:ph idx="1"/>
+          </p:nvPr>
+        </p:nvPicPr>
+        <p:blipFill>
+          <a:blip r:embed="rId2">
+            <a:extLst>
+              <a:ext uri="{28A0092B-C50C-407E-A947-70E740481C1C}">
+                <a14:useLocalDpi xmlns:a14="http://schemas.microsoft.com/office/drawing/2010/main" val="0"/>
+              </a:ext>
+            </a:extLst>
+          </a:blip>
+          <a:srcRect l="-8571" r="-8571"/>
+          <a:stretch>
+            <a:fillRect/>
+          </a:stretch>
+        </p:blipFill>
+        <p:spPr/>
+      </p:pic>
       <p:sp>
         <p:nvSpPr>
           <p:cNvPr id="4" name="Espace réservé du numéro de diapositive 3"/>
@@ -7156,10 +7203,32 @@
           </a:p>
         </p:txBody>
       </p:sp>
+      <p:sp>
+        <p:nvSpPr>
+          <p:cNvPr id="5" name="Espace réservé du texte 4"/>
+          <p:cNvSpPr>
+            <a:spLocks noGrp="1"/>
+          </p:cNvSpPr>
+          <p:nvPr>
+            <p:ph type="body" sz="quarter" idx="13"/>
+          </p:nvPr>
+        </p:nvSpPr>
+        <p:spPr/>
+        <p:txBody>
+          <a:bodyPr/>
+          <a:lstStyle/>
+          <a:p>
+            <a:r>
+              <a:rPr lang="fr-FR"/>
+              <a:t>Branch &amp; bound</a:t>
+            </a:r>
+          </a:p>
+        </p:txBody>
+      </p:sp>
     </p:spTree>
     <p:extLst>
       <p:ext uri="{BB962C8B-B14F-4D97-AF65-F5344CB8AC3E}">
-        <p14:creationId xmlns:p14="http://schemas.microsoft.com/office/powerpoint/2010/main" val="442916009"/>
+        <p14:creationId xmlns:p14="http://schemas.microsoft.com/office/powerpoint/2010/main" val="2466887057"/>
       </p:ext>
     </p:extLst>
   </p:cSld>
@@ -7203,27 +7272,8 @@
           <a:p>
             <a:r>
               <a:rPr lang="fr-FR"/>
-              <a:t>Résultats</a:t>
-            </a:r>
-          </a:p>
-        </p:txBody>
-      </p:sp>
-      <p:sp>
-        <p:nvSpPr>
-          <p:cNvPr id="3" name="Espace réservé du contenu 2"/>
-          <p:cNvSpPr>
-            <a:spLocks noGrp="1"/>
-          </p:cNvSpPr>
-          <p:nvPr>
-            <p:ph idx="1"/>
-          </p:nvPr>
-        </p:nvSpPr>
-        <p:spPr/>
-        <p:txBody>
-          <a:bodyPr/>
-          <a:lstStyle/>
-          <a:p>
-            <a:endParaRPr lang="fr-FR"/>
+              <a:t>Comparaison P.D.  vs B&amp;B pour le TSP</a:t>
+            </a:r>
           </a:p>
         </p:txBody>
       </p:sp>
@@ -7250,32 +7300,10 @@
           </a:p>
         </p:txBody>
       </p:sp>
-      <p:sp>
-        <p:nvSpPr>
-          <p:cNvPr id="5" name="Espace réservé du texte 4"/>
-          <p:cNvSpPr>
-            <a:spLocks noGrp="1"/>
-          </p:cNvSpPr>
-          <p:nvPr>
-            <p:ph type="body" sz="quarter" idx="13"/>
-          </p:nvPr>
-        </p:nvSpPr>
-        <p:spPr/>
-        <p:txBody>
-          <a:bodyPr/>
-          <a:lstStyle/>
-          <a:p>
-            <a:r>
-              <a:rPr lang="fr-FR"/>
-              <a:t>Conclusion</a:t>
-            </a:r>
-          </a:p>
-        </p:txBody>
-      </p:sp>
     </p:spTree>
     <p:extLst>
       <p:ext uri="{BB962C8B-B14F-4D97-AF65-F5344CB8AC3E}">
-        <p14:creationId xmlns:p14="http://schemas.microsoft.com/office/powerpoint/2010/main" val="381222253"/>
+        <p14:creationId xmlns:p14="http://schemas.microsoft.com/office/powerpoint/2010/main" val="442916009"/>
       </p:ext>
     </p:extLst>
   </p:cSld>
@@ -7319,11 +7347,36 @@
           <a:p>
             <a:r>
               <a:rPr lang="fr-FR"/>
-              <a:t>Conclusion</a:t>
-            </a:r>
-          </a:p>
-        </p:txBody>
-      </p:sp>
+              <a:t>Résultats</a:t>
+            </a:r>
+          </a:p>
+        </p:txBody>
+      </p:sp>
+      <p:pic>
+        <p:nvPicPr>
+          <p:cNvPr id="6" name="Espace réservé du contenu 5" descr="comp.png"/>
+          <p:cNvPicPr>
+            <a:picLocks noGrp="1" noChangeAspect="1"/>
+          </p:cNvPicPr>
+          <p:nvPr>
+            <p:ph idx="1"/>
+          </p:nvPr>
+        </p:nvPicPr>
+        <p:blipFill>
+          <a:blip r:embed="rId2">
+            <a:extLst>
+              <a:ext uri="{28A0092B-C50C-407E-A947-70E740481C1C}">
+                <a14:useLocalDpi xmlns:a14="http://schemas.microsoft.com/office/drawing/2010/main" val="0"/>
+              </a:ext>
+            </a:extLst>
+          </a:blip>
+          <a:srcRect l="-8571" r="-8571"/>
+          <a:stretch>
+            <a:fillRect/>
+          </a:stretch>
+        </p:blipFill>
+        <p:spPr/>
+      </p:pic>
       <p:sp>
         <p:nvSpPr>
           <p:cNvPr id="4" name="Espace réservé du numéro de diapositive 3"/>
@@ -7347,10 +7400,32 @@
           </a:p>
         </p:txBody>
       </p:sp>
+      <p:sp>
+        <p:nvSpPr>
+          <p:cNvPr id="5" name="Espace réservé du texte 4"/>
+          <p:cNvSpPr>
+            <a:spLocks noGrp="1"/>
+          </p:cNvSpPr>
+          <p:nvPr>
+            <p:ph type="body" sz="quarter" idx="13"/>
+          </p:nvPr>
+        </p:nvSpPr>
+        <p:spPr/>
+        <p:txBody>
+          <a:bodyPr/>
+          <a:lstStyle/>
+          <a:p>
+            <a:r>
+              <a:rPr lang="fr-FR"/>
+              <a:t>Conclusion</a:t>
+            </a:r>
+          </a:p>
+        </p:txBody>
+      </p:sp>
     </p:spTree>
     <p:extLst>
       <p:ext uri="{BB962C8B-B14F-4D97-AF65-F5344CB8AC3E}">
-        <p14:creationId xmlns:p14="http://schemas.microsoft.com/office/powerpoint/2010/main" val="221078733"/>
+        <p14:creationId xmlns:p14="http://schemas.microsoft.com/office/powerpoint/2010/main" val="381222253"/>
       </p:ext>
     </p:extLst>
   </p:cSld>
@@ -7394,72 +7469,7 @@
           <a:p>
             <a:r>
               <a:rPr lang="fr-FR"/>
-              <a:t>Prog. Dyn. vs B&amp;B</a:t>
-            </a:r>
-          </a:p>
-        </p:txBody>
-      </p:sp>
-      <p:sp>
-        <p:nvSpPr>
-          <p:cNvPr id="3" name="Espace réservé du contenu 2"/>
-          <p:cNvSpPr>
-            <a:spLocks noGrp="1"/>
-          </p:cNvSpPr>
-          <p:nvPr>
-            <p:ph idx="1"/>
-          </p:nvPr>
-        </p:nvSpPr>
-        <p:spPr/>
-        <p:txBody>
-          <a:bodyPr>
-            <a:normAutofit lnSpcReduction="10000"/>
-          </a:bodyPr>
-          <a:lstStyle/>
-          <a:p>
-            <a:r>
-              <a:rPr lang="fr-FR"/>
-              <a:t>Programmation dynamique</a:t>
-            </a:r>
-          </a:p>
-          <a:p>
-            <a:pPr lvl="1"/>
-            <a:r>
-              <a:rPr lang="fr-FR"/>
-              <a:t>Paradigme intuitif</a:t>
-            </a:r>
-          </a:p>
-          <a:p>
-            <a:pPr lvl="1"/>
-            <a:r>
-              <a:rPr lang="fr-FR"/>
-              <a:t>Occupation mémoire importante</a:t>
-            </a:r>
-          </a:p>
-          <a:p>
-            <a:pPr lvl="1"/>
-            <a:r>
-              <a:rPr lang="fr-FR"/>
-              <a:t>Efficace sur des petites valeurs</a:t>
-            </a:r>
-          </a:p>
-          <a:p>
-            <a:r>
-              <a:rPr lang="fr-FR"/>
-              <a:t>Branch&amp;Bound</a:t>
-            </a:r>
-          </a:p>
-          <a:p>
-            <a:pPr lvl="1"/>
-            <a:r>
-              <a:rPr lang="fr-FR"/>
-              <a:t>Difficulté à déterminer les fonctions</a:t>
-            </a:r>
-          </a:p>
-          <a:p>
-            <a:pPr lvl="1"/>
-            <a:r>
-              <a:rPr lang="fr-FR"/>
-              <a:t>Efficace sur les grandes valeurs</a:t>
+              <a:t>Conclusion</a:t>
             </a:r>
           </a:p>
         </p:txBody>
@@ -7487,32 +7497,10 @@
           </a:p>
         </p:txBody>
       </p:sp>
-      <p:sp>
-        <p:nvSpPr>
-          <p:cNvPr id="5" name="Espace réservé du texte 4"/>
-          <p:cNvSpPr>
-            <a:spLocks noGrp="1"/>
-          </p:cNvSpPr>
-          <p:nvPr>
-            <p:ph type="body" sz="quarter" idx="13"/>
-          </p:nvPr>
-        </p:nvSpPr>
-        <p:spPr/>
-        <p:txBody>
-          <a:bodyPr/>
-          <a:lstStyle/>
-          <a:p>
-            <a:r>
-              <a:rPr lang="fr-FR"/>
-              <a:t>Conclusion</a:t>
-            </a:r>
-          </a:p>
-        </p:txBody>
-      </p:sp>
     </p:spTree>
     <p:extLst>
       <p:ext uri="{BB962C8B-B14F-4D97-AF65-F5344CB8AC3E}">
-        <p14:creationId xmlns:p14="http://schemas.microsoft.com/office/powerpoint/2010/main" val="1088461605"/>
+        <p14:creationId xmlns:p14="http://schemas.microsoft.com/office/powerpoint/2010/main" val="221078733"/>
       </p:ext>
     </p:extLst>
   </p:cSld>
@@ -7541,6 +7529,168 @@
       </p:grpSpPr>
       <p:sp>
         <p:nvSpPr>
+          <p:cNvPr id="2" name="Titre 1"/>
+          <p:cNvSpPr>
+            <a:spLocks noGrp="1"/>
+          </p:cNvSpPr>
+          <p:nvPr>
+            <p:ph type="title"/>
+          </p:nvPr>
+        </p:nvSpPr>
+        <p:spPr/>
+        <p:txBody>
+          <a:bodyPr/>
+          <a:lstStyle/>
+          <a:p>
+            <a:r>
+              <a:rPr lang="fr-FR"/>
+              <a:t>Prog. Dyn. vs B&amp;B</a:t>
+            </a:r>
+          </a:p>
+        </p:txBody>
+      </p:sp>
+      <p:sp>
+        <p:nvSpPr>
+          <p:cNvPr id="3" name="Espace réservé du contenu 2"/>
+          <p:cNvSpPr>
+            <a:spLocks noGrp="1"/>
+          </p:cNvSpPr>
+          <p:nvPr>
+            <p:ph idx="1"/>
+          </p:nvPr>
+        </p:nvSpPr>
+        <p:spPr/>
+        <p:txBody>
+          <a:bodyPr>
+            <a:normAutofit lnSpcReduction="10000"/>
+          </a:bodyPr>
+          <a:lstStyle/>
+          <a:p>
+            <a:r>
+              <a:rPr lang="fr-FR"/>
+              <a:t>Programmation dynamique</a:t>
+            </a:r>
+          </a:p>
+          <a:p>
+            <a:pPr lvl="1"/>
+            <a:r>
+              <a:rPr lang="fr-FR"/>
+              <a:t>Paradigme intuitif</a:t>
+            </a:r>
+          </a:p>
+          <a:p>
+            <a:pPr lvl="1"/>
+            <a:r>
+              <a:rPr lang="fr-FR"/>
+              <a:t>Occupation mémoire importante</a:t>
+            </a:r>
+          </a:p>
+          <a:p>
+            <a:pPr lvl="1"/>
+            <a:r>
+              <a:rPr lang="fr-FR"/>
+              <a:t>Efficace sur des petites valeurs</a:t>
+            </a:r>
+          </a:p>
+          <a:p>
+            <a:r>
+              <a:rPr lang="fr-FR"/>
+              <a:t>Branch&amp;Bound</a:t>
+            </a:r>
+          </a:p>
+          <a:p>
+            <a:pPr lvl="1"/>
+            <a:r>
+              <a:rPr lang="fr-FR"/>
+              <a:t>Difficulté à déterminer les fonctions</a:t>
+            </a:r>
+          </a:p>
+          <a:p>
+            <a:pPr lvl="1"/>
+            <a:r>
+              <a:rPr lang="fr-FR"/>
+              <a:t>Efficace sur les grandes valeurs</a:t>
+            </a:r>
+          </a:p>
+        </p:txBody>
+      </p:sp>
+      <p:sp>
+        <p:nvSpPr>
+          <p:cNvPr id="4" name="Espace réservé du numéro de diapositive 3"/>
+          <p:cNvSpPr>
+            <a:spLocks noGrp="1"/>
+          </p:cNvSpPr>
+          <p:nvPr>
+            <p:ph type="sldNum" sz="quarter" idx="12"/>
+          </p:nvPr>
+        </p:nvSpPr>
+        <p:spPr/>
+        <p:txBody>
+          <a:bodyPr/>
+          <a:lstStyle/>
+          <a:p>
+            <a:fld id="{36E14869-03E4-304B-A3A2-88DE27B9560D}" type="slidenum">
+              <a:rPr lang="fr-FR"/>
+              <a:t>27</a:t>
+            </a:fld>
+            <a:endParaRPr lang="fr-FR"/>
+          </a:p>
+        </p:txBody>
+      </p:sp>
+      <p:sp>
+        <p:nvSpPr>
+          <p:cNvPr id="5" name="Espace réservé du texte 4"/>
+          <p:cNvSpPr>
+            <a:spLocks noGrp="1"/>
+          </p:cNvSpPr>
+          <p:nvPr>
+            <p:ph type="body" sz="quarter" idx="13"/>
+          </p:nvPr>
+        </p:nvSpPr>
+        <p:spPr/>
+        <p:txBody>
+          <a:bodyPr/>
+          <a:lstStyle/>
+          <a:p>
+            <a:r>
+              <a:rPr lang="fr-FR"/>
+              <a:t>Conclusion</a:t>
+            </a:r>
+          </a:p>
+        </p:txBody>
+      </p:sp>
+    </p:spTree>
+    <p:extLst>
+      <p:ext uri="{BB962C8B-B14F-4D97-AF65-F5344CB8AC3E}">
+        <p14:creationId xmlns:p14="http://schemas.microsoft.com/office/powerpoint/2010/main" val="1088461605"/>
+      </p:ext>
+    </p:extLst>
+  </p:cSld>
+  <p:clrMapOvr>
+    <a:masterClrMapping/>
+  </p:clrMapOvr>
+</p:sld>
+</file>
+
+<file path=ppt/slides/slide29.xml><?xml version="1.0" encoding="utf-8"?>
+<p:sld xmlns:a="http://schemas.openxmlformats.org/drawingml/2006/main" xmlns:r="http://schemas.openxmlformats.org/officeDocument/2006/relationships" xmlns:p="http://schemas.openxmlformats.org/presentationml/2006/main">
+  <p:cSld>
+    <p:spTree>
+      <p:nvGrpSpPr>
+        <p:cNvPr id="1" name=""/>
+        <p:cNvGrpSpPr/>
+        <p:nvPr/>
+      </p:nvGrpSpPr>
+      <p:grpSpPr>
+        <a:xfrm>
+          <a:off x="0" y="0"/>
+          <a:ext cx="0" cy="0"/>
+          <a:chOff x="0" y="0"/>
+          <a:chExt cx="0" cy="0"/>
+        </a:xfrm>
+      </p:grpSpPr>
+      <p:sp>
+        <p:nvSpPr>
           <p:cNvPr id="2" name="Espace réservé du numéro de diapositive 1"/>
           <p:cNvSpPr>
             <a:spLocks noGrp="1"/>
@@ -7556,7 +7706,7 @@
           <a:p>
             <a:fld id="{36E14869-03E4-304B-A3A2-88DE27B9560D}" type="slidenum">
               <a:rPr lang="fr-FR"/>
-              <a:t>27</a:t>
+              <a:t>28</a:t>
             </a:fld>
             <a:endParaRPr lang="fr-FR"/>
           </a:p>
@@ -7854,7 +8004,6 @@
               <a:rPr lang="fr-FR"/>
               <a:t>Branch &amp; Bound</a:t>
             </a:r>
-            <a:endParaRPr lang="fr-FR"/>
           </a:p>
         </p:txBody>
       </p:sp>
@@ -7940,7 +8089,6 @@
               <a:rPr lang="fr-FR"/>
               <a:t>Introduction</a:t>
             </a:r>
-            <a:endParaRPr lang="fr-FR"/>
           </a:p>
         </p:txBody>
       </p:sp>
